--- a/Documents/01기초-화면지우기.pptx
+++ b/Documents/01기초-화면지우기.pptx
@@ -267,7 +267,7 @@
           <a:p>
             <a:fld id="{20FDF2D6-8C5E-4A0C-AD78-AB907B009066}" type="datetimeFigureOut">
               <a:rPr lang="ko-KR" altLang="en-US" smtClean="0"/>
-              <a:t>2024-09-04</a:t>
+              <a:t>2025-09-01</a:t>
             </a:fld>
             <a:endParaRPr lang="ko-KR" altLang="en-US"/>
           </a:p>
@@ -465,7 +465,7 @@
           <a:p>
             <a:fld id="{20FDF2D6-8C5E-4A0C-AD78-AB907B009066}" type="datetimeFigureOut">
               <a:rPr lang="ko-KR" altLang="en-US" smtClean="0"/>
-              <a:t>2024-09-04</a:t>
+              <a:t>2025-09-01</a:t>
             </a:fld>
             <a:endParaRPr lang="ko-KR" altLang="en-US"/>
           </a:p>
@@ -673,7 +673,7 @@
           <a:p>
             <a:fld id="{20FDF2D6-8C5E-4A0C-AD78-AB907B009066}" type="datetimeFigureOut">
               <a:rPr lang="ko-KR" altLang="en-US" smtClean="0"/>
-              <a:t>2024-09-04</a:t>
+              <a:t>2025-09-01</a:t>
             </a:fld>
             <a:endParaRPr lang="ko-KR" altLang="en-US"/>
           </a:p>
@@ -871,7 +871,7 @@
           <a:p>
             <a:fld id="{20FDF2D6-8C5E-4A0C-AD78-AB907B009066}" type="datetimeFigureOut">
               <a:rPr lang="ko-KR" altLang="en-US" smtClean="0"/>
-              <a:t>2024-09-04</a:t>
+              <a:t>2025-09-01</a:t>
             </a:fld>
             <a:endParaRPr lang="ko-KR" altLang="en-US"/>
           </a:p>
@@ -1146,7 +1146,7 @@
           <a:p>
             <a:fld id="{20FDF2D6-8C5E-4A0C-AD78-AB907B009066}" type="datetimeFigureOut">
               <a:rPr lang="ko-KR" altLang="en-US" smtClean="0"/>
-              <a:t>2024-09-04</a:t>
+              <a:t>2025-09-01</a:t>
             </a:fld>
             <a:endParaRPr lang="ko-KR" altLang="en-US"/>
           </a:p>
@@ -1411,7 +1411,7 @@
           <a:p>
             <a:fld id="{20FDF2D6-8C5E-4A0C-AD78-AB907B009066}" type="datetimeFigureOut">
               <a:rPr lang="ko-KR" altLang="en-US" smtClean="0"/>
-              <a:t>2024-09-04</a:t>
+              <a:t>2025-09-01</a:t>
             </a:fld>
             <a:endParaRPr lang="ko-KR" altLang="en-US"/>
           </a:p>
@@ -1823,7 +1823,7 @@
           <a:p>
             <a:fld id="{20FDF2D6-8C5E-4A0C-AD78-AB907B009066}" type="datetimeFigureOut">
               <a:rPr lang="ko-KR" altLang="en-US" smtClean="0"/>
-              <a:t>2024-09-04</a:t>
+              <a:t>2025-09-01</a:t>
             </a:fld>
             <a:endParaRPr lang="ko-KR" altLang="en-US"/>
           </a:p>
@@ -1964,7 +1964,7 @@
           <a:p>
             <a:fld id="{20FDF2D6-8C5E-4A0C-AD78-AB907B009066}" type="datetimeFigureOut">
               <a:rPr lang="ko-KR" altLang="en-US" smtClean="0"/>
-              <a:t>2024-09-04</a:t>
+              <a:t>2025-09-01</a:t>
             </a:fld>
             <a:endParaRPr lang="ko-KR" altLang="en-US"/>
           </a:p>
@@ -2077,7 +2077,7 @@
           <a:p>
             <a:fld id="{20FDF2D6-8C5E-4A0C-AD78-AB907B009066}" type="datetimeFigureOut">
               <a:rPr lang="ko-KR" altLang="en-US" smtClean="0"/>
-              <a:t>2024-09-04</a:t>
+              <a:t>2025-09-01</a:t>
             </a:fld>
             <a:endParaRPr lang="ko-KR" altLang="en-US"/>
           </a:p>
@@ -2388,7 +2388,7 @@
           <a:p>
             <a:fld id="{20FDF2D6-8C5E-4A0C-AD78-AB907B009066}" type="datetimeFigureOut">
               <a:rPr lang="ko-KR" altLang="en-US" smtClean="0"/>
-              <a:t>2024-09-04</a:t>
+              <a:t>2025-09-01</a:t>
             </a:fld>
             <a:endParaRPr lang="ko-KR" altLang="en-US"/>
           </a:p>
@@ -2676,7 +2676,7 @@
           <a:p>
             <a:fld id="{20FDF2D6-8C5E-4A0C-AD78-AB907B009066}" type="datetimeFigureOut">
               <a:rPr lang="ko-KR" altLang="en-US" smtClean="0"/>
-              <a:t>2024-09-04</a:t>
+              <a:t>2025-09-01</a:t>
             </a:fld>
             <a:endParaRPr lang="ko-KR" altLang="en-US"/>
           </a:p>
@@ -2917,7 +2917,7 @@
           <a:p>
             <a:fld id="{20FDF2D6-8C5E-4A0C-AD78-AB907B009066}" type="datetimeFigureOut">
               <a:rPr lang="ko-KR" altLang="en-US" smtClean="0"/>
-              <a:t>2024-09-04</a:t>
+              <a:t>2025-09-01</a:t>
             </a:fld>
             <a:endParaRPr lang="ko-KR" altLang="en-US"/>
           </a:p>
@@ -7168,7 +7168,7 @@
             <a:prstDash val="dash"/>
             <a:extLst>
               <a:ext uri="{C807C97D-BFC1-408E-A445-0C87EB9F89A2}">
-                <ask:lineSketchStyleProps xmlns:ask="http://schemas.microsoft.com/office/drawing/2018/sketchyshapes" xmlns="" sd="1166495805">
+                <ask:lineSketchStyleProps xmlns:ask="http://schemas.microsoft.com/office/drawing/2018/sketchyshapes" sd="1166495805">
                   <a:custGeom>
                     <a:avLst/>
                     <a:gdLst>
@@ -7389,7 +7389,7 @@
             <a:prstDash val="dash"/>
             <a:extLst>
               <a:ext uri="{C807C97D-BFC1-408E-A445-0C87EB9F89A2}">
-                <ask:lineSketchStyleProps xmlns:ask="http://schemas.microsoft.com/office/drawing/2018/sketchyshapes" xmlns="" sd="1166495805">
+                <ask:lineSketchStyleProps xmlns:ask="http://schemas.microsoft.com/office/drawing/2018/sketchyshapes" sd="1166495805">
                   <a:custGeom>
                     <a:avLst/>
                     <a:gdLst>
@@ -8575,12 +8575,24 @@
               <a:t>DeviceContext</a:t>
             </a:r>
             <a:r>
-              <a:rPr lang="ko-KR" altLang="en-US" dirty="0"/>
-              <a:t>는 입문 단계이므로 </a:t>
+              <a:rPr lang="ko-KR" altLang="en-US"/>
+              <a:t>는 </a:t>
+            </a:r>
+            <a:r>
+              <a:rPr lang="en-US" altLang="ko-KR"/>
+              <a:t>D3D11CreateDevice</a:t>
             </a:r>
             <a:r>
               <a:rPr lang="en-US" altLang="ko-KR" dirty="0"/>
-              <a:t>D3D11CreateDeviceAndSwapChain() </a:t>
+              <a:t>, </a:t>
+            </a:r>
+            <a:r>
+              <a:rPr lang="en-US" altLang="ko-KR" dirty="0" err="1"/>
+              <a:t>CreateSwapChain</a:t>
+            </a:r>
+            <a:r>
+              <a:rPr lang="en-US" altLang="ko-KR" dirty="0"/>
+              <a:t>() </a:t>
             </a:r>
             <a:r>
               <a:rPr lang="ko-KR" altLang="en-US" dirty="0"/>
@@ -9656,7 +9668,7 @@
             <a:prstDash val="dash"/>
             <a:extLst>
               <a:ext uri="{C807C97D-BFC1-408E-A445-0C87EB9F89A2}">
-                <ask:lineSketchStyleProps xmlns:ask="http://schemas.microsoft.com/office/drawing/2018/sketchyshapes" xmlns="" sd="1166495805">
+                <ask:lineSketchStyleProps xmlns:ask="http://schemas.microsoft.com/office/drawing/2018/sketchyshapes" sd="1166495805">
                   <a:custGeom>
                     <a:avLst/>
                     <a:gdLst>
@@ -10316,33 +10328,22 @@
           </a:p>
           <a:p>
             <a:r>
+              <a:rPr lang="en-US" altLang="ko-KR" dirty="0" err="1"/>
+              <a:t>CreateSwapChain</a:t>
+            </a:r>
+            <a:r>
               <a:rPr lang="en-US" altLang="ko-KR" dirty="0"/>
-              <a:t>D3D11CreateDeviceAndSwapChain() </a:t>
+              <a:t>() </a:t>
             </a:r>
             <a:r>
               <a:rPr lang="ko-KR" altLang="en-US" dirty="0"/>
               <a:t>으로 생성한다</a:t>
             </a:r>
             <a:r>
-              <a:rPr lang="en-US" altLang="ko-KR" dirty="0"/>
-              <a:t>. (</a:t>
-            </a:r>
-            <a:r>
-              <a:rPr lang="ko-KR" altLang="en-US" dirty="0" err="1"/>
-              <a:t>짧은코드</a:t>
-            </a:r>
-            <a:r>
-              <a:rPr lang="ko-KR" altLang="en-US" dirty="0"/>
-              <a:t> </a:t>
-            </a:r>
-            <a:r>
-              <a:rPr lang="ko-KR" altLang="en-US" dirty="0" err="1"/>
-              <a:t>쉬운방법</a:t>
-            </a:r>
-            <a:r>
-              <a:rPr lang="en-US" altLang="ko-KR" dirty="0"/>
-              <a:t>) </a:t>
-            </a:r>
+              <a:rPr lang="en-US" altLang="ko-KR"/>
+              <a:t>.  </a:t>
+            </a:r>
+            <a:endParaRPr lang="en-US" altLang="ko-KR" dirty="0"/>
           </a:p>
         </p:txBody>
       </p:sp>

--- a/Documents/01기초-화면지우기.pptx
+++ b/Documents/01기초-화면지우기.pptx
@@ -5777,134 +5777,6 @@
           </a:p>
         </p:txBody>
       </p:sp>
-      <p:sp>
-        <p:nvSpPr>
-          <p:cNvPr id="3" name="TextBox 2">
-            <a:extLst>
-              <a:ext uri="{FF2B5EF4-FFF2-40B4-BE49-F238E27FC236}">
-                <a16:creationId xmlns:a16="http://schemas.microsoft.com/office/drawing/2014/main" id="{26A72A0E-8512-13A3-7959-D7D7E1DB5040}"/>
-              </a:ext>
-            </a:extLst>
-          </p:cNvPr>
-          <p:cNvSpPr txBox="1"/>
-          <p:nvPr/>
-        </p:nvSpPr>
-        <p:spPr>
-          <a:xfrm>
-            <a:off x="596900" y="1690688"/>
-            <a:ext cx="11604459" cy="923330"/>
-          </a:xfrm>
-          <a:prstGeom prst="rect">
-            <a:avLst/>
-          </a:prstGeom>
-          <a:noFill/>
-        </p:spPr>
-        <p:txBody>
-          <a:bodyPr wrap="none" rtlCol="0">
-            <a:spAutoFit/>
-          </a:bodyPr>
-          <a:lstStyle/>
-          <a:p>
-            <a:r>
-              <a:rPr lang="en-US" altLang="ko-KR" dirty="0"/>
-              <a:t> Direct3D11</a:t>
-            </a:r>
-            <a:r>
-              <a:rPr lang="ko-KR" altLang="en-US" dirty="0"/>
-              <a:t>이 </a:t>
-            </a:r>
-            <a:r>
-              <a:rPr lang="en-US" altLang="ko-KR" dirty="0"/>
-              <a:t>GPU</a:t>
-            </a:r>
-            <a:r>
-              <a:rPr lang="ko-KR" altLang="en-US" dirty="0"/>
-              <a:t>에서 </a:t>
-            </a:r>
-            <a:r>
-              <a:rPr lang="en-US" altLang="ko-KR" dirty="0"/>
-              <a:t>3D</a:t>
-            </a:r>
-            <a:r>
-              <a:rPr lang="ko-KR" altLang="en-US" dirty="0"/>
-              <a:t>데이터를 최종 </a:t>
-            </a:r>
-            <a:r>
-              <a:rPr lang="en-US" altLang="ko-KR" dirty="0"/>
-              <a:t>2D </a:t>
-            </a:r>
-            <a:r>
-              <a:rPr lang="ko-KR" altLang="en-US" dirty="0"/>
-              <a:t>프레임 이미지를 만드는 과정</a:t>
-            </a:r>
-            <a:r>
-              <a:rPr lang="en-US" altLang="ko-KR" dirty="0"/>
-              <a:t>. </a:t>
-            </a:r>
-            <a:r>
-              <a:rPr lang="ko-KR" altLang="en-US" dirty="0"/>
-              <a:t>각 단계를 스테이지 라고 하며</a:t>
-            </a:r>
-            <a:endParaRPr lang="en-US" altLang="ko-KR" dirty="0"/>
-          </a:p>
-          <a:p>
-            <a:r>
-              <a:rPr lang="ko-KR" altLang="en-US" dirty="0">
-                <a:solidFill>
-                  <a:srgbClr val="FF0000"/>
-                </a:solidFill>
-              </a:rPr>
-              <a:t>이전 단계에서 전달받은 데이터</a:t>
-            </a:r>
-            <a:r>
-              <a:rPr lang="ko-KR" altLang="en-US" dirty="0"/>
-              <a:t>와 </a:t>
-            </a:r>
-            <a:r>
-              <a:rPr lang="ko-KR" altLang="en-US" dirty="0">
-                <a:solidFill>
-                  <a:srgbClr val="FF0000"/>
-                </a:solidFill>
-              </a:rPr>
-              <a:t>스테이지에 설정한 데이터 또는 개체</a:t>
-            </a:r>
-            <a:r>
-              <a:rPr lang="ko-KR" altLang="en-US" dirty="0"/>
-              <a:t>와 함께 처리하여 다음단계로 전달한다</a:t>
-            </a:r>
-            <a:r>
-              <a:rPr lang="en-US" altLang="ko-KR" dirty="0"/>
-              <a:t>.</a:t>
-            </a:r>
-          </a:p>
-          <a:p>
-            <a:r>
-              <a:rPr lang="ko-KR" altLang="en-US" dirty="0"/>
-              <a:t>로  는 고정기능</a:t>
-            </a:r>
-            <a:r>
-              <a:rPr lang="en-US" altLang="ko-KR" dirty="0"/>
-              <a:t>(Fixed Function)</a:t>
-            </a:r>
-            <a:r>
-              <a:rPr lang="ko-KR" altLang="en-US" dirty="0"/>
-              <a:t>이며        는 프로그래밍이 가능하다</a:t>
-            </a:r>
-            <a:r>
-              <a:rPr lang="en-US" altLang="ko-KR" dirty="0"/>
-              <a:t>.      </a:t>
-            </a:r>
-            <a:r>
-              <a:rPr lang="ko-KR" altLang="en-US" dirty="0"/>
-              <a:t>는 생략 가능한 스테이지 </a:t>
-            </a:r>
-            <a:r>
-              <a:rPr lang="en-US" altLang="ko-KR" dirty="0"/>
-              <a:t>.</a:t>
-            </a:r>
-          </a:p>
-        </p:txBody>
-      </p:sp>
       <p:pic>
         <p:nvPicPr>
           <p:cNvPr id="5" name="그림 4">
@@ -6688,115 +6560,6 @@
               <a:rPr lang="en-US" altLang="ko-KR" dirty="0"/>
               <a:t>TS</a:t>
             </a:r>
-            <a:endParaRPr lang="ko-KR" altLang="en-US" dirty="0"/>
-          </a:p>
-        </p:txBody>
-      </p:sp>
-      <p:sp>
-        <p:nvSpPr>
-          <p:cNvPr id="9" name="직사각형 8">
-            <a:extLst>
-              <a:ext uri="{FF2B5EF4-FFF2-40B4-BE49-F238E27FC236}">
-                <a16:creationId xmlns:a16="http://schemas.microsoft.com/office/drawing/2014/main" id="{AB34DEF3-6BC9-0C85-518D-346D6505CA42}"/>
-              </a:ext>
-            </a:extLst>
-          </p:cNvPr>
-          <p:cNvSpPr/>
-          <p:nvPr/>
-        </p:nvSpPr>
-        <p:spPr>
-          <a:xfrm>
-            <a:off x="667239" y="2295197"/>
-            <a:ext cx="341921" cy="251895"/>
-          </a:xfrm>
-          <a:prstGeom prst="rect">
-            <a:avLst/>
-          </a:prstGeom>
-          <a:solidFill>
-            <a:schemeClr val="bg2">
-              <a:lumMod val="75000"/>
-            </a:schemeClr>
-          </a:solidFill>
-          <a:ln>
-            <a:solidFill>
-              <a:schemeClr val="bg2">
-                <a:lumMod val="75000"/>
-              </a:schemeClr>
-            </a:solidFill>
-          </a:ln>
-        </p:spPr>
-        <p:style>
-          <a:lnRef idx="2">
-            <a:schemeClr val="accent1">
-              <a:shade val="15000"/>
-            </a:schemeClr>
-          </a:lnRef>
-          <a:fillRef idx="1">
-            <a:schemeClr val="accent1"/>
-          </a:fillRef>
-          <a:effectRef idx="0">
-            <a:schemeClr val="accent1"/>
-          </a:effectRef>
-          <a:fontRef idx="minor">
-            <a:schemeClr val="lt1"/>
-          </a:fontRef>
-        </p:style>
-        <p:txBody>
-          <a:bodyPr rtlCol="0" anchor="ctr"/>
-          <a:lstStyle/>
-          <a:p>
-            <a:pPr algn="ctr"/>
-            <a:endParaRPr lang="ko-KR" altLang="en-US" dirty="0"/>
-          </a:p>
-        </p:txBody>
-      </p:sp>
-      <p:sp>
-        <p:nvSpPr>
-          <p:cNvPr id="15" name="직사각형 14">
-            <a:extLst>
-              <a:ext uri="{FF2B5EF4-FFF2-40B4-BE49-F238E27FC236}">
-                <a16:creationId xmlns:a16="http://schemas.microsoft.com/office/drawing/2014/main" id="{9F749E99-6069-A2CB-27F1-2A2EE955A4D1}"/>
-              </a:ext>
-            </a:extLst>
-          </p:cNvPr>
-          <p:cNvSpPr/>
-          <p:nvPr/>
-        </p:nvSpPr>
-        <p:spPr>
-          <a:xfrm>
-            <a:off x="4620970" y="2300871"/>
-            <a:ext cx="382226" cy="246221"/>
-          </a:xfrm>
-          <a:prstGeom prst="rect">
-            <a:avLst/>
-          </a:prstGeom>
-          <a:ln>
-            <a:solidFill>
-              <a:srgbClr val="0070C0"/>
-            </a:solidFill>
-          </a:ln>
-        </p:spPr>
-        <p:style>
-          <a:lnRef idx="2">
-            <a:schemeClr val="accent1">
-              <a:shade val="15000"/>
-            </a:schemeClr>
-          </a:lnRef>
-          <a:fillRef idx="1">
-            <a:schemeClr val="accent1"/>
-          </a:fillRef>
-          <a:effectRef idx="0">
-            <a:schemeClr val="accent1"/>
-          </a:effectRef>
-          <a:fontRef idx="minor">
-            <a:schemeClr val="lt1"/>
-          </a:fontRef>
-        </p:style>
-        <p:txBody>
-          <a:bodyPr rtlCol="0" anchor="ctr"/>
-          <a:lstStyle/>
-          <a:p>
-            <a:pPr algn="ctr"/>
             <a:endParaRPr lang="ko-KR" altLang="en-US" dirty="0"/>
           </a:p>
         </p:txBody>
@@ -7364,12 +7127,1622 @@
           </a:p>
         </p:txBody>
       </p:sp>
-      <p:sp>
-        <p:nvSpPr>
-          <p:cNvPr id="16" name="직사각형 15">
-            <a:extLst>
-              <a:ext uri="{FF2B5EF4-FFF2-40B4-BE49-F238E27FC236}">
-                <a16:creationId xmlns:a16="http://schemas.microsoft.com/office/drawing/2014/main" id="{7DA57E69-B205-1ACE-DD03-5F7422E4983C}"/>
+      <p:grpSp>
+        <p:nvGrpSpPr>
+          <p:cNvPr id="20" name="그룹 19">
+            <a:extLst>
+              <a:ext uri="{FF2B5EF4-FFF2-40B4-BE49-F238E27FC236}">
+                <a16:creationId xmlns:a16="http://schemas.microsoft.com/office/drawing/2014/main" id="{A422AE6A-6FD4-5E1C-A802-341C010433E7}"/>
+              </a:ext>
+            </a:extLst>
+          </p:cNvPr>
+          <p:cNvGrpSpPr/>
+          <p:nvPr/>
+        </p:nvGrpSpPr>
+        <p:grpSpPr>
+          <a:xfrm>
+            <a:off x="157102" y="1690688"/>
+            <a:ext cx="11855055" cy="923330"/>
+            <a:chOff x="596900" y="1690688"/>
+            <a:chExt cx="11422165" cy="923330"/>
+          </a:xfrm>
+        </p:grpSpPr>
+        <p:sp>
+          <p:nvSpPr>
+            <p:cNvPr id="3" name="TextBox 2">
+              <a:extLst>
+                <a:ext uri="{FF2B5EF4-FFF2-40B4-BE49-F238E27FC236}">
+                  <a16:creationId xmlns:a16="http://schemas.microsoft.com/office/drawing/2014/main" id="{26A72A0E-8512-13A3-7959-D7D7E1DB5040}"/>
+                </a:ext>
+              </a:extLst>
+            </p:cNvPr>
+            <p:cNvSpPr txBox="1"/>
+            <p:nvPr/>
+          </p:nvSpPr>
+          <p:spPr>
+            <a:xfrm>
+              <a:off x="596900" y="1690688"/>
+              <a:ext cx="11422165" cy="923330"/>
+            </a:xfrm>
+            <a:prstGeom prst="rect">
+              <a:avLst/>
+            </a:prstGeom>
+            <a:noFill/>
+          </p:spPr>
+          <p:txBody>
+            <a:bodyPr wrap="square" rtlCol="0">
+              <a:spAutoFit/>
+            </a:bodyPr>
+            <a:lstStyle/>
+            <a:p>
+              <a:r>
+                <a:rPr lang="en-US" altLang="ko-KR" dirty="0"/>
+                <a:t> Direct3D11</a:t>
+              </a:r>
+              <a:r>
+                <a:rPr lang="ko-KR" altLang="en-US" dirty="0"/>
+                <a:t>이 </a:t>
+              </a:r>
+              <a:r>
+                <a:rPr lang="en-US" altLang="ko-KR" dirty="0"/>
+                <a:t>GPU</a:t>
+              </a:r>
+              <a:r>
+                <a:rPr lang="ko-KR" altLang="en-US" dirty="0"/>
+                <a:t>에서 </a:t>
+              </a:r>
+              <a:r>
+                <a:rPr lang="en-US" altLang="ko-KR" dirty="0"/>
+                <a:t>3D</a:t>
+              </a:r>
+              <a:r>
+                <a:rPr lang="ko-KR" altLang="en-US" dirty="0"/>
+                <a:t>데이터를 최종 </a:t>
+              </a:r>
+              <a:r>
+                <a:rPr lang="en-US" altLang="ko-KR" dirty="0"/>
+                <a:t>2D </a:t>
+              </a:r>
+              <a:r>
+                <a:rPr lang="ko-KR" altLang="en-US" dirty="0"/>
+                <a:t>프레임 이미지를 만드는 과정</a:t>
+              </a:r>
+              <a:r>
+                <a:rPr lang="en-US" altLang="ko-KR" dirty="0"/>
+                <a:t>(</a:t>
+              </a:r>
+              <a:r>
+                <a:rPr lang="en-US" altLang="ko-KR" dirty="0">
+                  <a:hlinkClick r:id="rId5"/>
+                </a:rPr>
+                <a:t>Draw</a:t>
+              </a:r>
+              <a:r>
+                <a:rPr lang="en-US" altLang="ko-KR" dirty="0"/>
+                <a:t>). </a:t>
+              </a:r>
+              <a:r>
+                <a:rPr lang="ko-KR" altLang="en-US" dirty="0"/>
+                <a:t>각 단계를 스테이지 라고 하며</a:t>
+              </a:r>
+              <a:endParaRPr lang="en-US" altLang="ko-KR" dirty="0"/>
+            </a:p>
+            <a:p>
+              <a:r>
+                <a:rPr lang="ko-KR" altLang="en-US" dirty="0">
+                  <a:solidFill>
+                    <a:srgbClr val="FF0000"/>
+                  </a:solidFill>
+                </a:rPr>
+                <a:t>이전 단계에서 전달받은 데이터</a:t>
+              </a:r>
+              <a:r>
+                <a:rPr lang="ko-KR" altLang="en-US" dirty="0"/>
+                <a:t>와 </a:t>
+              </a:r>
+              <a:r>
+                <a:rPr lang="ko-KR" altLang="en-US" dirty="0">
+                  <a:solidFill>
+                    <a:srgbClr val="FF0000"/>
+                  </a:solidFill>
+                </a:rPr>
+                <a:t>스테이지에 설정한 데이터 또는 개체</a:t>
+              </a:r>
+              <a:r>
+                <a:rPr lang="ko-KR" altLang="en-US" dirty="0"/>
+                <a:t>와 함께 처리하여 다음단계로 전달한다</a:t>
+              </a:r>
+              <a:r>
+                <a:rPr lang="en-US" altLang="ko-KR" dirty="0"/>
+                <a:t>.</a:t>
+              </a:r>
+            </a:p>
+            <a:p>
+              <a:r>
+                <a:rPr lang="ko-KR" altLang="en-US" dirty="0"/>
+                <a:t>로  는 고정기능</a:t>
+              </a:r>
+              <a:r>
+                <a:rPr lang="en-US" altLang="ko-KR" dirty="0"/>
+                <a:t>(Fixed Function)</a:t>
+              </a:r>
+              <a:r>
+                <a:rPr lang="ko-KR" altLang="en-US" dirty="0"/>
+                <a:t>이며        는 프로그래밍이 가능하다</a:t>
+              </a:r>
+              <a:r>
+                <a:rPr lang="en-US" altLang="ko-KR" dirty="0"/>
+                <a:t>.      </a:t>
+              </a:r>
+              <a:r>
+                <a:rPr lang="ko-KR" altLang="en-US" dirty="0"/>
+                <a:t>는 생략 가능한 스테이지 </a:t>
+              </a:r>
+              <a:r>
+                <a:rPr lang="en-US" altLang="ko-KR" dirty="0"/>
+                <a:t>.</a:t>
+              </a:r>
+            </a:p>
+          </p:txBody>
+        </p:sp>
+        <p:sp>
+          <p:nvSpPr>
+            <p:cNvPr id="9" name="직사각형 8">
+              <a:extLst>
+                <a:ext uri="{FF2B5EF4-FFF2-40B4-BE49-F238E27FC236}">
+                  <a16:creationId xmlns:a16="http://schemas.microsoft.com/office/drawing/2014/main" id="{AB34DEF3-6BC9-0C85-518D-346D6505CA42}"/>
+                </a:ext>
+              </a:extLst>
+            </p:cNvPr>
+            <p:cNvSpPr/>
+            <p:nvPr/>
+          </p:nvSpPr>
+          <p:spPr>
+            <a:xfrm>
+              <a:off x="667239" y="2295197"/>
+              <a:ext cx="341921" cy="251895"/>
+            </a:xfrm>
+            <a:prstGeom prst="rect">
+              <a:avLst/>
+            </a:prstGeom>
+            <a:solidFill>
+              <a:schemeClr val="bg2">
+                <a:lumMod val="75000"/>
+              </a:schemeClr>
+            </a:solidFill>
+            <a:ln>
+              <a:solidFill>
+                <a:schemeClr val="bg2">
+                  <a:lumMod val="75000"/>
+                </a:schemeClr>
+              </a:solidFill>
+            </a:ln>
+          </p:spPr>
+          <p:style>
+            <a:lnRef idx="2">
+              <a:schemeClr val="accent1">
+                <a:shade val="15000"/>
+              </a:schemeClr>
+            </a:lnRef>
+            <a:fillRef idx="1">
+              <a:schemeClr val="accent1"/>
+            </a:fillRef>
+            <a:effectRef idx="0">
+              <a:schemeClr val="accent1"/>
+            </a:effectRef>
+            <a:fontRef idx="minor">
+              <a:schemeClr val="lt1"/>
+            </a:fontRef>
+          </p:style>
+          <p:txBody>
+            <a:bodyPr rtlCol="0" anchor="ctr"/>
+            <a:lstStyle/>
+            <a:p>
+              <a:pPr algn="ctr"/>
+              <a:endParaRPr lang="ko-KR" altLang="en-US" dirty="0"/>
+            </a:p>
+          </p:txBody>
+        </p:sp>
+        <p:sp>
+          <p:nvSpPr>
+            <p:cNvPr id="15" name="직사각형 14">
+              <a:extLst>
+                <a:ext uri="{FF2B5EF4-FFF2-40B4-BE49-F238E27FC236}">
+                  <a16:creationId xmlns:a16="http://schemas.microsoft.com/office/drawing/2014/main" id="{9F749E99-6069-A2CB-27F1-2A2EE955A4D1}"/>
+                </a:ext>
+              </a:extLst>
+            </p:cNvPr>
+            <p:cNvSpPr/>
+            <p:nvPr/>
+          </p:nvSpPr>
+          <p:spPr>
+            <a:xfrm>
+              <a:off x="4444422" y="2287598"/>
+              <a:ext cx="382226" cy="246221"/>
+            </a:xfrm>
+            <a:prstGeom prst="rect">
+              <a:avLst/>
+            </a:prstGeom>
+            <a:ln>
+              <a:solidFill>
+                <a:srgbClr val="0070C0"/>
+              </a:solidFill>
+            </a:ln>
+          </p:spPr>
+          <p:style>
+            <a:lnRef idx="2">
+              <a:schemeClr val="accent1">
+                <a:shade val="15000"/>
+              </a:schemeClr>
+            </a:lnRef>
+            <a:fillRef idx="1">
+              <a:schemeClr val="accent1"/>
+            </a:fillRef>
+            <a:effectRef idx="0">
+              <a:schemeClr val="accent1"/>
+            </a:effectRef>
+            <a:fontRef idx="minor">
+              <a:schemeClr val="lt1"/>
+            </a:fontRef>
+          </p:style>
+          <p:txBody>
+            <a:bodyPr rtlCol="0" anchor="ctr"/>
+            <a:lstStyle/>
+            <a:p>
+              <a:pPr algn="ctr"/>
+              <a:endParaRPr lang="ko-KR" altLang="en-US" dirty="0"/>
+            </a:p>
+          </p:txBody>
+        </p:sp>
+        <p:sp>
+          <p:nvSpPr>
+            <p:cNvPr id="16" name="직사각형 15">
+              <a:extLst>
+                <a:ext uri="{FF2B5EF4-FFF2-40B4-BE49-F238E27FC236}">
+                  <a16:creationId xmlns:a16="http://schemas.microsoft.com/office/drawing/2014/main" id="{7DA57E69-B205-1ACE-DD03-5F7422E4983C}"/>
+                </a:ext>
+              </a:extLst>
+            </p:cNvPr>
+            <p:cNvSpPr/>
+            <p:nvPr/>
+          </p:nvSpPr>
+          <p:spPr>
+            <a:xfrm>
+              <a:off x="7625469" y="2310185"/>
+              <a:ext cx="322870" cy="236907"/>
+            </a:xfrm>
+            <a:prstGeom prst="rect">
+              <a:avLst/>
+            </a:prstGeom>
+            <a:noFill/>
+            <a:ln>
+              <a:prstDash val="dash"/>
+              <a:extLst>
+                <a:ext uri="{C807C97D-BFC1-408E-A445-0C87EB9F89A2}">
+                  <ask:lineSketchStyleProps xmlns:ask="http://schemas.microsoft.com/office/drawing/2018/sketchyshapes" sd="1166495805">
+                    <a:custGeom>
+                      <a:avLst/>
+                      <a:gdLst>
+                        <a:gd name="connsiteX0" fmla="*/ 0 w 2422772"/>
+                        <a:gd name="connsiteY0" fmla="*/ 0 h 619943"/>
+                        <a:gd name="connsiteX1" fmla="*/ 411871 w 2422772"/>
+                        <a:gd name="connsiteY1" fmla="*/ 0 h 619943"/>
+                        <a:gd name="connsiteX2" fmla="*/ 823742 w 2422772"/>
+                        <a:gd name="connsiteY2" fmla="*/ 0 h 619943"/>
+                        <a:gd name="connsiteX3" fmla="*/ 1235614 w 2422772"/>
+                        <a:gd name="connsiteY3" fmla="*/ 0 h 619943"/>
+                        <a:gd name="connsiteX4" fmla="*/ 1768624 w 2422772"/>
+                        <a:gd name="connsiteY4" fmla="*/ 0 h 619943"/>
+                        <a:gd name="connsiteX5" fmla="*/ 2422772 w 2422772"/>
+                        <a:gd name="connsiteY5" fmla="*/ 0 h 619943"/>
+                        <a:gd name="connsiteX6" fmla="*/ 2422772 w 2422772"/>
+                        <a:gd name="connsiteY6" fmla="*/ 291373 h 619943"/>
+                        <a:gd name="connsiteX7" fmla="*/ 2422772 w 2422772"/>
+                        <a:gd name="connsiteY7" fmla="*/ 619943 h 619943"/>
+                        <a:gd name="connsiteX8" fmla="*/ 1913990 w 2422772"/>
+                        <a:gd name="connsiteY8" fmla="*/ 619943 h 619943"/>
+                        <a:gd name="connsiteX9" fmla="*/ 1502119 w 2422772"/>
+                        <a:gd name="connsiteY9" fmla="*/ 619943 h 619943"/>
+                        <a:gd name="connsiteX10" fmla="*/ 1041792 w 2422772"/>
+                        <a:gd name="connsiteY10" fmla="*/ 619943 h 619943"/>
+                        <a:gd name="connsiteX11" fmla="*/ 605693 w 2422772"/>
+                        <a:gd name="connsiteY11" fmla="*/ 619943 h 619943"/>
+                        <a:gd name="connsiteX12" fmla="*/ 0 w 2422772"/>
+                        <a:gd name="connsiteY12" fmla="*/ 619943 h 619943"/>
+                        <a:gd name="connsiteX13" fmla="*/ 0 w 2422772"/>
+                        <a:gd name="connsiteY13" fmla="*/ 328570 h 619943"/>
+                        <a:gd name="connsiteX14" fmla="*/ 0 w 2422772"/>
+                        <a:gd name="connsiteY14" fmla="*/ 0 h 619943"/>
+                      </a:gdLst>
+                      <a:ahLst/>
+                      <a:cxnLst>
+                        <a:cxn ang="0">
+                          <a:pos x="connsiteX0" y="connsiteY0"/>
+                        </a:cxn>
+                        <a:cxn ang="0">
+                          <a:pos x="connsiteX1" y="connsiteY1"/>
+                        </a:cxn>
+                        <a:cxn ang="0">
+                          <a:pos x="connsiteX2" y="connsiteY2"/>
+                        </a:cxn>
+                        <a:cxn ang="0">
+                          <a:pos x="connsiteX3" y="connsiteY3"/>
+                        </a:cxn>
+                        <a:cxn ang="0">
+                          <a:pos x="connsiteX4" y="connsiteY4"/>
+                        </a:cxn>
+                        <a:cxn ang="0">
+                          <a:pos x="connsiteX5" y="connsiteY5"/>
+                        </a:cxn>
+                        <a:cxn ang="0">
+                          <a:pos x="connsiteX6" y="connsiteY6"/>
+                        </a:cxn>
+                        <a:cxn ang="0">
+                          <a:pos x="connsiteX7" y="connsiteY7"/>
+                        </a:cxn>
+                        <a:cxn ang="0">
+                          <a:pos x="connsiteX8" y="connsiteY8"/>
+                        </a:cxn>
+                        <a:cxn ang="0">
+                          <a:pos x="connsiteX9" y="connsiteY9"/>
+                        </a:cxn>
+                        <a:cxn ang="0">
+                          <a:pos x="connsiteX10" y="connsiteY10"/>
+                        </a:cxn>
+                        <a:cxn ang="0">
+                          <a:pos x="connsiteX11" y="connsiteY11"/>
+                        </a:cxn>
+                        <a:cxn ang="0">
+                          <a:pos x="connsiteX12" y="connsiteY12"/>
+                        </a:cxn>
+                        <a:cxn ang="0">
+                          <a:pos x="connsiteX13" y="connsiteY13"/>
+                        </a:cxn>
+                        <a:cxn ang="0">
+                          <a:pos x="connsiteX14" y="connsiteY14"/>
+                        </a:cxn>
+                      </a:cxnLst>
+                      <a:rect l="l" t="t" r="r" b="b"/>
+                      <a:pathLst>
+                        <a:path w="2422772" h="619943" extrusionOk="0">
+                          <a:moveTo>
+                            <a:pt x="0" y="0"/>
+                          </a:moveTo>
+                          <a:cubicBezTo>
+                            <a:pt x="94532" y="-2392"/>
+                            <a:pt x="234570" y="14366"/>
+                            <a:pt x="411871" y="0"/>
+                          </a:cubicBezTo>
+                          <a:cubicBezTo>
+                            <a:pt x="589172" y="-14366"/>
+                            <a:pt x="687037" y="6588"/>
+                            <a:pt x="823742" y="0"/>
+                          </a:cubicBezTo>
+                          <a:cubicBezTo>
+                            <a:pt x="960447" y="-6588"/>
+                            <a:pt x="1112929" y="12207"/>
+                            <a:pt x="1235614" y="0"/>
+                          </a:cubicBezTo>
+                          <a:cubicBezTo>
+                            <a:pt x="1358299" y="-12207"/>
+                            <a:pt x="1529833" y="11709"/>
+                            <a:pt x="1768624" y="0"/>
+                          </a:cubicBezTo>
+                          <a:cubicBezTo>
+                            <a:pt x="2007415" y="-11709"/>
+                            <a:pt x="2281152" y="21909"/>
+                            <a:pt x="2422772" y="0"/>
+                          </a:cubicBezTo>
+                          <a:cubicBezTo>
+                            <a:pt x="2447242" y="138576"/>
+                            <a:pt x="2392425" y="224023"/>
+                            <a:pt x="2422772" y="291373"/>
+                          </a:cubicBezTo>
+                          <a:cubicBezTo>
+                            <a:pt x="2453119" y="358723"/>
+                            <a:pt x="2397550" y="545982"/>
+                            <a:pt x="2422772" y="619943"/>
+                          </a:cubicBezTo>
+                          <a:cubicBezTo>
+                            <a:pt x="2277543" y="646371"/>
+                            <a:pt x="2030920" y="588880"/>
+                            <a:pt x="1913990" y="619943"/>
+                          </a:cubicBezTo>
+                          <a:cubicBezTo>
+                            <a:pt x="1797060" y="651006"/>
+                            <a:pt x="1683570" y="615788"/>
+                            <a:pt x="1502119" y="619943"/>
+                          </a:cubicBezTo>
+                          <a:cubicBezTo>
+                            <a:pt x="1320668" y="624098"/>
+                            <a:pt x="1143349" y="577396"/>
+                            <a:pt x="1041792" y="619943"/>
+                          </a:cubicBezTo>
+                          <a:cubicBezTo>
+                            <a:pt x="940235" y="662490"/>
+                            <a:pt x="750221" y="613550"/>
+                            <a:pt x="605693" y="619943"/>
+                          </a:cubicBezTo>
+                          <a:cubicBezTo>
+                            <a:pt x="461165" y="626336"/>
+                            <a:pt x="252762" y="555017"/>
+                            <a:pt x="0" y="619943"/>
+                          </a:cubicBezTo>
+                          <a:cubicBezTo>
+                            <a:pt x="-22538" y="494590"/>
+                            <a:pt x="32189" y="447721"/>
+                            <a:pt x="0" y="328570"/>
+                          </a:cubicBezTo>
+                          <a:cubicBezTo>
+                            <a:pt x="-32189" y="209419"/>
+                            <a:pt x="9860" y="70123"/>
+                            <a:pt x="0" y="0"/>
+                          </a:cubicBezTo>
+                          <a:close/>
+                        </a:path>
+                      </a:pathLst>
+                    </a:custGeom>
+                    <ask:type>
+                      <ask:lineSketchNone/>
+                    </ask:type>
+                  </ask:lineSketchStyleProps>
+                </a:ext>
+              </a:extLst>
+            </a:ln>
+          </p:spPr>
+          <p:style>
+            <a:lnRef idx="2">
+              <a:schemeClr val="accent1">
+                <a:shade val="15000"/>
+              </a:schemeClr>
+            </a:lnRef>
+            <a:fillRef idx="1">
+              <a:schemeClr val="accent1"/>
+            </a:fillRef>
+            <a:effectRef idx="0">
+              <a:schemeClr val="accent1"/>
+            </a:effectRef>
+            <a:fontRef idx="minor">
+              <a:schemeClr val="lt1"/>
+            </a:fontRef>
+          </p:style>
+          <p:txBody>
+            <a:bodyPr rtlCol="0" anchor="ctr"/>
+            <a:lstStyle/>
+            <a:p>
+              <a:pPr algn="ctr"/>
+              <a:endParaRPr lang="ko-KR" altLang="en-US"/>
+            </a:p>
+          </p:txBody>
+        </p:sp>
+      </p:grpSp>
+      <p:sp>
+        <p:nvSpPr>
+          <p:cNvPr id="19" name="TextBox 18">
+            <a:extLst>
+              <a:ext uri="{FF2B5EF4-FFF2-40B4-BE49-F238E27FC236}">
+                <a16:creationId xmlns:a16="http://schemas.microsoft.com/office/drawing/2014/main" id="{2B4FB38F-0D6D-50E7-9A88-D971B7D7784A}"/>
+              </a:ext>
+            </a:extLst>
+          </p:cNvPr>
+          <p:cNvSpPr txBox="1"/>
+          <p:nvPr/>
+        </p:nvSpPr>
+        <p:spPr>
+          <a:xfrm>
+            <a:off x="125500" y="2927076"/>
+            <a:ext cx="12044259" cy="1600438"/>
+          </a:xfrm>
+          <a:prstGeom prst="rect">
+            <a:avLst/>
+          </a:prstGeom>
+          <a:noFill/>
+        </p:spPr>
+        <p:txBody>
+          <a:bodyPr wrap="none" rtlCol="0">
+            <a:spAutoFit/>
+          </a:bodyPr>
+          <a:lstStyle/>
+          <a:p>
+            <a:r>
+              <a:rPr lang="en-US" altLang="ko-KR" sz="1400" dirty="0"/>
+              <a:t>Input-Assembler: </a:t>
+            </a:r>
+            <a:r>
+              <a:rPr lang="ko-KR" altLang="en-US" sz="1400" dirty="0"/>
+              <a:t>입력 </a:t>
+            </a:r>
+            <a:r>
+              <a:rPr lang="ko-KR" altLang="en-US" sz="1400" dirty="0" err="1"/>
+              <a:t>조립기</a:t>
+            </a:r>
+            <a:r>
+              <a:rPr lang="en-US" altLang="ko-KR" sz="1400" dirty="0"/>
+              <a:t>.</a:t>
+            </a:r>
+            <a:r>
+              <a:rPr lang="ko-KR" altLang="en-US" sz="1400" dirty="0"/>
+              <a:t> 파이프 라인이 사용할 </a:t>
+            </a:r>
+            <a:r>
+              <a:rPr lang="ko-KR" altLang="en-US" sz="1400" dirty="0" err="1"/>
+              <a:t>버텍스</a:t>
+            </a:r>
+            <a:r>
+              <a:rPr lang="ko-KR" altLang="en-US" sz="1400" dirty="0"/>
+              <a:t> 데이터</a:t>
+            </a:r>
+            <a:r>
+              <a:rPr lang="en-US" altLang="ko-KR" sz="1400" dirty="0"/>
+              <a:t>,</a:t>
+            </a:r>
+            <a:r>
+              <a:rPr lang="ko-KR" altLang="en-US" sz="1400" dirty="0"/>
+              <a:t>포맷</a:t>
+            </a:r>
+            <a:r>
+              <a:rPr lang="en-US" altLang="ko-KR" sz="1400" dirty="0"/>
+              <a:t>,</a:t>
+            </a:r>
+            <a:r>
+              <a:rPr lang="ko-KR" altLang="en-US" sz="1400" dirty="0" err="1"/>
+              <a:t>그리는방법을</a:t>
+            </a:r>
+            <a:r>
+              <a:rPr lang="ko-KR" altLang="en-US" sz="1400" dirty="0"/>
+              <a:t> 설정하는 단계</a:t>
+            </a:r>
+            <a:endParaRPr lang="en-US" altLang="ko-KR" sz="1400" dirty="0"/>
+          </a:p>
+          <a:p>
+            <a:r>
+              <a:rPr lang="en-US" altLang="ko-KR" sz="1400" dirty="0"/>
+              <a:t>Vertex Shader: Model </a:t>
+            </a:r>
+            <a:r>
+              <a:rPr lang="ko-KR" altLang="en-US" sz="1400" dirty="0"/>
+              <a:t>좌표계 </a:t>
+            </a:r>
+            <a:r>
+              <a:rPr lang="ko-KR" altLang="en-US" sz="1400" dirty="0" err="1"/>
+              <a:t>버텍스를</a:t>
+            </a:r>
+            <a:r>
+              <a:rPr lang="ko-KR" altLang="en-US" sz="1400" dirty="0"/>
+              <a:t> </a:t>
+            </a:r>
+            <a:r>
+              <a:rPr lang="en-US" altLang="ko-KR" sz="1400" dirty="0"/>
+              <a:t>Matrix </a:t>
+            </a:r>
+            <a:r>
+              <a:rPr lang="ko-KR" altLang="en-US" sz="1400" dirty="0"/>
+              <a:t>곱셈하여 </a:t>
+            </a:r>
+            <a:r>
+              <a:rPr lang="en-US" altLang="ko-KR" sz="1400" dirty="0"/>
+              <a:t>World Space -&gt; Camera Space -&gt;Clip Space(</a:t>
+            </a:r>
+            <a:r>
+              <a:rPr lang="en-US" altLang="ko-KR" sz="1400" dirty="0" err="1"/>
+              <a:t>x,y,z,w</a:t>
+            </a:r>
+            <a:r>
+              <a:rPr lang="en-US" altLang="ko-KR" sz="1400" dirty="0"/>
+              <a:t>) </a:t>
+            </a:r>
+            <a:r>
+              <a:rPr lang="ko-KR" altLang="en-US" sz="1400" dirty="0"/>
+              <a:t>좌표계 까지 </a:t>
+            </a:r>
+            <a:r>
+              <a:rPr lang="ko-KR" altLang="en-US" sz="1400" dirty="0" err="1"/>
+              <a:t>변환하는단계</a:t>
+            </a:r>
+            <a:endParaRPr lang="en-US" altLang="ko-KR" sz="1400" dirty="0"/>
+          </a:p>
+          <a:p>
+            <a:r>
+              <a:rPr lang="en-US" altLang="ko-KR" sz="1400" dirty="0">
+                <a:solidFill>
+                  <a:schemeClr val="bg1">
+                    <a:lumMod val="50000"/>
+                  </a:schemeClr>
+                </a:solidFill>
+              </a:rPr>
+              <a:t>Hull Shader / </a:t>
+            </a:r>
+            <a:r>
+              <a:rPr lang="en-US" altLang="ko-KR" sz="1400" dirty="0" err="1">
+                <a:solidFill>
+                  <a:schemeClr val="bg1">
+                    <a:lumMod val="50000"/>
+                  </a:schemeClr>
+                </a:solidFill>
+              </a:rPr>
+              <a:t>Tesselator</a:t>
+            </a:r>
+            <a:r>
+              <a:rPr lang="en-US" altLang="ko-KR" sz="1400" dirty="0">
+                <a:solidFill>
+                  <a:schemeClr val="bg1">
+                    <a:lumMod val="50000"/>
+                  </a:schemeClr>
+                </a:solidFill>
+              </a:rPr>
+              <a:t> / Domain Shader:  </a:t>
+            </a:r>
+            <a:r>
+              <a:rPr lang="ko-KR" altLang="en-US" sz="1400" dirty="0">
+                <a:solidFill>
+                  <a:schemeClr val="bg1">
+                    <a:lumMod val="50000"/>
+                  </a:schemeClr>
+                </a:solidFill>
+              </a:rPr>
+              <a:t>삼각형을 쪼개 추가적인 삼각형으로 </a:t>
+            </a:r>
+            <a:r>
+              <a:rPr lang="ko-KR" altLang="en-US" sz="1400" dirty="0" err="1">
+                <a:solidFill>
+                  <a:schemeClr val="bg1">
+                    <a:lumMod val="50000"/>
+                  </a:schemeClr>
+                </a:solidFill>
+              </a:rPr>
+              <a:t>만드는단계</a:t>
+            </a:r>
+            <a:r>
+              <a:rPr lang="ko-KR" altLang="en-US" sz="1400" dirty="0">
+                <a:solidFill>
+                  <a:schemeClr val="bg1">
+                    <a:lumMod val="50000"/>
+                  </a:schemeClr>
+                </a:solidFill>
+              </a:rPr>
+              <a:t> </a:t>
+            </a:r>
+            <a:r>
+              <a:rPr lang="en-US" altLang="ko-KR" sz="1400" dirty="0">
+                <a:solidFill>
+                  <a:schemeClr val="bg1">
+                    <a:lumMod val="50000"/>
+                  </a:schemeClr>
+                </a:solidFill>
+              </a:rPr>
+              <a:t>(</a:t>
+            </a:r>
+            <a:r>
+              <a:rPr lang="ko-KR" altLang="en-US" sz="1400" dirty="0">
+                <a:solidFill>
+                  <a:schemeClr val="bg1">
+                    <a:lumMod val="50000"/>
+                  </a:schemeClr>
+                </a:solidFill>
+              </a:rPr>
+              <a:t>생략가능</a:t>
+            </a:r>
+            <a:r>
+              <a:rPr lang="en-US" altLang="ko-KR" sz="1400" dirty="0">
+                <a:solidFill>
+                  <a:schemeClr val="bg1">
+                    <a:lumMod val="50000"/>
+                  </a:schemeClr>
+                </a:solidFill>
+              </a:rPr>
+              <a:t>)</a:t>
+            </a:r>
+            <a:r>
+              <a:rPr lang="ko-KR" altLang="en-US" sz="1400" dirty="0">
+                <a:solidFill>
+                  <a:schemeClr val="bg1">
+                    <a:lumMod val="50000"/>
+                  </a:schemeClr>
+                </a:solidFill>
+              </a:rPr>
+              <a:t> </a:t>
+            </a:r>
+            <a:endParaRPr lang="en-US" altLang="ko-KR" sz="1400" dirty="0">
+              <a:solidFill>
+                <a:schemeClr val="bg1">
+                  <a:lumMod val="50000"/>
+                </a:schemeClr>
+              </a:solidFill>
+            </a:endParaRPr>
+          </a:p>
+          <a:p>
+            <a:r>
+              <a:rPr lang="en-US" altLang="ko-KR" sz="1400" dirty="0">
+                <a:solidFill>
+                  <a:schemeClr val="bg1">
+                    <a:lumMod val="50000"/>
+                  </a:schemeClr>
+                </a:solidFill>
+              </a:rPr>
+              <a:t>Geometry Shader: </a:t>
+            </a:r>
+            <a:r>
+              <a:rPr lang="ko-KR" altLang="en-US" sz="1400" dirty="0">
+                <a:solidFill>
+                  <a:schemeClr val="bg1">
+                    <a:lumMod val="50000"/>
+                  </a:schemeClr>
+                </a:solidFill>
+              </a:rPr>
+              <a:t>삼각형 단위에 추가 작업을 하는 단계 </a:t>
+            </a:r>
+            <a:r>
+              <a:rPr lang="en-US" altLang="ko-KR" sz="1400" dirty="0">
+                <a:solidFill>
+                  <a:schemeClr val="bg1">
+                    <a:lumMod val="50000"/>
+                  </a:schemeClr>
+                </a:solidFill>
+              </a:rPr>
+              <a:t>(</a:t>
+            </a:r>
+            <a:r>
+              <a:rPr lang="ko-KR" altLang="en-US" sz="1400" dirty="0">
+                <a:solidFill>
+                  <a:schemeClr val="bg1">
+                    <a:lumMod val="50000"/>
+                  </a:schemeClr>
+                </a:solidFill>
+              </a:rPr>
+              <a:t>생략가능</a:t>
+            </a:r>
+            <a:r>
+              <a:rPr lang="en-US" altLang="ko-KR" sz="1400" dirty="0">
+                <a:solidFill>
+                  <a:schemeClr val="bg1">
+                    <a:lumMod val="50000"/>
+                  </a:schemeClr>
+                </a:solidFill>
+              </a:rPr>
+              <a:t>)</a:t>
+            </a:r>
+          </a:p>
+          <a:p>
+            <a:r>
+              <a:rPr lang="en-US" altLang="ko-KR" sz="1400" dirty="0"/>
+              <a:t>Rasterizer:  </a:t>
+            </a:r>
+            <a:r>
+              <a:rPr lang="ko-KR" altLang="en-US" sz="1400" dirty="0"/>
+              <a:t>좌표계를 </a:t>
+            </a:r>
+            <a:r>
+              <a:rPr lang="en-US" altLang="ko-KR" sz="1400" dirty="0"/>
+              <a:t>Clip-&gt;NDC-&gt;Screen</a:t>
+            </a:r>
+            <a:r>
+              <a:rPr lang="ko-KR" altLang="en-US" sz="1400" dirty="0"/>
+              <a:t> 변환하며 삼각형 후면을 걸러내고 </a:t>
+            </a:r>
+            <a:r>
+              <a:rPr lang="ko-KR" altLang="en-US" sz="1400" dirty="0" err="1"/>
+              <a:t>클립핑</a:t>
+            </a:r>
+            <a:r>
+              <a:rPr lang="ko-KR" altLang="en-US" sz="1400" dirty="0"/>
+              <a:t> 영역으로 자르면서 깊이 값 있는 </a:t>
+            </a:r>
+            <a:r>
+              <a:rPr lang="en-US" altLang="ko-KR" sz="1400" dirty="0"/>
+              <a:t>fragment(</a:t>
+            </a:r>
+            <a:r>
+              <a:rPr lang="ko-KR" altLang="en-US" sz="1400" dirty="0"/>
+              <a:t>조각</a:t>
+            </a:r>
+            <a:r>
+              <a:rPr lang="en-US" altLang="ko-KR" sz="1400" dirty="0"/>
+              <a:t>)</a:t>
+            </a:r>
+            <a:r>
+              <a:rPr lang="ko-KR" altLang="en-US" sz="1400" dirty="0"/>
+              <a:t>을 만드는 단계</a:t>
+            </a:r>
+            <a:endParaRPr lang="en-US" altLang="ko-KR" sz="1400" dirty="0"/>
+          </a:p>
+          <a:p>
+            <a:r>
+              <a:rPr lang="en-US" altLang="ko-KR" sz="1400" dirty="0"/>
+              <a:t>Pixel Shader: </a:t>
+            </a:r>
+            <a:r>
+              <a:rPr lang="ko-KR" altLang="en-US" sz="1400" dirty="0"/>
+              <a:t>삼각형의 </a:t>
+            </a:r>
+            <a:r>
+              <a:rPr lang="ko-KR" altLang="en-US" sz="1400" dirty="0" err="1"/>
+              <a:t>보간된</a:t>
+            </a:r>
+            <a:r>
+              <a:rPr lang="ko-KR" altLang="en-US" sz="1400" dirty="0"/>
+              <a:t> 정보</a:t>
+            </a:r>
+            <a:r>
+              <a:rPr lang="en-US" altLang="ko-KR" sz="1400" dirty="0"/>
+              <a:t>(</a:t>
+            </a:r>
+            <a:r>
+              <a:rPr lang="ko-KR" altLang="en-US" sz="1400" dirty="0"/>
+              <a:t>주로 텍스처 </a:t>
+            </a:r>
+            <a:r>
+              <a:rPr lang="en-US" altLang="ko-KR" sz="1400" dirty="0" err="1"/>
+              <a:t>u,v</a:t>
+            </a:r>
+            <a:r>
+              <a:rPr lang="en-US" altLang="ko-KR" sz="1400" dirty="0"/>
+              <a:t> </a:t>
+            </a:r>
+            <a:r>
+              <a:rPr lang="ko-KR" altLang="en-US" sz="1400" dirty="0"/>
+              <a:t>좌표</a:t>
+            </a:r>
+            <a:r>
+              <a:rPr lang="en-US" altLang="ko-KR" sz="1400" dirty="0"/>
+              <a:t>)</a:t>
+            </a:r>
+            <a:r>
+              <a:rPr lang="ko-KR" altLang="en-US" sz="1400" dirty="0"/>
+              <a:t>와 스테이지에 설정된 다른 입력 정보</a:t>
+            </a:r>
+            <a:r>
+              <a:rPr lang="en-US" altLang="ko-KR" sz="1400" dirty="0"/>
+              <a:t>(</a:t>
+            </a:r>
+            <a:r>
+              <a:rPr lang="ko-KR" altLang="en-US" sz="1400" dirty="0"/>
+              <a:t>주로 텍스처</a:t>
+            </a:r>
+            <a:r>
+              <a:rPr lang="en-US" altLang="ko-KR" sz="1400" dirty="0"/>
+              <a:t>)</a:t>
+            </a:r>
+            <a:r>
+              <a:rPr lang="ko-KR" altLang="en-US" sz="1400" dirty="0"/>
+              <a:t> 로</a:t>
+            </a:r>
+            <a:r>
+              <a:rPr lang="en-US" altLang="ko-KR" sz="1400" dirty="0"/>
+              <a:t> </a:t>
+            </a:r>
+            <a:r>
+              <a:rPr lang="ko-KR" altLang="en-US" sz="1400" dirty="0"/>
+              <a:t>최종 픽셀을 결정하는 단계</a:t>
+            </a:r>
+            <a:endParaRPr lang="en-US" altLang="ko-KR" sz="1400" dirty="0"/>
+          </a:p>
+          <a:p>
+            <a:r>
+              <a:rPr lang="en-US" altLang="ko-KR" sz="1400" dirty="0"/>
+              <a:t>Output-Merger: </a:t>
+            </a:r>
+            <a:r>
+              <a:rPr lang="ko-KR" altLang="en-US" sz="1400" dirty="0"/>
+              <a:t>픽셀을 깊이판정이나 스텐실 판정에 의해 폐기 또는 후면 버퍼에 기록하는 단계 </a:t>
+            </a:r>
+            <a:endParaRPr lang="en-US" altLang="ko-KR" sz="1400" dirty="0"/>
+          </a:p>
+        </p:txBody>
+      </p:sp>
+      <p:sp>
+        <p:nvSpPr>
+          <p:cNvPr id="22" name="TextBox 21">
+            <a:extLst>
+              <a:ext uri="{FF2B5EF4-FFF2-40B4-BE49-F238E27FC236}">
+                <a16:creationId xmlns:a16="http://schemas.microsoft.com/office/drawing/2014/main" id="{2B32F7F9-70FC-3720-BE32-2A647407924C}"/>
+              </a:ext>
+            </a:extLst>
+          </p:cNvPr>
+          <p:cNvSpPr txBox="1"/>
+          <p:nvPr/>
+        </p:nvSpPr>
+        <p:spPr>
+          <a:xfrm>
+            <a:off x="8760952" y="5356257"/>
+            <a:ext cx="1245855" cy="400110"/>
+          </a:xfrm>
+          <a:prstGeom prst="rect">
+            <a:avLst/>
+          </a:prstGeom>
+          <a:noFill/>
+        </p:spPr>
+        <p:txBody>
+          <a:bodyPr wrap="none" rtlCol="0">
+            <a:spAutoFit/>
+          </a:bodyPr>
+          <a:lstStyle/>
+          <a:p>
+            <a:pPr algn="ctr"/>
+            <a:r>
+              <a:rPr lang="en-US" altLang="ko-KR" sz="1000" dirty="0" err="1"/>
+              <a:t>RenderTargetView</a:t>
+            </a:r>
+            <a:endParaRPr lang="en-US" altLang="ko-KR" sz="1000" dirty="0"/>
+          </a:p>
+          <a:p>
+            <a:pPr algn="ctr"/>
+            <a:r>
+              <a:rPr lang="en-US" altLang="ko-KR" sz="1000" dirty="0" err="1"/>
+              <a:t>DepthStencilView</a:t>
+            </a:r>
+            <a:endParaRPr lang="ko-KR" altLang="en-US" sz="1000" dirty="0"/>
+          </a:p>
+        </p:txBody>
+      </p:sp>
+      <p:sp>
+        <p:nvSpPr>
+          <p:cNvPr id="23" name="TextBox 22">
+            <a:extLst>
+              <a:ext uri="{FF2B5EF4-FFF2-40B4-BE49-F238E27FC236}">
+                <a16:creationId xmlns:a16="http://schemas.microsoft.com/office/drawing/2014/main" id="{385EA362-8388-D871-3CD8-EBA673CB1D83}"/>
+              </a:ext>
+            </a:extLst>
+          </p:cNvPr>
+          <p:cNvSpPr txBox="1"/>
+          <p:nvPr/>
+        </p:nvSpPr>
+        <p:spPr>
+          <a:xfrm>
+            <a:off x="2276761" y="5225914"/>
+            <a:ext cx="1002197" cy="400110"/>
+          </a:xfrm>
+          <a:prstGeom prst="rect">
+            <a:avLst/>
+          </a:prstGeom>
+          <a:noFill/>
+        </p:spPr>
+        <p:txBody>
+          <a:bodyPr wrap="none" rtlCol="0">
+            <a:spAutoFit/>
+          </a:bodyPr>
+          <a:lstStyle/>
+          <a:p>
+            <a:pPr algn="ctr"/>
+            <a:r>
+              <a:rPr lang="en-US" altLang="ko-KR" sz="1000" dirty="0" err="1"/>
+              <a:t>VertexShader</a:t>
+            </a:r>
+            <a:endParaRPr lang="en-US" altLang="ko-KR" sz="1000" dirty="0"/>
+          </a:p>
+          <a:p>
+            <a:pPr algn="ctr"/>
+            <a:r>
+              <a:rPr lang="en-US" altLang="ko-KR" sz="1000" dirty="0" err="1"/>
+              <a:t>ConstanBuffer</a:t>
+            </a:r>
+            <a:endParaRPr lang="en-US" altLang="ko-KR" sz="1000" dirty="0"/>
+          </a:p>
+        </p:txBody>
+      </p:sp>
+      <p:sp>
+        <p:nvSpPr>
+          <p:cNvPr id="32" name="TextBox 31">
+            <a:extLst>
+              <a:ext uri="{FF2B5EF4-FFF2-40B4-BE49-F238E27FC236}">
+                <a16:creationId xmlns:a16="http://schemas.microsoft.com/office/drawing/2014/main" id="{C90E6A47-1547-78F7-EFB9-DD12F3C82CE9}"/>
+              </a:ext>
+            </a:extLst>
+          </p:cNvPr>
+          <p:cNvSpPr txBox="1"/>
+          <p:nvPr/>
+        </p:nvSpPr>
+        <p:spPr>
+          <a:xfrm>
+            <a:off x="6886993" y="5455311"/>
+            <a:ext cx="928459" cy="246221"/>
+          </a:xfrm>
+          <a:prstGeom prst="rect">
+            <a:avLst/>
+          </a:prstGeom>
+          <a:noFill/>
+        </p:spPr>
+        <p:txBody>
+          <a:bodyPr wrap="none" rtlCol="0">
+            <a:spAutoFit/>
+          </a:bodyPr>
+          <a:lstStyle/>
+          <a:p>
+            <a:pPr algn="ctr"/>
+            <a:r>
+              <a:rPr lang="en-US" altLang="ko-KR" sz="1000" dirty="0" err="1"/>
+              <a:t>ViewPortInfo</a:t>
+            </a:r>
+            <a:endParaRPr lang="ko-KR" altLang="en-US" sz="1000" dirty="0"/>
+          </a:p>
+        </p:txBody>
+      </p:sp>
+      <p:sp>
+        <p:nvSpPr>
+          <p:cNvPr id="33" name="TextBox 32">
+            <a:extLst>
+              <a:ext uri="{FF2B5EF4-FFF2-40B4-BE49-F238E27FC236}">
+                <a16:creationId xmlns:a16="http://schemas.microsoft.com/office/drawing/2014/main" id="{2E93831B-3F8D-5FC6-3CB0-23C03870408B}"/>
+              </a:ext>
+            </a:extLst>
+          </p:cNvPr>
+          <p:cNvSpPr txBox="1"/>
+          <p:nvPr/>
+        </p:nvSpPr>
+        <p:spPr>
+          <a:xfrm>
+            <a:off x="7619601" y="4988085"/>
+            <a:ext cx="1391728" cy="830997"/>
+          </a:xfrm>
+          <a:prstGeom prst="rect">
+            <a:avLst/>
+          </a:prstGeom>
+          <a:noFill/>
+        </p:spPr>
+        <p:txBody>
+          <a:bodyPr wrap="none" rtlCol="0">
+            <a:spAutoFit/>
+          </a:bodyPr>
+          <a:lstStyle/>
+          <a:p>
+            <a:pPr algn="ctr"/>
+            <a:r>
+              <a:rPr lang="en-US" altLang="ko-KR" sz="1000" dirty="0" err="1"/>
+              <a:t>PixelShader</a:t>
+            </a:r>
+            <a:endParaRPr lang="en-US" altLang="ko-KR" sz="1000" dirty="0"/>
+          </a:p>
+          <a:p>
+            <a:pPr algn="ctr"/>
+            <a:r>
+              <a:rPr lang="en-US" altLang="ko-KR" sz="1000" dirty="0" err="1"/>
+              <a:t>ShaderResourceView</a:t>
+            </a:r>
+            <a:endParaRPr lang="en-US" altLang="ko-KR" sz="1000" dirty="0"/>
+          </a:p>
+          <a:p>
+            <a:pPr algn="ctr"/>
+            <a:r>
+              <a:rPr lang="en-US" altLang="ko-KR" sz="1000" dirty="0" err="1"/>
+              <a:t>SamplerState</a:t>
+            </a:r>
+            <a:endParaRPr lang="en-US" altLang="ko-KR" sz="1000" dirty="0"/>
+          </a:p>
+          <a:p>
+            <a:pPr algn="ctr"/>
+            <a:r>
+              <a:rPr lang="en-US" altLang="ko-KR" sz="1000" dirty="0" err="1"/>
+              <a:t>ConstanBuffer</a:t>
+            </a:r>
+            <a:endParaRPr lang="en-US" altLang="ko-KR" sz="1000" dirty="0"/>
+          </a:p>
+          <a:p>
+            <a:pPr algn="ctr"/>
+            <a:endParaRPr lang="ko-KR" altLang="en-US" sz="800" dirty="0"/>
+          </a:p>
+        </p:txBody>
+      </p:sp>
+      <p:sp>
+        <p:nvSpPr>
+          <p:cNvPr id="37" name="TextBox 36">
+            <a:extLst>
+              <a:ext uri="{FF2B5EF4-FFF2-40B4-BE49-F238E27FC236}">
+                <a16:creationId xmlns:a16="http://schemas.microsoft.com/office/drawing/2014/main" id="{D60A9D13-494B-7FF0-D05A-6110337C4424}"/>
+              </a:ext>
+            </a:extLst>
+          </p:cNvPr>
+          <p:cNvSpPr txBox="1"/>
+          <p:nvPr/>
+        </p:nvSpPr>
+        <p:spPr>
+          <a:xfrm>
+            <a:off x="1188153" y="4966375"/>
+            <a:ext cx="1287533" cy="900246"/>
+          </a:xfrm>
+          <a:prstGeom prst="rect">
+            <a:avLst/>
+          </a:prstGeom>
+          <a:noFill/>
+        </p:spPr>
+        <p:txBody>
+          <a:bodyPr wrap="none" rtlCol="0">
+            <a:spAutoFit/>
+          </a:bodyPr>
+          <a:lstStyle/>
+          <a:p>
+            <a:pPr algn="ctr"/>
+            <a:r>
+              <a:rPr lang="en-US" altLang="ko-KR" sz="1050" dirty="0" err="1"/>
+              <a:t>PrimitiveTopology</a:t>
+            </a:r>
+            <a:endParaRPr lang="en-US" altLang="ko-KR" sz="1050" dirty="0"/>
+          </a:p>
+          <a:p>
+            <a:pPr algn="ctr"/>
+            <a:r>
+              <a:rPr lang="en-US" altLang="ko-KR" sz="1050" dirty="0" err="1"/>
+              <a:t>InputLayout</a:t>
+            </a:r>
+            <a:endParaRPr lang="en-US" altLang="ko-KR" sz="1050" dirty="0"/>
+          </a:p>
+          <a:p>
+            <a:pPr algn="ctr"/>
+            <a:r>
+              <a:rPr lang="en-US" altLang="ko-KR" sz="1050" dirty="0" err="1"/>
+              <a:t>VertexBuffer</a:t>
+            </a:r>
+            <a:endParaRPr lang="en-US" altLang="ko-KR" sz="1050" dirty="0"/>
+          </a:p>
+          <a:p>
+            <a:pPr algn="ctr"/>
+            <a:r>
+              <a:rPr lang="en-US" altLang="ko-KR" sz="1050" dirty="0" err="1"/>
+              <a:t>IndexBuffer</a:t>
+            </a:r>
+            <a:endParaRPr lang="en-US" altLang="ko-KR" sz="1050" dirty="0"/>
+          </a:p>
+          <a:p>
+            <a:pPr algn="ctr"/>
+            <a:endParaRPr lang="en-US" altLang="ko-KR" sz="1050" dirty="0"/>
+          </a:p>
+        </p:txBody>
+      </p:sp>
+      <p:sp>
+        <p:nvSpPr>
+          <p:cNvPr id="50" name="TextBox 49">
+            <a:extLst>
+              <a:ext uri="{FF2B5EF4-FFF2-40B4-BE49-F238E27FC236}">
+                <a16:creationId xmlns:a16="http://schemas.microsoft.com/office/drawing/2014/main" id="{23130443-B75D-06C8-2361-50D3887EAC8B}"/>
+              </a:ext>
+            </a:extLst>
+          </p:cNvPr>
+          <p:cNvSpPr txBox="1"/>
+          <p:nvPr/>
+        </p:nvSpPr>
+        <p:spPr>
+          <a:xfrm>
+            <a:off x="2777535" y="6481765"/>
+            <a:ext cx="5694508" cy="276999"/>
+          </a:xfrm>
+          <a:prstGeom prst="rect">
+            <a:avLst/>
+          </a:prstGeom>
+          <a:noFill/>
+        </p:spPr>
+        <p:txBody>
+          <a:bodyPr wrap="none" rtlCol="0">
+            <a:spAutoFit/>
+          </a:bodyPr>
+          <a:lstStyle/>
+          <a:p>
+            <a:r>
+              <a:rPr lang="en-US" altLang="ko-KR" sz="1200" dirty="0" err="1"/>
+              <a:t>DeviceContext</a:t>
+            </a:r>
+            <a:r>
+              <a:rPr lang="en-US" altLang="ko-KR" sz="1200" dirty="0"/>
+              <a:t>::Draw </a:t>
+            </a:r>
+            <a:r>
+              <a:rPr lang="ko-KR" altLang="en-US" sz="1200" dirty="0"/>
+              <a:t>함수를 호출하기 전에  각 스테이지에 설정이 필요하다  </a:t>
+            </a:r>
+          </a:p>
+        </p:txBody>
+      </p:sp>
+      <p:pic>
+        <p:nvPicPr>
+          <p:cNvPr id="40" name="Picture 2" descr="The Textures Resource - Full Texture View - Quake - Ogre">
+            <a:extLst>
+              <a:ext uri="{FF2B5EF4-FFF2-40B4-BE49-F238E27FC236}">
+                <a16:creationId xmlns:a16="http://schemas.microsoft.com/office/drawing/2014/main" id="{009745A5-7C47-440E-9309-FCB2BFC0D8D3}"/>
+              </a:ext>
+            </a:extLst>
+          </p:cNvPr>
+          <p:cNvPicPr>
+            <a:picLocks noChangeAspect="1" noChangeArrowheads="1"/>
+          </p:cNvPicPr>
+          <p:nvPr/>
+        </p:nvPicPr>
+        <p:blipFill>
+          <a:blip r:embed="rId6">
+            <a:extLst>
+              <a:ext uri="{28A0092B-C50C-407E-A947-70E740481C1C}">
+                <a14:useLocalDpi xmlns:a14="http://schemas.microsoft.com/office/drawing/2010/main" val="0"/>
+              </a:ext>
+            </a:extLst>
+          </a:blip>
+          <a:srcRect/>
+          <a:stretch>
+            <a:fillRect/>
+          </a:stretch>
+        </p:blipFill>
+        <p:spPr bwMode="auto">
+          <a:xfrm>
+            <a:off x="125500" y="5688751"/>
+            <a:ext cx="707961" cy="520244"/>
+          </a:xfrm>
+          <a:prstGeom prst="rect">
+            <a:avLst/>
+          </a:prstGeom>
+          <a:noFill/>
+          <a:extLst>
+            <a:ext uri="{909E8E84-426E-40DD-AFC4-6F175D3DCCD1}">
+              <a14:hiddenFill xmlns:a14="http://schemas.microsoft.com/office/drawing/2010/main">
+                <a:solidFill>
+                  <a:srgbClr val="FFFFFF"/>
+                </a:solidFill>
+              </a14:hiddenFill>
+            </a:ext>
+          </a:extLst>
+        </p:spPr>
+      </p:pic>
+    </p:spTree>
+    <p:extLst>
+      <p:ext uri="{BB962C8B-B14F-4D97-AF65-F5344CB8AC3E}">
+        <p14:creationId xmlns:p14="http://schemas.microsoft.com/office/powerpoint/2010/main" val="4260893810"/>
+      </p:ext>
+    </p:extLst>
+  </p:cSld>
+  <p:clrMapOvr>
+    <a:masterClrMapping/>
+  </p:clrMapOvr>
+</p:sld>
+</file>
+
+<file path=ppt/slides/slide6.xml><?xml version="1.0" encoding="utf-8"?>
+<p:sld xmlns:a="http://schemas.openxmlformats.org/drawingml/2006/main" xmlns:r="http://schemas.openxmlformats.org/officeDocument/2006/relationships" xmlns:p="http://schemas.openxmlformats.org/presentationml/2006/main">
+  <p:cSld>
+    <p:spTree>
+      <p:nvGrpSpPr>
+        <p:cNvPr id="1" name=""/>
+        <p:cNvGrpSpPr/>
+        <p:nvPr/>
+      </p:nvGrpSpPr>
+      <p:grpSpPr>
+        <a:xfrm>
+          <a:off x="0" y="0"/>
+          <a:ext cx="0" cy="0"/>
+          <a:chOff x="0" y="0"/>
+          <a:chExt cx="0" cy="0"/>
+        </a:xfrm>
+      </p:grpSpPr>
+      <p:sp>
+        <p:nvSpPr>
+          <p:cNvPr id="2" name="제목 1">
+            <a:extLst>
+              <a:ext uri="{FF2B5EF4-FFF2-40B4-BE49-F238E27FC236}">
+                <a16:creationId xmlns:a16="http://schemas.microsoft.com/office/drawing/2014/main" id="{D4774917-7D02-A54E-9834-71A11090CDF4}"/>
+              </a:ext>
+            </a:extLst>
+          </p:cNvPr>
+          <p:cNvSpPr>
+            <a:spLocks noGrp="1"/>
+          </p:cNvSpPr>
+          <p:nvPr>
+            <p:ph type="title"/>
+          </p:nvPr>
+        </p:nvSpPr>
+        <p:spPr/>
+        <p:txBody>
+          <a:bodyPr/>
+          <a:lstStyle/>
+          <a:p>
+            <a:r>
+              <a:rPr lang="en-US" altLang="ko-KR" dirty="0"/>
+              <a:t>Device and </a:t>
+            </a:r>
+            <a:r>
+              <a:rPr lang="en-US" altLang="ko-KR" dirty="0" err="1"/>
+              <a:t>DeviceContext</a:t>
+            </a:r>
+            <a:endParaRPr lang="ko-KR" altLang="en-US" dirty="0"/>
+          </a:p>
+        </p:txBody>
+      </p:sp>
+      <p:sp>
+        <p:nvSpPr>
+          <p:cNvPr id="3" name="TextBox 2">
+            <a:extLst>
+              <a:ext uri="{FF2B5EF4-FFF2-40B4-BE49-F238E27FC236}">
+                <a16:creationId xmlns:a16="http://schemas.microsoft.com/office/drawing/2014/main" id="{26A72A0E-8512-13A3-7959-D7D7E1DB5040}"/>
+              </a:ext>
+            </a:extLst>
+          </p:cNvPr>
+          <p:cNvSpPr txBox="1"/>
+          <p:nvPr/>
+        </p:nvSpPr>
+        <p:spPr>
+          <a:xfrm>
+            <a:off x="436282" y="1804133"/>
+            <a:ext cx="10974376" cy="2031325"/>
+          </a:xfrm>
+          <a:prstGeom prst="rect">
+            <a:avLst/>
+          </a:prstGeom>
+          <a:noFill/>
+        </p:spPr>
+        <p:txBody>
+          <a:bodyPr wrap="square" rtlCol="0">
+            <a:spAutoFit/>
+          </a:bodyPr>
+          <a:lstStyle/>
+          <a:p>
+            <a:r>
+              <a:rPr lang="en-US" altLang="ko-KR" dirty="0"/>
+              <a:t>Device</a:t>
+            </a:r>
+            <a:r>
+              <a:rPr lang="ko-KR" altLang="en-US" dirty="0"/>
+              <a:t>는 각 스테이지에 설정</a:t>
+            </a:r>
+            <a:r>
+              <a:rPr lang="en-US" altLang="ko-KR" dirty="0"/>
+              <a:t>(Bind)</a:t>
+            </a:r>
+            <a:r>
+              <a:rPr lang="ko-KR" altLang="en-US" dirty="0"/>
+              <a:t>하는 개체를 생성한다</a:t>
+            </a:r>
+            <a:r>
+              <a:rPr lang="en-US" altLang="ko-KR" dirty="0"/>
+              <a:t>.  </a:t>
+            </a:r>
+            <a:r>
+              <a:rPr lang="ko-KR" altLang="en-US" dirty="0"/>
+              <a:t>예</a:t>
+            </a:r>
+            <a:r>
+              <a:rPr lang="en-US" altLang="ko-KR" dirty="0"/>
+              <a:t>)  </a:t>
+            </a:r>
+            <a:r>
+              <a:rPr lang="en-US" altLang="ko-KR" dirty="0" err="1">
+                <a:hlinkClick r:id="rId2"/>
+              </a:rPr>
+              <a:t>IDevice</a:t>
+            </a:r>
+            <a:r>
+              <a:rPr lang="en-US" altLang="ko-KR" dirty="0"/>
+              <a:t>::</a:t>
+            </a:r>
+            <a:r>
+              <a:rPr lang="en-US" altLang="ko-KR" dirty="0" err="1"/>
+              <a:t>CreateInputLayOut</a:t>
+            </a:r>
+            <a:r>
+              <a:rPr lang="en-US" altLang="ko-KR" dirty="0"/>
+              <a:t>()   </a:t>
+            </a:r>
+          </a:p>
+          <a:p>
+            <a:r>
+              <a:rPr lang="en-US" altLang="ko-KR" dirty="0" err="1"/>
+              <a:t>DeviceContext</a:t>
+            </a:r>
+            <a:r>
+              <a:rPr lang="ko-KR" altLang="en-US" dirty="0"/>
+              <a:t>는 생성된 개체를 각 스테이지에 설정</a:t>
+            </a:r>
+            <a:r>
+              <a:rPr lang="en-US" altLang="ko-KR" dirty="0"/>
+              <a:t>(Bind)</a:t>
+            </a:r>
+            <a:r>
+              <a:rPr lang="ko-KR" altLang="en-US" dirty="0"/>
+              <a:t>한다</a:t>
+            </a:r>
+            <a:r>
+              <a:rPr lang="en-US" altLang="ko-KR" dirty="0"/>
+              <a:t>. </a:t>
+            </a:r>
+            <a:r>
+              <a:rPr lang="ko-KR" altLang="en-US" dirty="0"/>
+              <a:t>예</a:t>
+            </a:r>
+            <a:r>
+              <a:rPr lang="en-US" altLang="ko-KR" dirty="0"/>
+              <a:t>)  </a:t>
+            </a:r>
+            <a:r>
+              <a:rPr lang="en-US" altLang="ko-KR" dirty="0">
+                <a:hlinkClick r:id="rId2"/>
+              </a:rPr>
+              <a:t>IDeviceContext</a:t>
+            </a:r>
+            <a:r>
+              <a:rPr lang="en-US" altLang="ko-KR" dirty="0"/>
+              <a:t>::</a:t>
+            </a:r>
+            <a:r>
+              <a:rPr lang="en-US" altLang="ko-KR" dirty="0" err="1"/>
+              <a:t>IASetInpuLayout</a:t>
+            </a:r>
+            <a:r>
+              <a:rPr lang="en-US" altLang="ko-KR" dirty="0"/>
+              <a:t>()</a:t>
+            </a:r>
+          </a:p>
+          <a:p>
+            <a:r>
+              <a:rPr lang="ko-KR" altLang="en-US" dirty="0"/>
+              <a:t>모든 설정이 끝나고 </a:t>
+            </a:r>
+            <a:r>
+              <a:rPr lang="en-US" altLang="ko-KR" dirty="0"/>
+              <a:t>IDeviceContext::Draw </a:t>
+            </a:r>
+            <a:r>
+              <a:rPr lang="ko-KR" altLang="en-US" dirty="0"/>
+              <a:t>계열 함수를 호출한다</a:t>
+            </a:r>
+            <a:r>
+              <a:rPr lang="en-US" altLang="ko-KR" dirty="0"/>
+              <a:t>.</a:t>
+            </a:r>
+            <a:r>
+              <a:rPr lang="ko-KR" altLang="en-US" dirty="0"/>
+              <a:t>  </a:t>
+            </a:r>
+            <a:endParaRPr lang="en-US" altLang="ko-KR" dirty="0"/>
+          </a:p>
+          <a:p>
+            <a:endParaRPr lang="en-US" altLang="ko-KR" dirty="0"/>
+          </a:p>
+          <a:p>
+            <a:r>
+              <a:rPr lang="ko-KR" altLang="en-US" dirty="0"/>
+              <a:t>필요한 </a:t>
+            </a:r>
+            <a:r>
+              <a:rPr lang="en-US" altLang="ko-KR" dirty="0"/>
+              <a:t>Device</a:t>
+            </a:r>
+            <a:r>
+              <a:rPr lang="ko-KR" altLang="en-US" dirty="0"/>
+              <a:t>와 </a:t>
+            </a:r>
+            <a:r>
+              <a:rPr lang="en-US" altLang="ko-KR" dirty="0" err="1"/>
+              <a:t>DeviceContext</a:t>
+            </a:r>
+            <a:r>
+              <a:rPr lang="ko-KR" altLang="en-US"/>
+              <a:t>는 </a:t>
+            </a:r>
+            <a:r>
+              <a:rPr lang="en-US" altLang="ko-KR"/>
+              <a:t>D3D11CreateDevice</a:t>
+            </a:r>
+            <a:r>
+              <a:rPr lang="en-US" altLang="ko-KR" dirty="0"/>
+              <a:t>, </a:t>
+            </a:r>
+            <a:r>
+              <a:rPr lang="en-US" altLang="ko-KR" dirty="0" err="1"/>
+              <a:t>CreateSwapChain</a:t>
+            </a:r>
+            <a:r>
+              <a:rPr lang="en-US" altLang="ko-KR" dirty="0"/>
+              <a:t>() </a:t>
+            </a:r>
+            <a:r>
+              <a:rPr lang="ko-KR" altLang="en-US" dirty="0"/>
+              <a:t>으로 생성하자</a:t>
+            </a:r>
+            <a:r>
+              <a:rPr lang="en-US" altLang="ko-KR" dirty="0"/>
+              <a:t>.</a:t>
+            </a:r>
+          </a:p>
+          <a:p>
+            <a:endParaRPr lang="en-US" altLang="ko-KR" dirty="0"/>
+          </a:p>
+          <a:p>
+            <a:r>
+              <a:rPr lang="en-US" altLang="ko-KR" dirty="0"/>
+              <a:t>  </a:t>
+            </a:r>
+            <a:r>
+              <a:rPr lang="ko-KR" altLang="en-US" dirty="0"/>
+              <a:t>인터페이스 </a:t>
+            </a:r>
+            <a:r>
+              <a:rPr lang="en-US" altLang="ko-KR" dirty="0" err="1">
+                <a:hlinkClick r:id="rId2"/>
+              </a:rPr>
+              <a:t>IDevice</a:t>
+            </a:r>
+            <a:r>
+              <a:rPr lang="ko-KR" altLang="en-US" dirty="0"/>
+              <a:t>와 </a:t>
+            </a:r>
+            <a:r>
+              <a:rPr lang="en-US" altLang="ko-KR" dirty="0">
+                <a:hlinkClick r:id="rId3"/>
+              </a:rPr>
+              <a:t>IDeviceContext</a:t>
+            </a:r>
+            <a:r>
+              <a:rPr lang="en-US" altLang="ko-KR" dirty="0"/>
+              <a:t> </a:t>
+            </a:r>
+            <a:r>
+              <a:rPr lang="ko-KR" altLang="en-US" dirty="0"/>
+              <a:t>를 살펴보자</a:t>
+            </a:r>
+            <a:r>
+              <a:rPr lang="en-US" altLang="ko-KR" dirty="0"/>
+              <a:t> </a:t>
+            </a:r>
+          </a:p>
+        </p:txBody>
+      </p:sp>
+      <p:pic>
+        <p:nvPicPr>
+          <p:cNvPr id="5" name="그림 4">
+            <a:extLst>
+              <a:ext uri="{FF2B5EF4-FFF2-40B4-BE49-F238E27FC236}">
+                <a16:creationId xmlns:a16="http://schemas.microsoft.com/office/drawing/2014/main" id="{0EF9B364-CB4A-3CF1-28F9-DE438D8435D5}"/>
+              </a:ext>
+            </a:extLst>
+          </p:cNvPr>
+          <p:cNvPicPr>
+            <a:picLocks noChangeAspect="1"/>
+          </p:cNvPicPr>
+          <p:nvPr/>
+        </p:nvPicPr>
+        <p:blipFill>
+          <a:blip r:embed="rId4"/>
+          <a:stretch>
+            <a:fillRect/>
+          </a:stretch>
+        </p:blipFill>
+        <p:spPr>
+          <a:xfrm>
+            <a:off x="8060" y="4705470"/>
+            <a:ext cx="1379018" cy="1684162"/>
+          </a:xfrm>
+          <a:prstGeom prst="rect">
+            <a:avLst/>
+          </a:prstGeom>
+        </p:spPr>
+      </p:pic>
+      <p:pic>
+        <p:nvPicPr>
+          <p:cNvPr id="7" name="그림 6">
+            <a:extLst>
+              <a:ext uri="{FF2B5EF4-FFF2-40B4-BE49-F238E27FC236}">
+                <a16:creationId xmlns:a16="http://schemas.microsoft.com/office/drawing/2014/main" id="{92D86B46-1D3B-C339-78AC-2CCF3B4FEB9A}"/>
+              </a:ext>
+            </a:extLst>
+          </p:cNvPr>
+          <p:cNvPicPr>
+            <a:picLocks noChangeAspect="1"/>
+          </p:cNvPicPr>
+          <p:nvPr/>
+        </p:nvPicPr>
+        <p:blipFill>
+          <a:blip r:embed="rId5"/>
+          <a:stretch>
+            <a:fillRect/>
+          </a:stretch>
+        </p:blipFill>
+        <p:spPr>
+          <a:xfrm>
+            <a:off x="10365978" y="5042768"/>
+            <a:ext cx="1092562" cy="1347079"/>
+          </a:xfrm>
+          <a:prstGeom prst="rect">
+            <a:avLst/>
+          </a:prstGeom>
+        </p:spPr>
+      </p:pic>
+      <p:sp>
+        <p:nvSpPr>
+          <p:cNvPr id="8" name="직사각형 7">
+            <a:extLst>
+              <a:ext uri="{FF2B5EF4-FFF2-40B4-BE49-F238E27FC236}">
+                <a16:creationId xmlns:a16="http://schemas.microsoft.com/office/drawing/2014/main" id="{7617C397-D9D3-D764-FEAF-A3E9D554F7BE}"/>
               </a:ext>
             </a:extLst>
           </p:cNvPr>
@@ -7378,8 +8751,945 @@
         </p:nvSpPr>
         <p:spPr>
           <a:xfrm>
-            <a:off x="7893451" y="2310185"/>
-            <a:ext cx="322870" cy="236907"/>
+            <a:off x="10116744" y="4987870"/>
+            <a:ext cx="1895413" cy="1401762"/>
+          </a:xfrm>
+          <a:prstGeom prst="rect">
+            <a:avLst/>
+          </a:prstGeom>
+          <a:noFill/>
+        </p:spPr>
+        <p:style>
+          <a:lnRef idx="2">
+            <a:schemeClr val="accent1">
+              <a:shade val="15000"/>
+            </a:schemeClr>
+          </a:lnRef>
+          <a:fillRef idx="1">
+            <a:schemeClr val="accent1"/>
+          </a:fillRef>
+          <a:effectRef idx="0">
+            <a:schemeClr val="accent1"/>
+          </a:effectRef>
+          <a:fontRef idx="minor">
+            <a:schemeClr val="lt1"/>
+          </a:fontRef>
+        </p:style>
+        <p:txBody>
+          <a:bodyPr rtlCol="0" anchor="ctr"/>
+          <a:lstStyle/>
+          <a:p>
+            <a:pPr algn="ctr"/>
+            <a:endParaRPr lang="ko-KR" altLang="en-US"/>
+          </a:p>
+        </p:txBody>
+      </p:sp>
+      <p:pic>
+        <p:nvPicPr>
+          <p:cNvPr id="10" name="그림 9">
+            <a:extLst>
+              <a:ext uri="{FF2B5EF4-FFF2-40B4-BE49-F238E27FC236}">
+                <a16:creationId xmlns:a16="http://schemas.microsoft.com/office/drawing/2014/main" id="{499F89E2-5373-AB86-6304-2FE3718FDE23}"/>
+              </a:ext>
+            </a:extLst>
+          </p:cNvPr>
+          <p:cNvPicPr>
+            <a:picLocks noChangeAspect="1"/>
+          </p:cNvPicPr>
+          <p:nvPr/>
+        </p:nvPicPr>
+        <p:blipFill>
+          <a:blip r:embed="rId6"/>
+          <a:stretch>
+            <a:fillRect/>
+          </a:stretch>
+        </p:blipFill>
+        <p:spPr>
+          <a:xfrm>
+            <a:off x="1636312" y="5857003"/>
+            <a:ext cx="8110098" cy="446806"/>
+          </a:xfrm>
+          <a:prstGeom prst="rect">
+            <a:avLst/>
+          </a:prstGeom>
+        </p:spPr>
+      </p:pic>
+      <p:sp>
+        <p:nvSpPr>
+          <p:cNvPr id="11" name="TextBox 10">
+            <a:extLst>
+              <a:ext uri="{FF2B5EF4-FFF2-40B4-BE49-F238E27FC236}">
+                <a16:creationId xmlns:a16="http://schemas.microsoft.com/office/drawing/2014/main" id="{22BB69FB-525C-C536-1AA7-208B41457B72}"/>
+              </a:ext>
+            </a:extLst>
+          </p:cNvPr>
+          <p:cNvSpPr txBox="1"/>
+          <p:nvPr/>
+        </p:nvSpPr>
+        <p:spPr>
+          <a:xfrm>
+            <a:off x="59928" y="6457890"/>
+            <a:ext cx="1066318" cy="400110"/>
+          </a:xfrm>
+          <a:prstGeom prst="rect">
+            <a:avLst/>
+          </a:prstGeom>
+          <a:noFill/>
+        </p:spPr>
+        <p:txBody>
+          <a:bodyPr wrap="none" rtlCol="0">
+            <a:spAutoFit/>
+          </a:bodyPr>
+          <a:lstStyle/>
+          <a:p>
+            <a:r>
+              <a:rPr lang="en-US" altLang="ko-KR" sz="1000" dirty="0"/>
+              <a:t>Model or Local</a:t>
+            </a:r>
+          </a:p>
+          <a:p>
+            <a:r>
+              <a:rPr lang="en-US" altLang="ko-KR" sz="1000" dirty="0"/>
+              <a:t>3D Space</a:t>
+            </a:r>
+            <a:endParaRPr lang="ko-KR" altLang="en-US" sz="1000" dirty="0"/>
+          </a:p>
+        </p:txBody>
+      </p:sp>
+      <p:sp>
+        <p:nvSpPr>
+          <p:cNvPr id="12" name="TextBox 11">
+            <a:extLst>
+              <a:ext uri="{FF2B5EF4-FFF2-40B4-BE49-F238E27FC236}">
+                <a16:creationId xmlns:a16="http://schemas.microsoft.com/office/drawing/2014/main" id="{095A0E6C-7351-C434-FDB4-BE5D7644E1A7}"/>
+              </a:ext>
+            </a:extLst>
+          </p:cNvPr>
+          <p:cNvSpPr txBox="1"/>
+          <p:nvPr/>
+        </p:nvSpPr>
+        <p:spPr>
+          <a:xfrm>
+            <a:off x="10232999" y="6506632"/>
+            <a:ext cx="1177659" cy="246221"/>
+          </a:xfrm>
+          <a:prstGeom prst="rect">
+            <a:avLst/>
+          </a:prstGeom>
+          <a:noFill/>
+        </p:spPr>
+        <p:txBody>
+          <a:bodyPr wrap="square" rtlCol="0">
+            <a:spAutoFit/>
+          </a:bodyPr>
+          <a:lstStyle/>
+          <a:p>
+            <a:r>
+              <a:rPr lang="en-US" altLang="ko-KR" sz="1000" dirty="0"/>
+              <a:t>Screen 2D Space</a:t>
+            </a:r>
+            <a:endParaRPr lang="ko-KR" altLang="en-US" sz="1000" dirty="0"/>
+          </a:p>
+        </p:txBody>
+      </p:sp>
+      <p:sp>
+        <p:nvSpPr>
+          <p:cNvPr id="13" name="TextBox 12">
+            <a:extLst>
+              <a:ext uri="{FF2B5EF4-FFF2-40B4-BE49-F238E27FC236}">
+                <a16:creationId xmlns:a16="http://schemas.microsoft.com/office/drawing/2014/main" id="{1683EA09-88B3-8A9E-0664-038D3A93681D}"/>
+              </a:ext>
+            </a:extLst>
+          </p:cNvPr>
+          <p:cNvSpPr txBox="1"/>
+          <p:nvPr/>
+        </p:nvSpPr>
+        <p:spPr>
+          <a:xfrm>
+            <a:off x="10068962" y="4701382"/>
+            <a:ext cx="504540" cy="246221"/>
+          </a:xfrm>
+          <a:prstGeom prst="rect">
+            <a:avLst/>
+          </a:prstGeom>
+          <a:noFill/>
+        </p:spPr>
+        <p:txBody>
+          <a:bodyPr wrap="square" rtlCol="0">
+            <a:spAutoFit/>
+          </a:bodyPr>
+          <a:lstStyle/>
+          <a:p>
+            <a:r>
+              <a:rPr lang="en-US" altLang="ko-KR" sz="1000" dirty="0"/>
+              <a:t>0,0</a:t>
+            </a:r>
+            <a:endParaRPr lang="ko-KR" altLang="en-US" sz="1000" dirty="0"/>
+          </a:p>
+        </p:txBody>
+      </p:sp>
+      <p:sp>
+        <p:nvSpPr>
+          <p:cNvPr id="14" name="TextBox 13">
+            <a:extLst>
+              <a:ext uri="{FF2B5EF4-FFF2-40B4-BE49-F238E27FC236}">
+                <a16:creationId xmlns:a16="http://schemas.microsoft.com/office/drawing/2014/main" id="{9568C602-F81D-8D45-7C59-9557A00C2778}"/>
+              </a:ext>
+            </a:extLst>
+          </p:cNvPr>
+          <p:cNvSpPr txBox="1"/>
+          <p:nvPr/>
+        </p:nvSpPr>
+        <p:spPr>
+          <a:xfrm>
+            <a:off x="11504837" y="6411724"/>
+            <a:ext cx="859252" cy="246221"/>
+          </a:xfrm>
+          <a:prstGeom prst="rect">
+            <a:avLst/>
+          </a:prstGeom>
+          <a:noFill/>
+        </p:spPr>
+        <p:txBody>
+          <a:bodyPr wrap="square" rtlCol="0">
+            <a:spAutoFit/>
+          </a:bodyPr>
+          <a:lstStyle/>
+          <a:p>
+            <a:r>
+              <a:rPr lang="en-US" altLang="ko-KR" sz="1000" dirty="0"/>
+              <a:t>1024,768</a:t>
+            </a:r>
+            <a:endParaRPr lang="ko-KR" altLang="en-US" sz="1000" dirty="0"/>
+          </a:p>
+        </p:txBody>
+      </p:sp>
+      <p:sp>
+        <p:nvSpPr>
+          <p:cNvPr id="17" name="직사각형 16">
+            <a:extLst>
+              <a:ext uri="{FF2B5EF4-FFF2-40B4-BE49-F238E27FC236}">
+                <a16:creationId xmlns:a16="http://schemas.microsoft.com/office/drawing/2014/main" id="{54695C44-BBAC-869A-A760-9D292A29FBFA}"/>
+              </a:ext>
+            </a:extLst>
+          </p:cNvPr>
+          <p:cNvSpPr/>
+          <p:nvPr/>
+        </p:nvSpPr>
+        <p:spPr>
+          <a:xfrm>
+            <a:off x="2615387" y="5814977"/>
+            <a:ext cx="632435" cy="529986"/>
+          </a:xfrm>
+          <a:prstGeom prst="rect">
+            <a:avLst/>
+          </a:prstGeom>
+          <a:solidFill>
+            <a:schemeClr val="bg2">
+              <a:lumMod val="75000"/>
+            </a:schemeClr>
+          </a:solidFill>
+        </p:spPr>
+        <p:style>
+          <a:lnRef idx="2">
+            <a:schemeClr val="accent1">
+              <a:shade val="15000"/>
+            </a:schemeClr>
+          </a:lnRef>
+          <a:fillRef idx="1">
+            <a:schemeClr val="accent1"/>
+          </a:fillRef>
+          <a:effectRef idx="0">
+            <a:schemeClr val="accent1"/>
+          </a:effectRef>
+          <a:fontRef idx="minor">
+            <a:schemeClr val="lt1"/>
+          </a:fontRef>
+        </p:style>
+        <p:txBody>
+          <a:bodyPr rtlCol="0" anchor="ctr"/>
+          <a:lstStyle/>
+          <a:p>
+            <a:pPr algn="ctr"/>
+            <a:r>
+              <a:rPr lang="en-US" altLang="ko-KR" dirty="0"/>
+              <a:t>IA</a:t>
+            </a:r>
+            <a:endParaRPr lang="ko-KR" altLang="en-US" dirty="0"/>
+          </a:p>
+        </p:txBody>
+      </p:sp>
+      <p:sp>
+        <p:nvSpPr>
+          <p:cNvPr id="18" name="직사각형 17">
+            <a:extLst>
+              <a:ext uri="{FF2B5EF4-FFF2-40B4-BE49-F238E27FC236}">
+                <a16:creationId xmlns:a16="http://schemas.microsoft.com/office/drawing/2014/main" id="{197E9559-D1FF-3ABA-A49D-D4F105B4EE02}"/>
+              </a:ext>
+            </a:extLst>
+          </p:cNvPr>
+          <p:cNvSpPr/>
+          <p:nvPr/>
+        </p:nvSpPr>
+        <p:spPr>
+          <a:xfrm>
+            <a:off x="3577257" y="5814977"/>
+            <a:ext cx="632435" cy="529986"/>
+          </a:xfrm>
+          <a:prstGeom prst="rect">
+            <a:avLst/>
+          </a:prstGeom>
+          <a:ln w="76200">
+            <a:solidFill>
+              <a:srgbClr val="FF0000"/>
+            </a:solidFill>
+          </a:ln>
+        </p:spPr>
+        <p:style>
+          <a:lnRef idx="2">
+            <a:schemeClr val="accent1">
+              <a:shade val="15000"/>
+            </a:schemeClr>
+          </a:lnRef>
+          <a:fillRef idx="1">
+            <a:schemeClr val="accent1"/>
+          </a:fillRef>
+          <a:effectRef idx="0">
+            <a:schemeClr val="accent1"/>
+          </a:effectRef>
+          <a:fontRef idx="minor">
+            <a:schemeClr val="lt1"/>
+          </a:fontRef>
+        </p:style>
+        <p:txBody>
+          <a:bodyPr rtlCol="0" anchor="ctr"/>
+          <a:lstStyle/>
+          <a:p>
+            <a:pPr algn="ctr"/>
+            <a:r>
+              <a:rPr lang="en-US" altLang="ko-KR" dirty="0"/>
+              <a:t>VS</a:t>
+            </a:r>
+            <a:endParaRPr lang="ko-KR" altLang="en-US" dirty="0"/>
+          </a:p>
+        </p:txBody>
+      </p:sp>
+      <p:sp>
+        <p:nvSpPr>
+          <p:cNvPr id="25" name="직사각형 24">
+            <a:extLst>
+              <a:ext uri="{FF2B5EF4-FFF2-40B4-BE49-F238E27FC236}">
+                <a16:creationId xmlns:a16="http://schemas.microsoft.com/office/drawing/2014/main" id="{76ACFADB-6569-16B2-169D-AE01DFBDBBCF}"/>
+              </a:ext>
+            </a:extLst>
+          </p:cNvPr>
+          <p:cNvSpPr/>
+          <p:nvPr/>
+        </p:nvSpPr>
+        <p:spPr>
+          <a:xfrm>
+            <a:off x="6787825" y="5814977"/>
+            <a:ext cx="632435" cy="529986"/>
+          </a:xfrm>
+          <a:prstGeom prst="rect">
+            <a:avLst/>
+          </a:prstGeom>
+          <a:ln w="76200">
+            <a:solidFill>
+              <a:srgbClr val="FF0000"/>
+            </a:solidFill>
+          </a:ln>
+        </p:spPr>
+        <p:style>
+          <a:lnRef idx="2">
+            <a:schemeClr val="accent1">
+              <a:shade val="15000"/>
+            </a:schemeClr>
+          </a:lnRef>
+          <a:fillRef idx="1">
+            <a:schemeClr val="accent1"/>
+          </a:fillRef>
+          <a:effectRef idx="0">
+            <a:schemeClr val="accent1"/>
+          </a:effectRef>
+          <a:fontRef idx="minor">
+            <a:schemeClr val="lt1"/>
+          </a:fontRef>
+        </p:style>
+        <p:txBody>
+          <a:bodyPr rtlCol="0" anchor="ctr"/>
+          <a:lstStyle/>
+          <a:p>
+            <a:pPr algn="ctr"/>
+            <a:r>
+              <a:rPr lang="en-US" altLang="ko-KR" dirty="0">
+                <a:solidFill>
+                  <a:schemeClr val="bg1"/>
+                </a:solidFill>
+              </a:rPr>
+              <a:t>PS</a:t>
+            </a:r>
+            <a:endParaRPr lang="ko-KR" altLang="en-US" dirty="0">
+              <a:solidFill>
+                <a:schemeClr val="bg1"/>
+              </a:solidFill>
+            </a:endParaRPr>
+          </a:p>
+        </p:txBody>
+      </p:sp>
+      <p:sp>
+        <p:nvSpPr>
+          <p:cNvPr id="26" name="직사각형 25">
+            <a:extLst>
+              <a:ext uri="{FF2B5EF4-FFF2-40B4-BE49-F238E27FC236}">
+                <a16:creationId xmlns:a16="http://schemas.microsoft.com/office/drawing/2014/main" id="{FA0C48EF-2140-DDE8-ACBF-F52F118DE552}"/>
+              </a:ext>
+            </a:extLst>
+          </p:cNvPr>
+          <p:cNvSpPr/>
+          <p:nvPr/>
+        </p:nvSpPr>
+        <p:spPr>
+          <a:xfrm>
+            <a:off x="7734481" y="5814977"/>
+            <a:ext cx="632435" cy="529986"/>
+          </a:xfrm>
+          <a:prstGeom prst="rect">
+            <a:avLst/>
+          </a:prstGeom>
+          <a:solidFill>
+            <a:schemeClr val="bg1">
+              <a:lumMod val="65000"/>
+            </a:schemeClr>
+          </a:solidFill>
+        </p:spPr>
+        <p:style>
+          <a:lnRef idx="2">
+            <a:schemeClr val="accent1">
+              <a:shade val="15000"/>
+            </a:schemeClr>
+          </a:lnRef>
+          <a:fillRef idx="1">
+            <a:schemeClr val="accent1"/>
+          </a:fillRef>
+          <a:effectRef idx="0">
+            <a:schemeClr val="accent1"/>
+          </a:effectRef>
+          <a:fontRef idx="minor">
+            <a:schemeClr val="lt1"/>
+          </a:fontRef>
+        </p:style>
+        <p:txBody>
+          <a:bodyPr rtlCol="0" anchor="ctr"/>
+          <a:lstStyle/>
+          <a:p>
+            <a:pPr algn="ctr"/>
+            <a:r>
+              <a:rPr lang="en-US" altLang="ko-KR" dirty="0"/>
+              <a:t>OM</a:t>
+            </a:r>
+            <a:endParaRPr lang="ko-KR" altLang="en-US" dirty="0"/>
+          </a:p>
+        </p:txBody>
+      </p:sp>
+      <p:sp>
+        <p:nvSpPr>
+          <p:cNvPr id="27" name="직사각형 26">
+            <a:extLst>
+              <a:ext uri="{FF2B5EF4-FFF2-40B4-BE49-F238E27FC236}">
+                <a16:creationId xmlns:a16="http://schemas.microsoft.com/office/drawing/2014/main" id="{09190D10-828C-C293-511B-D23B78EA5CE9}"/>
+              </a:ext>
+            </a:extLst>
+          </p:cNvPr>
+          <p:cNvSpPr/>
+          <p:nvPr/>
+        </p:nvSpPr>
+        <p:spPr>
+          <a:xfrm>
+            <a:off x="5788035" y="5814977"/>
+            <a:ext cx="632435" cy="529986"/>
+          </a:xfrm>
+          <a:prstGeom prst="rect">
+            <a:avLst/>
+          </a:prstGeom>
+          <a:solidFill>
+            <a:schemeClr val="bg2">
+              <a:lumMod val="75000"/>
+            </a:schemeClr>
+          </a:solidFill>
+        </p:spPr>
+        <p:style>
+          <a:lnRef idx="2">
+            <a:schemeClr val="accent1">
+              <a:shade val="15000"/>
+            </a:schemeClr>
+          </a:lnRef>
+          <a:fillRef idx="1">
+            <a:schemeClr val="accent1"/>
+          </a:fillRef>
+          <a:effectRef idx="0">
+            <a:schemeClr val="accent1"/>
+          </a:effectRef>
+          <a:fontRef idx="minor">
+            <a:schemeClr val="lt1"/>
+          </a:fontRef>
+        </p:style>
+        <p:txBody>
+          <a:bodyPr rtlCol="0" anchor="ctr"/>
+          <a:lstStyle/>
+          <a:p>
+            <a:pPr algn="ctr"/>
+            <a:r>
+              <a:rPr lang="en-US" altLang="ko-KR" dirty="0"/>
+              <a:t>RS</a:t>
+            </a:r>
+            <a:endParaRPr lang="ko-KR" altLang="en-US" dirty="0"/>
+          </a:p>
+        </p:txBody>
+      </p:sp>
+      <p:cxnSp>
+        <p:nvCxnSpPr>
+          <p:cNvPr id="30" name="직선 화살표 연결선 29">
+            <a:extLst>
+              <a:ext uri="{FF2B5EF4-FFF2-40B4-BE49-F238E27FC236}">
+                <a16:creationId xmlns:a16="http://schemas.microsoft.com/office/drawing/2014/main" id="{98488348-7C0A-8050-8939-C38BEB50E8F3}"/>
+              </a:ext>
+            </a:extLst>
+          </p:cNvPr>
+          <p:cNvCxnSpPr>
+            <a:endCxn id="18" idx="1"/>
+          </p:cNvCxnSpPr>
+          <p:nvPr/>
+        </p:nvCxnSpPr>
+        <p:spPr>
+          <a:xfrm>
+            <a:off x="3247822" y="6076155"/>
+            <a:ext cx="329435" cy="3815"/>
+          </a:xfrm>
+          <a:prstGeom prst="straightConnector1">
+            <a:avLst/>
+          </a:prstGeom>
+          <a:ln>
+            <a:tailEnd type="triangle"/>
+          </a:ln>
+        </p:spPr>
+        <p:style>
+          <a:lnRef idx="3">
+            <a:schemeClr val="dk1"/>
+          </a:lnRef>
+          <a:fillRef idx="0">
+            <a:schemeClr val="dk1"/>
+          </a:fillRef>
+          <a:effectRef idx="2">
+            <a:schemeClr val="dk1"/>
+          </a:effectRef>
+          <a:fontRef idx="minor">
+            <a:schemeClr val="tx1"/>
+          </a:fontRef>
+        </p:style>
+      </p:cxnSp>
+      <p:cxnSp>
+        <p:nvCxnSpPr>
+          <p:cNvPr id="31" name="직선 화살표 연결선 30">
+            <a:extLst>
+              <a:ext uri="{FF2B5EF4-FFF2-40B4-BE49-F238E27FC236}">
+                <a16:creationId xmlns:a16="http://schemas.microsoft.com/office/drawing/2014/main" id="{46E299CA-AAB5-B04D-817D-AAA9E7655477}"/>
+              </a:ext>
+            </a:extLst>
+          </p:cNvPr>
+          <p:cNvCxnSpPr>
+            <a:cxnSpLocks/>
+            <a:stCxn id="18" idx="3"/>
+            <a:endCxn id="6" idx="1"/>
+          </p:cNvCxnSpPr>
+          <p:nvPr/>
+        </p:nvCxnSpPr>
+        <p:spPr>
+          <a:xfrm>
+            <a:off x="4209692" y="6079970"/>
+            <a:ext cx="397775" cy="4102"/>
+          </a:xfrm>
+          <a:prstGeom prst="straightConnector1">
+            <a:avLst/>
+          </a:prstGeom>
+          <a:ln>
+            <a:tailEnd type="triangle"/>
+          </a:ln>
+        </p:spPr>
+        <p:style>
+          <a:lnRef idx="3">
+            <a:schemeClr val="dk1"/>
+          </a:lnRef>
+          <a:fillRef idx="0">
+            <a:schemeClr val="dk1"/>
+          </a:fillRef>
+          <a:effectRef idx="2">
+            <a:schemeClr val="dk1"/>
+          </a:effectRef>
+          <a:fontRef idx="minor">
+            <a:schemeClr val="tx1"/>
+          </a:fontRef>
+        </p:style>
+      </p:cxnSp>
+      <p:cxnSp>
+        <p:nvCxnSpPr>
+          <p:cNvPr id="48" name="직선 화살표 연결선 47">
+            <a:extLst>
+              <a:ext uri="{FF2B5EF4-FFF2-40B4-BE49-F238E27FC236}">
+                <a16:creationId xmlns:a16="http://schemas.microsoft.com/office/drawing/2014/main" id="{65DBEE83-74CB-A86C-7FCC-3F46C0D4AA77}"/>
+              </a:ext>
+            </a:extLst>
+          </p:cNvPr>
+          <p:cNvCxnSpPr>
+            <a:cxnSpLocks/>
+            <a:stCxn id="27" idx="3"/>
+            <a:endCxn id="25" idx="1"/>
+          </p:cNvCxnSpPr>
+          <p:nvPr/>
+        </p:nvCxnSpPr>
+        <p:spPr>
+          <a:xfrm>
+            <a:off x="6420470" y="6079970"/>
+            <a:ext cx="367355" cy="0"/>
+          </a:xfrm>
+          <a:prstGeom prst="straightConnector1">
+            <a:avLst/>
+          </a:prstGeom>
+          <a:ln>
+            <a:tailEnd type="triangle"/>
+          </a:ln>
+        </p:spPr>
+        <p:style>
+          <a:lnRef idx="3">
+            <a:schemeClr val="dk1"/>
+          </a:lnRef>
+          <a:fillRef idx="0">
+            <a:schemeClr val="dk1"/>
+          </a:fillRef>
+          <a:effectRef idx="2">
+            <a:schemeClr val="dk1"/>
+          </a:effectRef>
+          <a:fontRef idx="minor">
+            <a:schemeClr val="tx1"/>
+          </a:fontRef>
+        </p:style>
+      </p:cxnSp>
+      <p:cxnSp>
+        <p:nvCxnSpPr>
+          <p:cNvPr id="51" name="직선 화살표 연결선 50">
+            <a:extLst>
+              <a:ext uri="{FF2B5EF4-FFF2-40B4-BE49-F238E27FC236}">
+                <a16:creationId xmlns:a16="http://schemas.microsoft.com/office/drawing/2014/main" id="{9F741CB4-E8BA-EC48-1BC5-6FEA50C6ABB5}"/>
+              </a:ext>
+            </a:extLst>
+          </p:cNvPr>
+          <p:cNvCxnSpPr>
+            <a:cxnSpLocks/>
+            <a:stCxn id="25" idx="3"/>
+            <a:endCxn id="26" idx="1"/>
+          </p:cNvCxnSpPr>
+          <p:nvPr/>
+        </p:nvCxnSpPr>
+        <p:spPr>
+          <a:xfrm>
+            <a:off x="7420260" y="6079970"/>
+            <a:ext cx="314221" cy="0"/>
+          </a:xfrm>
+          <a:prstGeom prst="straightConnector1">
+            <a:avLst/>
+          </a:prstGeom>
+          <a:ln>
+            <a:tailEnd type="triangle"/>
+          </a:ln>
+        </p:spPr>
+        <p:style>
+          <a:lnRef idx="3">
+            <a:schemeClr val="dk1"/>
+          </a:lnRef>
+          <a:fillRef idx="0">
+            <a:schemeClr val="dk1"/>
+          </a:fillRef>
+          <a:effectRef idx="2">
+            <a:schemeClr val="dk1"/>
+          </a:effectRef>
+          <a:fontRef idx="minor">
+            <a:schemeClr val="tx1"/>
+          </a:fontRef>
+        </p:style>
+      </p:cxnSp>
+      <p:sp>
+        <p:nvSpPr>
+          <p:cNvPr id="22" name="TextBox 21">
+            <a:extLst>
+              <a:ext uri="{FF2B5EF4-FFF2-40B4-BE49-F238E27FC236}">
+                <a16:creationId xmlns:a16="http://schemas.microsoft.com/office/drawing/2014/main" id="{2B32F7F9-70FC-3720-BE32-2A647407924C}"/>
+              </a:ext>
+            </a:extLst>
+          </p:cNvPr>
+          <p:cNvSpPr txBox="1"/>
+          <p:nvPr/>
+        </p:nvSpPr>
+        <p:spPr>
+          <a:xfrm>
+            <a:off x="7509908" y="5356257"/>
+            <a:ext cx="1245855" cy="400110"/>
+          </a:xfrm>
+          <a:prstGeom prst="rect">
+            <a:avLst/>
+          </a:prstGeom>
+          <a:noFill/>
+        </p:spPr>
+        <p:txBody>
+          <a:bodyPr wrap="none" rtlCol="0">
+            <a:spAutoFit/>
+          </a:bodyPr>
+          <a:lstStyle/>
+          <a:p>
+            <a:pPr algn="ctr"/>
+            <a:r>
+              <a:rPr lang="en-US" altLang="ko-KR" sz="1000" dirty="0" err="1"/>
+              <a:t>RenderTargetView</a:t>
+            </a:r>
+            <a:endParaRPr lang="en-US" altLang="ko-KR" sz="1000" dirty="0"/>
+          </a:p>
+          <a:p>
+            <a:pPr algn="ctr"/>
+            <a:r>
+              <a:rPr lang="en-US" altLang="ko-KR" sz="1000" dirty="0" err="1"/>
+              <a:t>DepthStencilView</a:t>
+            </a:r>
+            <a:endParaRPr lang="ko-KR" altLang="en-US" sz="1000" dirty="0"/>
+          </a:p>
+        </p:txBody>
+      </p:sp>
+      <p:sp>
+        <p:nvSpPr>
+          <p:cNvPr id="23" name="TextBox 22">
+            <a:extLst>
+              <a:ext uri="{FF2B5EF4-FFF2-40B4-BE49-F238E27FC236}">
+                <a16:creationId xmlns:a16="http://schemas.microsoft.com/office/drawing/2014/main" id="{385EA362-8388-D871-3CD8-EBA673CB1D83}"/>
+              </a:ext>
+            </a:extLst>
+          </p:cNvPr>
+          <p:cNvSpPr txBox="1"/>
+          <p:nvPr/>
+        </p:nvSpPr>
+        <p:spPr>
+          <a:xfrm>
+            <a:off x="3385782" y="5214716"/>
+            <a:ext cx="1002197" cy="400110"/>
+          </a:xfrm>
+          <a:prstGeom prst="rect">
+            <a:avLst/>
+          </a:prstGeom>
+          <a:noFill/>
+        </p:spPr>
+        <p:txBody>
+          <a:bodyPr wrap="none" rtlCol="0">
+            <a:spAutoFit/>
+          </a:bodyPr>
+          <a:lstStyle/>
+          <a:p>
+            <a:pPr algn="ctr"/>
+            <a:r>
+              <a:rPr lang="en-US" altLang="ko-KR" sz="1000" dirty="0" err="1"/>
+              <a:t>VertexShader</a:t>
+            </a:r>
+            <a:endParaRPr lang="en-US" altLang="ko-KR" sz="1000" dirty="0"/>
+          </a:p>
+          <a:p>
+            <a:pPr algn="ctr"/>
+            <a:r>
+              <a:rPr lang="en-US" altLang="ko-KR" sz="1000" dirty="0" err="1"/>
+              <a:t>ConstanBuffer</a:t>
+            </a:r>
+            <a:endParaRPr lang="en-US" altLang="ko-KR" sz="1000" dirty="0"/>
+          </a:p>
+        </p:txBody>
+      </p:sp>
+      <p:sp>
+        <p:nvSpPr>
+          <p:cNvPr id="32" name="TextBox 31">
+            <a:extLst>
+              <a:ext uri="{FF2B5EF4-FFF2-40B4-BE49-F238E27FC236}">
+                <a16:creationId xmlns:a16="http://schemas.microsoft.com/office/drawing/2014/main" id="{C90E6A47-1547-78F7-EFB9-DD12F3C82CE9}"/>
+              </a:ext>
+            </a:extLst>
+          </p:cNvPr>
+          <p:cNvSpPr txBox="1"/>
+          <p:nvPr/>
+        </p:nvSpPr>
+        <p:spPr>
+          <a:xfrm>
+            <a:off x="5635949" y="5455311"/>
+            <a:ext cx="928459" cy="246221"/>
+          </a:xfrm>
+          <a:prstGeom prst="rect">
+            <a:avLst/>
+          </a:prstGeom>
+          <a:noFill/>
+        </p:spPr>
+        <p:txBody>
+          <a:bodyPr wrap="none" rtlCol="0">
+            <a:spAutoFit/>
+          </a:bodyPr>
+          <a:lstStyle/>
+          <a:p>
+            <a:pPr algn="ctr"/>
+            <a:r>
+              <a:rPr lang="en-US" altLang="ko-KR" sz="1000" dirty="0" err="1"/>
+              <a:t>ViewPortInfo</a:t>
+            </a:r>
+            <a:endParaRPr lang="ko-KR" altLang="en-US" sz="1000" dirty="0"/>
+          </a:p>
+        </p:txBody>
+      </p:sp>
+      <p:sp>
+        <p:nvSpPr>
+          <p:cNvPr id="33" name="TextBox 32">
+            <a:extLst>
+              <a:ext uri="{FF2B5EF4-FFF2-40B4-BE49-F238E27FC236}">
+                <a16:creationId xmlns:a16="http://schemas.microsoft.com/office/drawing/2014/main" id="{2E93831B-3F8D-5FC6-3CB0-23C03870408B}"/>
+              </a:ext>
+            </a:extLst>
+          </p:cNvPr>
+          <p:cNvSpPr txBox="1"/>
+          <p:nvPr/>
+        </p:nvSpPr>
+        <p:spPr>
+          <a:xfrm>
+            <a:off x="6368557" y="4988085"/>
+            <a:ext cx="1391728" cy="830997"/>
+          </a:xfrm>
+          <a:prstGeom prst="rect">
+            <a:avLst/>
+          </a:prstGeom>
+          <a:noFill/>
+        </p:spPr>
+        <p:txBody>
+          <a:bodyPr wrap="none" rtlCol="0">
+            <a:spAutoFit/>
+          </a:bodyPr>
+          <a:lstStyle/>
+          <a:p>
+            <a:pPr algn="ctr"/>
+            <a:r>
+              <a:rPr lang="en-US" altLang="ko-KR" sz="1000" dirty="0" err="1"/>
+              <a:t>PixelShader</a:t>
+            </a:r>
+            <a:endParaRPr lang="en-US" altLang="ko-KR" sz="1000" dirty="0"/>
+          </a:p>
+          <a:p>
+            <a:pPr algn="ctr"/>
+            <a:r>
+              <a:rPr lang="en-US" altLang="ko-KR" sz="1000" dirty="0" err="1"/>
+              <a:t>ShaderResourceView</a:t>
+            </a:r>
+            <a:endParaRPr lang="en-US" altLang="ko-KR" sz="1000" dirty="0"/>
+          </a:p>
+          <a:p>
+            <a:pPr algn="ctr"/>
+            <a:r>
+              <a:rPr lang="en-US" altLang="ko-KR" sz="1000" dirty="0" err="1"/>
+              <a:t>SamplerState</a:t>
+            </a:r>
+            <a:endParaRPr lang="en-US" altLang="ko-KR" sz="1000" dirty="0"/>
+          </a:p>
+          <a:p>
+            <a:pPr algn="ctr"/>
+            <a:r>
+              <a:rPr lang="en-US" altLang="ko-KR" sz="1000" dirty="0" err="1"/>
+              <a:t>ConstanBuffer</a:t>
+            </a:r>
+            <a:endParaRPr lang="en-US" altLang="ko-KR" sz="1000" dirty="0"/>
+          </a:p>
+          <a:p>
+            <a:pPr algn="ctr"/>
+            <a:endParaRPr lang="ko-KR" altLang="en-US" sz="800" dirty="0"/>
+          </a:p>
+        </p:txBody>
+      </p:sp>
+      <p:sp>
+        <p:nvSpPr>
+          <p:cNvPr id="37" name="TextBox 36">
+            <a:extLst>
+              <a:ext uri="{FF2B5EF4-FFF2-40B4-BE49-F238E27FC236}">
+                <a16:creationId xmlns:a16="http://schemas.microsoft.com/office/drawing/2014/main" id="{D60A9D13-494B-7FF0-D05A-6110337C4424}"/>
+              </a:ext>
+            </a:extLst>
+          </p:cNvPr>
+          <p:cNvSpPr txBox="1"/>
+          <p:nvPr/>
+        </p:nvSpPr>
+        <p:spPr>
+          <a:xfrm>
+            <a:off x="2280485" y="4987870"/>
+            <a:ext cx="1287533" cy="900246"/>
+          </a:xfrm>
+          <a:prstGeom prst="rect">
+            <a:avLst/>
+          </a:prstGeom>
+          <a:noFill/>
+        </p:spPr>
+        <p:txBody>
+          <a:bodyPr wrap="none" rtlCol="0">
+            <a:spAutoFit/>
+          </a:bodyPr>
+          <a:lstStyle/>
+          <a:p>
+            <a:pPr algn="ctr"/>
+            <a:r>
+              <a:rPr lang="en-US" altLang="ko-KR" sz="1050" dirty="0" err="1"/>
+              <a:t>PrimitiveTopology</a:t>
+            </a:r>
+            <a:endParaRPr lang="en-US" altLang="ko-KR" sz="1050" dirty="0"/>
+          </a:p>
+          <a:p>
+            <a:pPr algn="ctr"/>
+            <a:r>
+              <a:rPr lang="en-US" altLang="ko-KR" sz="1050" dirty="0" err="1"/>
+              <a:t>InputLayout</a:t>
+            </a:r>
+            <a:endParaRPr lang="en-US" altLang="ko-KR" sz="1050" dirty="0"/>
+          </a:p>
+          <a:p>
+            <a:pPr algn="ctr"/>
+            <a:r>
+              <a:rPr lang="en-US" altLang="ko-KR" sz="1050" dirty="0" err="1"/>
+              <a:t>VertexBuffer</a:t>
+            </a:r>
+            <a:endParaRPr lang="en-US" altLang="ko-KR" sz="1050" dirty="0"/>
+          </a:p>
+          <a:p>
+            <a:pPr algn="ctr"/>
+            <a:r>
+              <a:rPr lang="en-US" altLang="ko-KR" sz="1050" dirty="0" err="1"/>
+              <a:t>IndexBuffer</a:t>
+            </a:r>
+            <a:endParaRPr lang="en-US" altLang="ko-KR" sz="1050" dirty="0"/>
+          </a:p>
+          <a:p>
+            <a:pPr algn="ctr"/>
+            <a:endParaRPr lang="en-US" altLang="ko-KR" sz="1050" dirty="0"/>
+          </a:p>
+        </p:txBody>
+      </p:sp>
+      <p:sp>
+        <p:nvSpPr>
+          <p:cNvPr id="6" name="직사각형 5">
+            <a:extLst>
+              <a:ext uri="{FF2B5EF4-FFF2-40B4-BE49-F238E27FC236}">
+                <a16:creationId xmlns:a16="http://schemas.microsoft.com/office/drawing/2014/main" id="{F0ED985D-5B42-A94C-7F23-85BBB1DA93D5}"/>
+              </a:ext>
+            </a:extLst>
+          </p:cNvPr>
+          <p:cNvSpPr/>
+          <p:nvPr/>
+        </p:nvSpPr>
+        <p:spPr>
+          <a:xfrm>
+            <a:off x="4607467" y="5903338"/>
+            <a:ext cx="719618" cy="361467"/>
           </a:xfrm>
           <a:prstGeom prst="rect">
             <a:avLst/>
@@ -7581,2285 +9891,6 @@
           <a:lstStyle/>
           <a:p>
             <a:pPr algn="ctr"/>
-            <a:endParaRPr lang="ko-KR" altLang="en-US"/>
-          </a:p>
-        </p:txBody>
-      </p:sp>
-      <p:sp>
-        <p:nvSpPr>
-          <p:cNvPr id="19" name="TextBox 18">
-            <a:extLst>
-              <a:ext uri="{FF2B5EF4-FFF2-40B4-BE49-F238E27FC236}">
-                <a16:creationId xmlns:a16="http://schemas.microsoft.com/office/drawing/2014/main" id="{2B4FB38F-0D6D-50E7-9A88-D971B7D7784A}"/>
-              </a:ext>
-            </a:extLst>
-          </p:cNvPr>
-          <p:cNvSpPr txBox="1"/>
-          <p:nvPr/>
-        </p:nvSpPr>
-        <p:spPr>
-          <a:xfrm>
-            <a:off x="125500" y="2927076"/>
-            <a:ext cx="12044259" cy="1600438"/>
-          </a:xfrm>
-          <a:prstGeom prst="rect">
-            <a:avLst/>
-          </a:prstGeom>
-          <a:noFill/>
-        </p:spPr>
-        <p:txBody>
-          <a:bodyPr wrap="none" rtlCol="0">
-            <a:spAutoFit/>
-          </a:bodyPr>
-          <a:lstStyle/>
-          <a:p>
-            <a:r>
-              <a:rPr lang="en-US" altLang="ko-KR" sz="1400" dirty="0"/>
-              <a:t>Input-Assembler: </a:t>
-            </a:r>
-            <a:r>
-              <a:rPr lang="ko-KR" altLang="en-US" sz="1400" dirty="0"/>
-              <a:t>입력 </a:t>
-            </a:r>
-            <a:r>
-              <a:rPr lang="ko-KR" altLang="en-US" sz="1400" dirty="0" err="1"/>
-              <a:t>조립기</a:t>
-            </a:r>
-            <a:r>
-              <a:rPr lang="en-US" altLang="ko-KR" sz="1400" dirty="0"/>
-              <a:t>.</a:t>
-            </a:r>
-            <a:r>
-              <a:rPr lang="ko-KR" altLang="en-US" sz="1400" dirty="0"/>
-              <a:t> 파이프 라인이 사용할 </a:t>
-            </a:r>
-            <a:r>
-              <a:rPr lang="ko-KR" altLang="en-US" sz="1400" dirty="0" err="1"/>
-              <a:t>버텍스</a:t>
-            </a:r>
-            <a:r>
-              <a:rPr lang="ko-KR" altLang="en-US" sz="1400" dirty="0"/>
-              <a:t> 데이터</a:t>
-            </a:r>
-            <a:r>
-              <a:rPr lang="en-US" altLang="ko-KR" sz="1400" dirty="0"/>
-              <a:t>,</a:t>
-            </a:r>
-            <a:r>
-              <a:rPr lang="ko-KR" altLang="en-US" sz="1400" dirty="0"/>
-              <a:t>포맷</a:t>
-            </a:r>
-            <a:r>
-              <a:rPr lang="en-US" altLang="ko-KR" sz="1400" dirty="0"/>
-              <a:t>,</a:t>
-            </a:r>
-            <a:r>
-              <a:rPr lang="ko-KR" altLang="en-US" sz="1400" dirty="0" err="1"/>
-              <a:t>그리는방법을</a:t>
-            </a:r>
-            <a:r>
-              <a:rPr lang="ko-KR" altLang="en-US" sz="1400" dirty="0"/>
-              <a:t> 설정하는 단계</a:t>
-            </a:r>
-            <a:endParaRPr lang="en-US" altLang="ko-KR" sz="1400" dirty="0"/>
-          </a:p>
-          <a:p>
-            <a:r>
-              <a:rPr lang="en-US" altLang="ko-KR" sz="1400" dirty="0"/>
-              <a:t>Vertex Shader: Model </a:t>
-            </a:r>
-            <a:r>
-              <a:rPr lang="ko-KR" altLang="en-US" sz="1400" dirty="0"/>
-              <a:t>좌표계 </a:t>
-            </a:r>
-            <a:r>
-              <a:rPr lang="ko-KR" altLang="en-US" sz="1400" dirty="0" err="1"/>
-              <a:t>버텍스를</a:t>
-            </a:r>
-            <a:r>
-              <a:rPr lang="ko-KR" altLang="en-US" sz="1400" dirty="0"/>
-              <a:t> </a:t>
-            </a:r>
-            <a:r>
-              <a:rPr lang="en-US" altLang="ko-KR" sz="1400" dirty="0"/>
-              <a:t>Matrix </a:t>
-            </a:r>
-            <a:r>
-              <a:rPr lang="ko-KR" altLang="en-US" sz="1400" dirty="0"/>
-              <a:t>곱셈하여 </a:t>
-            </a:r>
-            <a:r>
-              <a:rPr lang="en-US" altLang="ko-KR" sz="1400" dirty="0"/>
-              <a:t>World Space -&gt; Camera Space -&gt;Clip Space(</a:t>
-            </a:r>
-            <a:r>
-              <a:rPr lang="en-US" altLang="ko-KR" sz="1400" dirty="0" err="1"/>
-              <a:t>x,y,z,w</a:t>
-            </a:r>
-            <a:r>
-              <a:rPr lang="en-US" altLang="ko-KR" sz="1400" dirty="0"/>
-              <a:t>) </a:t>
-            </a:r>
-            <a:r>
-              <a:rPr lang="ko-KR" altLang="en-US" sz="1400" dirty="0"/>
-              <a:t>좌표계 까지 </a:t>
-            </a:r>
-            <a:r>
-              <a:rPr lang="ko-KR" altLang="en-US" sz="1400" dirty="0" err="1"/>
-              <a:t>변환하는단계</a:t>
-            </a:r>
-            <a:endParaRPr lang="en-US" altLang="ko-KR" sz="1400" dirty="0"/>
-          </a:p>
-          <a:p>
-            <a:r>
-              <a:rPr lang="en-US" altLang="ko-KR" sz="1400" dirty="0">
-                <a:solidFill>
-                  <a:schemeClr val="bg1">
-                    <a:lumMod val="50000"/>
-                  </a:schemeClr>
-                </a:solidFill>
-              </a:rPr>
-              <a:t>Hull Shader / </a:t>
-            </a:r>
-            <a:r>
-              <a:rPr lang="en-US" altLang="ko-KR" sz="1400" dirty="0" err="1">
-                <a:solidFill>
-                  <a:schemeClr val="bg1">
-                    <a:lumMod val="50000"/>
-                  </a:schemeClr>
-                </a:solidFill>
-              </a:rPr>
-              <a:t>Tesselator</a:t>
-            </a:r>
-            <a:r>
-              <a:rPr lang="en-US" altLang="ko-KR" sz="1400" dirty="0">
-                <a:solidFill>
-                  <a:schemeClr val="bg1">
-                    <a:lumMod val="50000"/>
-                  </a:schemeClr>
-                </a:solidFill>
-              </a:rPr>
-              <a:t> / Domain Shader:  </a:t>
-            </a:r>
-            <a:r>
-              <a:rPr lang="ko-KR" altLang="en-US" sz="1400" dirty="0">
-                <a:solidFill>
-                  <a:schemeClr val="bg1">
-                    <a:lumMod val="50000"/>
-                  </a:schemeClr>
-                </a:solidFill>
-              </a:rPr>
-              <a:t>삼각형을 쪼개 추가적인 삼각형으로 </a:t>
-            </a:r>
-            <a:r>
-              <a:rPr lang="ko-KR" altLang="en-US" sz="1400" dirty="0" err="1">
-                <a:solidFill>
-                  <a:schemeClr val="bg1">
-                    <a:lumMod val="50000"/>
-                  </a:schemeClr>
-                </a:solidFill>
-              </a:rPr>
-              <a:t>만드는단계</a:t>
-            </a:r>
-            <a:r>
-              <a:rPr lang="ko-KR" altLang="en-US" sz="1400" dirty="0">
-                <a:solidFill>
-                  <a:schemeClr val="bg1">
-                    <a:lumMod val="50000"/>
-                  </a:schemeClr>
-                </a:solidFill>
-              </a:rPr>
-              <a:t> </a:t>
-            </a:r>
-            <a:r>
-              <a:rPr lang="en-US" altLang="ko-KR" sz="1400" dirty="0">
-                <a:solidFill>
-                  <a:schemeClr val="bg1">
-                    <a:lumMod val="50000"/>
-                  </a:schemeClr>
-                </a:solidFill>
-              </a:rPr>
-              <a:t>(</a:t>
-            </a:r>
-            <a:r>
-              <a:rPr lang="ko-KR" altLang="en-US" sz="1400" dirty="0">
-                <a:solidFill>
-                  <a:schemeClr val="bg1">
-                    <a:lumMod val="50000"/>
-                  </a:schemeClr>
-                </a:solidFill>
-              </a:rPr>
-              <a:t>생략가능</a:t>
-            </a:r>
-            <a:r>
-              <a:rPr lang="en-US" altLang="ko-KR" sz="1400" dirty="0">
-                <a:solidFill>
-                  <a:schemeClr val="bg1">
-                    <a:lumMod val="50000"/>
-                  </a:schemeClr>
-                </a:solidFill>
-              </a:rPr>
-              <a:t>)</a:t>
-            </a:r>
-            <a:r>
-              <a:rPr lang="ko-KR" altLang="en-US" sz="1400" dirty="0">
-                <a:solidFill>
-                  <a:schemeClr val="bg1">
-                    <a:lumMod val="50000"/>
-                  </a:schemeClr>
-                </a:solidFill>
-              </a:rPr>
-              <a:t> </a:t>
-            </a:r>
-            <a:endParaRPr lang="en-US" altLang="ko-KR" sz="1400" dirty="0">
-              <a:solidFill>
-                <a:schemeClr val="bg1">
-                  <a:lumMod val="50000"/>
-                </a:schemeClr>
-              </a:solidFill>
-            </a:endParaRPr>
-          </a:p>
-          <a:p>
-            <a:r>
-              <a:rPr lang="en-US" altLang="ko-KR" sz="1400" dirty="0">
-                <a:solidFill>
-                  <a:schemeClr val="bg1">
-                    <a:lumMod val="50000"/>
-                  </a:schemeClr>
-                </a:solidFill>
-              </a:rPr>
-              <a:t>Geometry Shader: </a:t>
-            </a:r>
-            <a:r>
-              <a:rPr lang="ko-KR" altLang="en-US" sz="1400" dirty="0">
-                <a:solidFill>
-                  <a:schemeClr val="bg1">
-                    <a:lumMod val="50000"/>
-                  </a:schemeClr>
-                </a:solidFill>
-              </a:rPr>
-              <a:t>삼각형 단위에 추가 작업을 하는 단계 </a:t>
-            </a:r>
-            <a:r>
-              <a:rPr lang="en-US" altLang="ko-KR" sz="1400" dirty="0">
-                <a:solidFill>
-                  <a:schemeClr val="bg1">
-                    <a:lumMod val="50000"/>
-                  </a:schemeClr>
-                </a:solidFill>
-              </a:rPr>
-              <a:t>(</a:t>
-            </a:r>
-            <a:r>
-              <a:rPr lang="ko-KR" altLang="en-US" sz="1400" dirty="0">
-                <a:solidFill>
-                  <a:schemeClr val="bg1">
-                    <a:lumMod val="50000"/>
-                  </a:schemeClr>
-                </a:solidFill>
-              </a:rPr>
-              <a:t>생략가능</a:t>
-            </a:r>
-            <a:r>
-              <a:rPr lang="en-US" altLang="ko-KR" sz="1400" dirty="0">
-                <a:solidFill>
-                  <a:schemeClr val="bg1">
-                    <a:lumMod val="50000"/>
-                  </a:schemeClr>
-                </a:solidFill>
-              </a:rPr>
-              <a:t>)</a:t>
-            </a:r>
-          </a:p>
-          <a:p>
-            <a:r>
-              <a:rPr lang="en-US" altLang="ko-KR" sz="1400" dirty="0"/>
-              <a:t>Rasterizer:  </a:t>
-            </a:r>
-            <a:r>
-              <a:rPr lang="ko-KR" altLang="en-US" sz="1400" dirty="0"/>
-              <a:t>좌표계를 </a:t>
-            </a:r>
-            <a:r>
-              <a:rPr lang="en-US" altLang="ko-KR" sz="1400" dirty="0"/>
-              <a:t>Clip-&gt;NDC-&gt;Screen</a:t>
-            </a:r>
-            <a:r>
-              <a:rPr lang="ko-KR" altLang="en-US" sz="1400" dirty="0"/>
-              <a:t> 변환하며 삼각형 후면을 걸러내고 </a:t>
-            </a:r>
-            <a:r>
-              <a:rPr lang="ko-KR" altLang="en-US" sz="1400" dirty="0" err="1"/>
-              <a:t>클립핑</a:t>
-            </a:r>
-            <a:r>
-              <a:rPr lang="ko-KR" altLang="en-US" sz="1400" dirty="0"/>
-              <a:t> 영역으로 자르면서 깊이 값 있는 </a:t>
-            </a:r>
-            <a:r>
-              <a:rPr lang="en-US" altLang="ko-KR" sz="1400" dirty="0"/>
-              <a:t>fragment(</a:t>
-            </a:r>
-            <a:r>
-              <a:rPr lang="ko-KR" altLang="en-US" sz="1400" dirty="0"/>
-              <a:t>조각</a:t>
-            </a:r>
-            <a:r>
-              <a:rPr lang="en-US" altLang="ko-KR" sz="1400" dirty="0"/>
-              <a:t>)</a:t>
-            </a:r>
-            <a:r>
-              <a:rPr lang="ko-KR" altLang="en-US" sz="1400" dirty="0"/>
-              <a:t>을 만드는 단계</a:t>
-            </a:r>
-            <a:endParaRPr lang="en-US" altLang="ko-KR" sz="1400" dirty="0"/>
-          </a:p>
-          <a:p>
-            <a:r>
-              <a:rPr lang="en-US" altLang="ko-KR" sz="1400" dirty="0"/>
-              <a:t>Pixel Shader: </a:t>
-            </a:r>
-            <a:r>
-              <a:rPr lang="ko-KR" altLang="en-US" sz="1400" dirty="0"/>
-              <a:t>삼각형의 </a:t>
-            </a:r>
-            <a:r>
-              <a:rPr lang="ko-KR" altLang="en-US" sz="1400" dirty="0" err="1"/>
-              <a:t>보간된</a:t>
-            </a:r>
-            <a:r>
-              <a:rPr lang="ko-KR" altLang="en-US" sz="1400" dirty="0"/>
-              <a:t> 정보</a:t>
-            </a:r>
-            <a:r>
-              <a:rPr lang="en-US" altLang="ko-KR" sz="1400" dirty="0"/>
-              <a:t>(</a:t>
-            </a:r>
-            <a:r>
-              <a:rPr lang="ko-KR" altLang="en-US" sz="1400" dirty="0"/>
-              <a:t>주로 텍스처 </a:t>
-            </a:r>
-            <a:r>
-              <a:rPr lang="en-US" altLang="ko-KR" sz="1400" dirty="0" err="1"/>
-              <a:t>u,v</a:t>
-            </a:r>
-            <a:r>
-              <a:rPr lang="en-US" altLang="ko-KR" sz="1400" dirty="0"/>
-              <a:t> </a:t>
-            </a:r>
-            <a:r>
-              <a:rPr lang="ko-KR" altLang="en-US" sz="1400" dirty="0"/>
-              <a:t>좌표</a:t>
-            </a:r>
-            <a:r>
-              <a:rPr lang="en-US" altLang="ko-KR" sz="1400" dirty="0"/>
-              <a:t>)</a:t>
-            </a:r>
-            <a:r>
-              <a:rPr lang="ko-KR" altLang="en-US" sz="1400" dirty="0"/>
-              <a:t>와 스테이지에 설정된 다른 입력 정보</a:t>
-            </a:r>
-            <a:r>
-              <a:rPr lang="en-US" altLang="ko-KR" sz="1400" dirty="0"/>
-              <a:t>(</a:t>
-            </a:r>
-            <a:r>
-              <a:rPr lang="ko-KR" altLang="en-US" sz="1400" dirty="0"/>
-              <a:t>주로 텍스처</a:t>
-            </a:r>
-            <a:r>
-              <a:rPr lang="en-US" altLang="ko-KR" sz="1400" dirty="0"/>
-              <a:t>)</a:t>
-            </a:r>
-            <a:r>
-              <a:rPr lang="ko-KR" altLang="en-US" sz="1400" dirty="0"/>
-              <a:t> 로</a:t>
-            </a:r>
-            <a:r>
-              <a:rPr lang="en-US" altLang="ko-KR" sz="1400" dirty="0"/>
-              <a:t> </a:t>
-            </a:r>
-            <a:r>
-              <a:rPr lang="ko-KR" altLang="en-US" sz="1400" dirty="0"/>
-              <a:t>최종 픽셀을 결정하는 단계</a:t>
-            </a:r>
-            <a:endParaRPr lang="en-US" altLang="ko-KR" sz="1400" dirty="0"/>
-          </a:p>
-          <a:p>
-            <a:r>
-              <a:rPr lang="en-US" altLang="ko-KR" sz="1400" dirty="0"/>
-              <a:t>Output-Merger: </a:t>
-            </a:r>
-            <a:r>
-              <a:rPr lang="ko-KR" altLang="en-US" sz="1400" dirty="0"/>
-              <a:t>픽셀을 깊이판정이나 스텐실 판정에 의해 폐기 또는 후면 버퍼에 기록하는 단계 </a:t>
-            </a:r>
-            <a:endParaRPr lang="en-US" altLang="ko-KR" sz="1400" dirty="0"/>
-          </a:p>
-        </p:txBody>
-      </p:sp>
-      <p:sp>
-        <p:nvSpPr>
-          <p:cNvPr id="22" name="TextBox 21">
-            <a:extLst>
-              <a:ext uri="{FF2B5EF4-FFF2-40B4-BE49-F238E27FC236}">
-                <a16:creationId xmlns:a16="http://schemas.microsoft.com/office/drawing/2014/main" id="{2B32F7F9-70FC-3720-BE32-2A647407924C}"/>
-              </a:ext>
-            </a:extLst>
-          </p:cNvPr>
-          <p:cNvSpPr txBox="1"/>
-          <p:nvPr/>
-        </p:nvSpPr>
-        <p:spPr>
-          <a:xfrm>
-            <a:off x="8760952" y="5356257"/>
-            <a:ext cx="1245855" cy="400110"/>
-          </a:xfrm>
-          <a:prstGeom prst="rect">
-            <a:avLst/>
-          </a:prstGeom>
-          <a:noFill/>
-        </p:spPr>
-        <p:txBody>
-          <a:bodyPr wrap="none" rtlCol="0">
-            <a:spAutoFit/>
-          </a:bodyPr>
-          <a:lstStyle/>
-          <a:p>
-            <a:pPr algn="ctr"/>
-            <a:r>
-              <a:rPr lang="en-US" altLang="ko-KR" sz="1000" dirty="0" err="1"/>
-              <a:t>RenderTargetView</a:t>
-            </a:r>
-            <a:endParaRPr lang="en-US" altLang="ko-KR" sz="1000" dirty="0"/>
-          </a:p>
-          <a:p>
-            <a:pPr algn="ctr"/>
-            <a:r>
-              <a:rPr lang="en-US" altLang="ko-KR" sz="1000" dirty="0" err="1"/>
-              <a:t>DepthStencilView</a:t>
-            </a:r>
-            <a:endParaRPr lang="ko-KR" altLang="en-US" sz="1000" dirty="0"/>
-          </a:p>
-        </p:txBody>
-      </p:sp>
-      <p:sp>
-        <p:nvSpPr>
-          <p:cNvPr id="23" name="TextBox 22">
-            <a:extLst>
-              <a:ext uri="{FF2B5EF4-FFF2-40B4-BE49-F238E27FC236}">
-                <a16:creationId xmlns:a16="http://schemas.microsoft.com/office/drawing/2014/main" id="{385EA362-8388-D871-3CD8-EBA673CB1D83}"/>
-              </a:ext>
-            </a:extLst>
-          </p:cNvPr>
-          <p:cNvSpPr txBox="1"/>
-          <p:nvPr/>
-        </p:nvSpPr>
-        <p:spPr>
-          <a:xfrm>
-            <a:off x="2276761" y="5225914"/>
-            <a:ext cx="1002197" cy="400110"/>
-          </a:xfrm>
-          <a:prstGeom prst="rect">
-            <a:avLst/>
-          </a:prstGeom>
-          <a:noFill/>
-        </p:spPr>
-        <p:txBody>
-          <a:bodyPr wrap="none" rtlCol="0">
-            <a:spAutoFit/>
-          </a:bodyPr>
-          <a:lstStyle/>
-          <a:p>
-            <a:pPr algn="ctr"/>
-            <a:r>
-              <a:rPr lang="en-US" altLang="ko-KR" sz="1000" dirty="0" err="1"/>
-              <a:t>VertexShader</a:t>
-            </a:r>
-            <a:endParaRPr lang="en-US" altLang="ko-KR" sz="1000" dirty="0"/>
-          </a:p>
-          <a:p>
-            <a:pPr algn="ctr"/>
-            <a:r>
-              <a:rPr lang="en-US" altLang="ko-KR" sz="1000" dirty="0" err="1"/>
-              <a:t>ConstanBuffer</a:t>
-            </a:r>
-            <a:endParaRPr lang="en-US" altLang="ko-KR" sz="1000" dirty="0"/>
-          </a:p>
-        </p:txBody>
-      </p:sp>
-      <p:sp>
-        <p:nvSpPr>
-          <p:cNvPr id="32" name="TextBox 31">
-            <a:extLst>
-              <a:ext uri="{FF2B5EF4-FFF2-40B4-BE49-F238E27FC236}">
-                <a16:creationId xmlns:a16="http://schemas.microsoft.com/office/drawing/2014/main" id="{C90E6A47-1547-78F7-EFB9-DD12F3C82CE9}"/>
-              </a:ext>
-            </a:extLst>
-          </p:cNvPr>
-          <p:cNvSpPr txBox="1"/>
-          <p:nvPr/>
-        </p:nvSpPr>
-        <p:spPr>
-          <a:xfrm>
-            <a:off x="6886993" y="5455311"/>
-            <a:ext cx="928459" cy="246221"/>
-          </a:xfrm>
-          <a:prstGeom prst="rect">
-            <a:avLst/>
-          </a:prstGeom>
-          <a:noFill/>
-        </p:spPr>
-        <p:txBody>
-          <a:bodyPr wrap="none" rtlCol="0">
-            <a:spAutoFit/>
-          </a:bodyPr>
-          <a:lstStyle/>
-          <a:p>
-            <a:pPr algn="ctr"/>
-            <a:r>
-              <a:rPr lang="en-US" altLang="ko-KR" sz="1000" dirty="0" err="1"/>
-              <a:t>ViewPortInfo</a:t>
-            </a:r>
-            <a:endParaRPr lang="ko-KR" altLang="en-US" sz="1000" dirty="0"/>
-          </a:p>
-        </p:txBody>
-      </p:sp>
-      <p:sp>
-        <p:nvSpPr>
-          <p:cNvPr id="33" name="TextBox 32">
-            <a:extLst>
-              <a:ext uri="{FF2B5EF4-FFF2-40B4-BE49-F238E27FC236}">
-                <a16:creationId xmlns:a16="http://schemas.microsoft.com/office/drawing/2014/main" id="{2E93831B-3F8D-5FC6-3CB0-23C03870408B}"/>
-              </a:ext>
-            </a:extLst>
-          </p:cNvPr>
-          <p:cNvSpPr txBox="1"/>
-          <p:nvPr/>
-        </p:nvSpPr>
-        <p:spPr>
-          <a:xfrm>
-            <a:off x="7619601" y="4988085"/>
-            <a:ext cx="1391728" cy="830997"/>
-          </a:xfrm>
-          <a:prstGeom prst="rect">
-            <a:avLst/>
-          </a:prstGeom>
-          <a:noFill/>
-        </p:spPr>
-        <p:txBody>
-          <a:bodyPr wrap="none" rtlCol="0">
-            <a:spAutoFit/>
-          </a:bodyPr>
-          <a:lstStyle/>
-          <a:p>
-            <a:pPr algn="ctr"/>
-            <a:r>
-              <a:rPr lang="en-US" altLang="ko-KR" sz="1000" dirty="0" err="1"/>
-              <a:t>PixelShader</a:t>
-            </a:r>
-            <a:endParaRPr lang="en-US" altLang="ko-KR" sz="1000" dirty="0"/>
-          </a:p>
-          <a:p>
-            <a:pPr algn="ctr"/>
-            <a:r>
-              <a:rPr lang="en-US" altLang="ko-KR" sz="1000" dirty="0" err="1"/>
-              <a:t>ShaderResourceView</a:t>
-            </a:r>
-            <a:endParaRPr lang="en-US" altLang="ko-KR" sz="1000" dirty="0"/>
-          </a:p>
-          <a:p>
-            <a:pPr algn="ctr"/>
-            <a:r>
-              <a:rPr lang="en-US" altLang="ko-KR" sz="1000" dirty="0" err="1"/>
-              <a:t>SamplerState</a:t>
-            </a:r>
-            <a:endParaRPr lang="en-US" altLang="ko-KR" sz="1000" dirty="0"/>
-          </a:p>
-          <a:p>
-            <a:pPr algn="ctr"/>
-            <a:r>
-              <a:rPr lang="en-US" altLang="ko-KR" sz="1000" dirty="0" err="1"/>
-              <a:t>ConstanBuffer</a:t>
-            </a:r>
-            <a:endParaRPr lang="en-US" altLang="ko-KR" sz="1000" dirty="0"/>
-          </a:p>
-          <a:p>
-            <a:pPr algn="ctr"/>
-            <a:endParaRPr lang="ko-KR" altLang="en-US" sz="800" dirty="0"/>
-          </a:p>
-        </p:txBody>
-      </p:sp>
-      <p:sp>
-        <p:nvSpPr>
-          <p:cNvPr id="37" name="TextBox 36">
-            <a:extLst>
-              <a:ext uri="{FF2B5EF4-FFF2-40B4-BE49-F238E27FC236}">
-                <a16:creationId xmlns:a16="http://schemas.microsoft.com/office/drawing/2014/main" id="{D60A9D13-494B-7FF0-D05A-6110337C4424}"/>
-              </a:ext>
-            </a:extLst>
-          </p:cNvPr>
-          <p:cNvSpPr txBox="1"/>
-          <p:nvPr/>
-        </p:nvSpPr>
-        <p:spPr>
-          <a:xfrm>
-            <a:off x="1188153" y="4966375"/>
-            <a:ext cx="1287533" cy="900246"/>
-          </a:xfrm>
-          <a:prstGeom prst="rect">
-            <a:avLst/>
-          </a:prstGeom>
-          <a:noFill/>
-        </p:spPr>
-        <p:txBody>
-          <a:bodyPr wrap="none" rtlCol="0">
-            <a:spAutoFit/>
-          </a:bodyPr>
-          <a:lstStyle/>
-          <a:p>
-            <a:pPr algn="ctr"/>
-            <a:r>
-              <a:rPr lang="en-US" altLang="ko-KR" sz="1050" dirty="0" err="1"/>
-              <a:t>PrimitiveTopology</a:t>
-            </a:r>
-            <a:endParaRPr lang="en-US" altLang="ko-KR" sz="1050" dirty="0"/>
-          </a:p>
-          <a:p>
-            <a:pPr algn="ctr"/>
-            <a:r>
-              <a:rPr lang="en-US" altLang="ko-KR" sz="1050" dirty="0" err="1"/>
-              <a:t>InputLayout</a:t>
-            </a:r>
-            <a:endParaRPr lang="en-US" altLang="ko-KR" sz="1050" dirty="0"/>
-          </a:p>
-          <a:p>
-            <a:pPr algn="ctr"/>
-            <a:r>
-              <a:rPr lang="en-US" altLang="ko-KR" sz="1050" dirty="0" err="1"/>
-              <a:t>VertexBuffer</a:t>
-            </a:r>
-            <a:endParaRPr lang="en-US" altLang="ko-KR" sz="1050" dirty="0"/>
-          </a:p>
-          <a:p>
-            <a:pPr algn="ctr"/>
-            <a:r>
-              <a:rPr lang="en-US" altLang="ko-KR" sz="1050" dirty="0" err="1"/>
-              <a:t>IndexBuffer</a:t>
-            </a:r>
-            <a:endParaRPr lang="en-US" altLang="ko-KR" sz="1050" dirty="0"/>
-          </a:p>
-          <a:p>
-            <a:pPr algn="ctr"/>
-            <a:endParaRPr lang="en-US" altLang="ko-KR" sz="1050" dirty="0"/>
-          </a:p>
-        </p:txBody>
-      </p:sp>
-      <p:sp>
-        <p:nvSpPr>
-          <p:cNvPr id="50" name="TextBox 49">
-            <a:extLst>
-              <a:ext uri="{FF2B5EF4-FFF2-40B4-BE49-F238E27FC236}">
-                <a16:creationId xmlns:a16="http://schemas.microsoft.com/office/drawing/2014/main" id="{23130443-B75D-06C8-2361-50D3887EAC8B}"/>
-              </a:ext>
-            </a:extLst>
-          </p:cNvPr>
-          <p:cNvSpPr txBox="1"/>
-          <p:nvPr/>
-        </p:nvSpPr>
-        <p:spPr>
-          <a:xfrm>
-            <a:off x="2777535" y="6481765"/>
-            <a:ext cx="5694508" cy="276999"/>
-          </a:xfrm>
-          <a:prstGeom prst="rect">
-            <a:avLst/>
-          </a:prstGeom>
-          <a:noFill/>
-        </p:spPr>
-        <p:txBody>
-          <a:bodyPr wrap="none" rtlCol="0">
-            <a:spAutoFit/>
-          </a:bodyPr>
-          <a:lstStyle/>
-          <a:p>
-            <a:r>
-              <a:rPr lang="en-US" altLang="ko-KR" sz="1200" dirty="0" err="1"/>
-              <a:t>DeviceContext</a:t>
-            </a:r>
-            <a:r>
-              <a:rPr lang="en-US" altLang="ko-KR" sz="1200" dirty="0"/>
-              <a:t>::Draw </a:t>
-            </a:r>
-            <a:r>
-              <a:rPr lang="ko-KR" altLang="en-US" sz="1200" dirty="0"/>
-              <a:t>함수를 호출하기 전에  각 스테이지에 설정이 필요하다  </a:t>
-            </a:r>
-          </a:p>
-        </p:txBody>
-      </p:sp>
-      <p:pic>
-        <p:nvPicPr>
-          <p:cNvPr id="40" name="Picture 2" descr="The Textures Resource - Full Texture View - Quake - Ogre">
-            <a:extLst>
-              <a:ext uri="{FF2B5EF4-FFF2-40B4-BE49-F238E27FC236}">
-                <a16:creationId xmlns:a16="http://schemas.microsoft.com/office/drawing/2014/main" id="{009745A5-7C47-440E-9309-FCB2BFC0D8D3}"/>
-              </a:ext>
-            </a:extLst>
-          </p:cNvPr>
-          <p:cNvPicPr>
-            <a:picLocks noChangeAspect="1" noChangeArrowheads="1"/>
-          </p:cNvPicPr>
-          <p:nvPr/>
-        </p:nvPicPr>
-        <p:blipFill>
-          <a:blip r:embed="rId5">
-            <a:extLst>
-              <a:ext uri="{28A0092B-C50C-407E-A947-70E740481C1C}">
-                <a14:useLocalDpi xmlns:a14="http://schemas.microsoft.com/office/drawing/2010/main" val="0"/>
-              </a:ext>
-            </a:extLst>
-          </a:blip>
-          <a:srcRect/>
-          <a:stretch>
-            <a:fillRect/>
-          </a:stretch>
-        </p:blipFill>
-        <p:spPr bwMode="auto">
-          <a:xfrm>
-            <a:off x="125500" y="5688751"/>
-            <a:ext cx="707961" cy="520244"/>
-          </a:xfrm>
-          <a:prstGeom prst="rect">
-            <a:avLst/>
-          </a:prstGeom>
-          <a:noFill/>
-          <a:extLst>
-            <a:ext uri="{909E8E84-426E-40DD-AFC4-6F175D3DCCD1}">
-              <a14:hiddenFill xmlns:a14="http://schemas.microsoft.com/office/drawing/2010/main">
-                <a:solidFill>
-                  <a:srgbClr val="FFFFFF"/>
-                </a:solidFill>
-              </a14:hiddenFill>
-            </a:ext>
-          </a:extLst>
-        </p:spPr>
-      </p:pic>
-    </p:spTree>
-    <p:extLst>
-      <p:ext uri="{BB962C8B-B14F-4D97-AF65-F5344CB8AC3E}">
-        <p14:creationId xmlns:p14="http://schemas.microsoft.com/office/powerpoint/2010/main" val="4260893810"/>
-      </p:ext>
-    </p:extLst>
-  </p:cSld>
-  <p:clrMapOvr>
-    <a:masterClrMapping/>
-  </p:clrMapOvr>
-</p:sld>
-</file>
-
-<file path=ppt/slides/slide6.xml><?xml version="1.0" encoding="utf-8"?>
-<p:sld xmlns:a="http://schemas.openxmlformats.org/drawingml/2006/main" xmlns:r="http://schemas.openxmlformats.org/officeDocument/2006/relationships" xmlns:p="http://schemas.openxmlformats.org/presentationml/2006/main">
-  <p:cSld>
-    <p:spTree>
-      <p:nvGrpSpPr>
-        <p:cNvPr id="1" name=""/>
-        <p:cNvGrpSpPr/>
-        <p:nvPr/>
-      </p:nvGrpSpPr>
-      <p:grpSpPr>
-        <a:xfrm>
-          <a:off x="0" y="0"/>
-          <a:ext cx="0" cy="0"/>
-          <a:chOff x="0" y="0"/>
-          <a:chExt cx="0" cy="0"/>
-        </a:xfrm>
-      </p:grpSpPr>
-      <p:sp>
-        <p:nvSpPr>
-          <p:cNvPr id="2" name="제목 1">
-            <a:extLst>
-              <a:ext uri="{FF2B5EF4-FFF2-40B4-BE49-F238E27FC236}">
-                <a16:creationId xmlns:a16="http://schemas.microsoft.com/office/drawing/2014/main" id="{D4774917-7D02-A54E-9834-71A11090CDF4}"/>
-              </a:ext>
-            </a:extLst>
-          </p:cNvPr>
-          <p:cNvSpPr>
-            <a:spLocks noGrp="1"/>
-          </p:cNvSpPr>
-          <p:nvPr>
-            <p:ph type="title"/>
-          </p:nvPr>
-        </p:nvSpPr>
-        <p:spPr/>
-        <p:txBody>
-          <a:bodyPr/>
-          <a:lstStyle/>
-          <a:p>
-            <a:r>
-              <a:rPr lang="en-US" altLang="ko-KR" dirty="0"/>
-              <a:t>Device and </a:t>
-            </a:r>
-            <a:r>
-              <a:rPr lang="en-US" altLang="ko-KR" dirty="0" err="1"/>
-              <a:t>DeviceContext</a:t>
-            </a:r>
-            <a:endParaRPr lang="ko-KR" altLang="en-US" dirty="0"/>
-          </a:p>
-        </p:txBody>
-      </p:sp>
-      <p:sp>
-        <p:nvSpPr>
-          <p:cNvPr id="3" name="TextBox 2">
-            <a:extLst>
-              <a:ext uri="{FF2B5EF4-FFF2-40B4-BE49-F238E27FC236}">
-                <a16:creationId xmlns:a16="http://schemas.microsoft.com/office/drawing/2014/main" id="{26A72A0E-8512-13A3-7959-D7D7E1DB5040}"/>
-              </a:ext>
-            </a:extLst>
-          </p:cNvPr>
-          <p:cNvSpPr txBox="1"/>
-          <p:nvPr/>
-        </p:nvSpPr>
-        <p:spPr>
-          <a:xfrm>
-            <a:off x="436282" y="1804133"/>
-            <a:ext cx="10974376" cy="2031325"/>
-          </a:xfrm>
-          <a:prstGeom prst="rect">
-            <a:avLst/>
-          </a:prstGeom>
-          <a:noFill/>
-        </p:spPr>
-        <p:txBody>
-          <a:bodyPr wrap="square" rtlCol="0">
-            <a:spAutoFit/>
-          </a:bodyPr>
-          <a:lstStyle/>
-          <a:p>
-            <a:r>
-              <a:rPr lang="en-US" altLang="ko-KR" dirty="0"/>
-              <a:t>Device</a:t>
-            </a:r>
-            <a:r>
-              <a:rPr lang="ko-KR" altLang="en-US" dirty="0"/>
-              <a:t>는 각 스테이지에 설정</a:t>
-            </a:r>
-            <a:r>
-              <a:rPr lang="en-US" altLang="ko-KR" dirty="0"/>
-              <a:t>(Bind)</a:t>
-            </a:r>
-            <a:r>
-              <a:rPr lang="ko-KR" altLang="en-US" dirty="0"/>
-              <a:t>하는 개체를 생성한다</a:t>
-            </a:r>
-            <a:r>
-              <a:rPr lang="en-US" altLang="ko-KR" dirty="0"/>
-              <a:t>.  </a:t>
-            </a:r>
-            <a:r>
-              <a:rPr lang="ko-KR" altLang="en-US" dirty="0"/>
-              <a:t>예</a:t>
-            </a:r>
-            <a:r>
-              <a:rPr lang="en-US" altLang="ko-KR" dirty="0"/>
-              <a:t>)  </a:t>
-            </a:r>
-            <a:r>
-              <a:rPr lang="en-US" altLang="ko-KR" dirty="0" err="1">
-                <a:hlinkClick r:id="rId2"/>
-              </a:rPr>
-              <a:t>IDevice</a:t>
-            </a:r>
-            <a:r>
-              <a:rPr lang="en-US" altLang="ko-KR" dirty="0"/>
-              <a:t>::</a:t>
-            </a:r>
-            <a:r>
-              <a:rPr lang="en-US" altLang="ko-KR" dirty="0" err="1"/>
-              <a:t>CreateInputLayOut</a:t>
-            </a:r>
-            <a:r>
-              <a:rPr lang="en-US" altLang="ko-KR" dirty="0"/>
-              <a:t>()   </a:t>
-            </a:r>
-          </a:p>
-          <a:p>
-            <a:r>
-              <a:rPr lang="en-US" altLang="ko-KR" dirty="0" err="1"/>
-              <a:t>DeviceContext</a:t>
-            </a:r>
-            <a:r>
-              <a:rPr lang="ko-KR" altLang="en-US" dirty="0"/>
-              <a:t>는 생성된 개체를 각 스테이지에 설정</a:t>
-            </a:r>
-            <a:r>
-              <a:rPr lang="en-US" altLang="ko-KR" dirty="0"/>
-              <a:t>(Bind)</a:t>
-            </a:r>
-            <a:r>
-              <a:rPr lang="ko-KR" altLang="en-US" dirty="0"/>
-              <a:t>한다</a:t>
-            </a:r>
-            <a:r>
-              <a:rPr lang="en-US" altLang="ko-KR" dirty="0"/>
-              <a:t>. </a:t>
-            </a:r>
-            <a:r>
-              <a:rPr lang="ko-KR" altLang="en-US" dirty="0"/>
-              <a:t>예</a:t>
-            </a:r>
-            <a:r>
-              <a:rPr lang="en-US" altLang="ko-KR" dirty="0"/>
-              <a:t>)  </a:t>
-            </a:r>
-            <a:r>
-              <a:rPr lang="en-US" altLang="ko-KR" dirty="0">
-                <a:hlinkClick r:id="rId2"/>
-              </a:rPr>
-              <a:t>IDeviceContext</a:t>
-            </a:r>
-            <a:r>
-              <a:rPr lang="en-US" altLang="ko-KR" dirty="0"/>
-              <a:t>::</a:t>
-            </a:r>
-            <a:r>
-              <a:rPr lang="en-US" altLang="ko-KR" dirty="0" err="1"/>
-              <a:t>IASetInpuLayout</a:t>
-            </a:r>
-            <a:r>
-              <a:rPr lang="en-US" altLang="ko-KR" dirty="0"/>
-              <a:t>()</a:t>
-            </a:r>
-          </a:p>
-          <a:p>
-            <a:r>
-              <a:rPr lang="ko-KR" altLang="en-US" dirty="0"/>
-              <a:t>모든 설정이 끝나고 </a:t>
-            </a:r>
-            <a:r>
-              <a:rPr lang="en-US" altLang="ko-KR" dirty="0"/>
-              <a:t>IDeviceContext::Draw </a:t>
-            </a:r>
-            <a:r>
-              <a:rPr lang="ko-KR" altLang="en-US" dirty="0"/>
-              <a:t>계열 함수를 호출한다</a:t>
-            </a:r>
-            <a:r>
-              <a:rPr lang="en-US" altLang="ko-KR" dirty="0"/>
-              <a:t>.</a:t>
-            </a:r>
-            <a:r>
-              <a:rPr lang="ko-KR" altLang="en-US" dirty="0"/>
-              <a:t>  </a:t>
-            </a:r>
-            <a:endParaRPr lang="en-US" altLang="ko-KR" dirty="0"/>
-          </a:p>
-          <a:p>
-            <a:endParaRPr lang="en-US" altLang="ko-KR" dirty="0"/>
-          </a:p>
-          <a:p>
-            <a:r>
-              <a:rPr lang="ko-KR" altLang="en-US" dirty="0"/>
-              <a:t>필요한 </a:t>
-            </a:r>
-            <a:r>
-              <a:rPr lang="en-US" altLang="ko-KR" dirty="0"/>
-              <a:t>Device</a:t>
-            </a:r>
-            <a:r>
-              <a:rPr lang="ko-KR" altLang="en-US" dirty="0"/>
-              <a:t>와 </a:t>
-            </a:r>
-            <a:r>
-              <a:rPr lang="en-US" altLang="ko-KR" dirty="0" err="1"/>
-              <a:t>DeviceContext</a:t>
-            </a:r>
-            <a:r>
-              <a:rPr lang="ko-KR" altLang="en-US"/>
-              <a:t>는 </a:t>
-            </a:r>
-            <a:r>
-              <a:rPr lang="en-US" altLang="ko-KR"/>
-              <a:t>D3D11CreateDevice</a:t>
-            </a:r>
-            <a:r>
-              <a:rPr lang="en-US" altLang="ko-KR" dirty="0"/>
-              <a:t>, </a:t>
-            </a:r>
-            <a:r>
-              <a:rPr lang="en-US" altLang="ko-KR" dirty="0" err="1"/>
-              <a:t>CreateSwapChain</a:t>
-            </a:r>
-            <a:r>
-              <a:rPr lang="en-US" altLang="ko-KR" dirty="0"/>
-              <a:t>() </a:t>
-            </a:r>
-            <a:r>
-              <a:rPr lang="ko-KR" altLang="en-US" dirty="0"/>
-              <a:t>으로 생성하자</a:t>
-            </a:r>
-            <a:r>
-              <a:rPr lang="en-US" altLang="ko-KR" dirty="0"/>
-              <a:t>.</a:t>
-            </a:r>
-          </a:p>
-          <a:p>
-            <a:endParaRPr lang="en-US" altLang="ko-KR" dirty="0"/>
-          </a:p>
-          <a:p>
-            <a:r>
-              <a:rPr lang="en-US" altLang="ko-KR" dirty="0"/>
-              <a:t>  </a:t>
-            </a:r>
-            <a:r>
-              <a:rPr lang="ko-KR" altLang="en-US" dirty="0"/>
-              <a:t>인터페이스 </a:t>
-            </a:r>
-            <a:r>
-              <a:rPr lang="en-US" altLang="ko-KR" dirty="0" err="1">
-                <a:hlinkClick r:id="rId2"/>
-              </a:rPr>
-              <a:t>IDevice</a:t>
-            </a:r>
-            <a:r>
-              <a:rPr lang="ko-KR" altLang="en-US" dirty="0"/>
-              <a:t>와 </a:t>
-            </a:r>
-            <a:r>
-              <a:rPr lang="en-US" altLang="ko-KR" dirty="0">
-                <a:hlinkClick r:id="rId3"/>
-              </a:rPr>
-              <a:t>IDeviceContext</a:t>
-            </a:r>
-            <a:r>
-              <a:rPr lang="en-US" altLang="ko-KR" dirty="0"/>
-              <a:t> </a:t>
-            </a:r>
-            <a:r>
-              <a:rPr lang="ko-KR" altLang="en-US" dirty="0"/>
-              <a:t>를 살펴보자</a:t>
-            </a:r>
-            <a:r>
-              <a:rPr lang="en-US" altLang="ko-KR" dirty="0"/>
-              <a:t> </a:t>
-            </a:r>
-          </a:p>
-        </p:txBody>
-      </p:sp>
-      <p:pic>
-        <p:nvPicPr>
-          <p:cNvPr id="5" name="그림 4">
-            <a:extLst>
-              <a:ext uri="{FF2B5EF4-FFF2-40B4-BE49-F238E27FC236}">
-                <a16:creationId xmlns:a16="http://schemas.microsoft.com/office/drawing/2014/main" id="{0EF9B364-CB4A-3CF1-28F9-DE438D8435D5}"/>
-              </a:ext>
-            </a:extLst>
-          </p:cNvPr>
-          <p:cNvPicPr>
-            <a:picLocks noChangeAspect="1"/>
-          </p:cNvPicPr>
-          <p:nvPr/>
-        </p:nvPicPr>
-        <p:blipFill>
-          <a:blip r:embed="rId4"/>
-          <a:stretch>
-            <a:fillRect/>
-          </a:stretch>
-        </p:blipFill>
-        <p:spPr>
-          <a:xfrm>
-            <a:off x="8060" y="4705470"/>
-            <a:ext cx="1379018" cy="1684162"/>
-          </a:xfrm>
-          <a:prstGeom prst="rect">
-            <a:avLst/>
-          </a:prstGeom>
-        </p:spPr>
-      </p:pic>
-      <p:pic>
-        <p:nvPicPr>
-          <p:cNvPr id="7" name="그림 6">
-            <a:extLst>
-              <a:ext uri="{FF2B5EF4-FFF2-40B4-BE49-F238E27FC236}">
-                <a16:creationId xmlns:a16="http://schemas.microsoft.com/office/drawing/2014/main" id="{92D86B46-1D3B-C339-78AC-2CCF3B4FEB9A}"/>
-              </a:ext>
-            </a:extLst>
-          </p:cNvPr>
-          <p:cNvPicPr>
-            <a:picLocks noChangeAspect="1"/>
-          </p:cNvPicPr>
-          <p:nvPr/>
-        </p:nvPicPr>
-        <p:blipFill>
-          <a:blip r:embed="rId5"/>
-          <a:stretch>
-            <a:fillRect/>
-          </a:stretch>
-        </p:blipFill>
-        <p:spPr>
-          <a:xfrm>
-            <a:off x="10365978" y="5042768"/>
-            <a:ext cx="1092562" cy="1347079"/>
-          </a:xfrm>
-          <a:prstGeom prst="rect">
-            <a:avLst/>
-          </a:prstGeom>
-        </p:spPr>
-      </p:pic>
-      <p:sp>
-        <p:nvSpPr>
-          <p:cNvPr id="8" name="직사각형 7">
-            <a:extLst>
-              <a:ext uri="{FF2B5EF4-FFF2-40B4-BE49-F238E27FC236}">
-                <a16:creationId xmlns:a16="http://schemas.microsoft.com/office/drawing/2014/main" id="{7617C397-D9D3-D764-FEAF-A3E9D554F7BE}"/>
-              </a:ext>
-            </a:extLst>
-          </p:cNvPr>
-          <p:cNvSpPr/>
-          <p:nvPr/>
-        </p:nvSpPr>
-        <p:spPr>
-          <a:xfrm>
-            <a:off x="10116744" y="4987870"/>
-            <a:ext cx="1895413" cy="1401762"/>
-          </a:xfrm>
-          <a:prstGeom prst="rect">
-            <a:avLst/>
-          </a:prstGeom>
-          <a:noFill/>
-        </p:spPr>
-        <p:style>
-          <a:lnRef idx="2">
-            <a:schemeClr val="accent1">
-              <a:shade val="15000"/>
-            </a:schemeClr>
-          </a:lnRef>
-          <a:fillRef idx="1">
-            <a:schemeClr val="accent1"/>
-          </a:fillRef>
-          <a:effectRef idx="0">
-            <a:schemeClr val="accent1"/>
-          </a:effectRef>
-          <a:fontRef idx="minor">
-            <a:schemeClr val="lt1"/>
-          </a:fontRef>
-        </p:style>
-        <p:txBody>
-          <a:bodyPr rtlCol="0" anchor="ctr"/>
-          <a:lstStyle/>
-          <a:p>
-            <a:pPr algn="ctr"/>
-            <a:endParaRPr lang="ko-KR" altLang="en-US"/>
-          </a:p>
-        </p:txBody>
-      </p:sp>
-      <p:pic>
-        <p:nvPicPr>
-          <p:cNvPr id="10" name="그림 9">
-            <a:extLst>
-              <a:ext uri="{FF2B5EF4-FFF2-40B4-BE49-F238E27FC236}">
-                <a16:creationId xmlns:a16="http://schemas.microsoft.com/office/drawing/2014/main" id="{499F89E2-5373-AB86-6304-2FE3718FDE23}"/>
-              </a:ext>
-            </a:extLst>
-          </p:cNvPr>
-          <p:cNvPicPr>
-            <a:picLocks noChangeAspect="1"/>
-          </p:cNvPicPr>
-          <p:nvPr/>
-        </p:nvPicPr>
-        <p:blipFill>
-          <a:blip r:embed="rId6"/>
-          <a:stretch>
-            <a:fillRect/>
-          </a:stretch>
-        </p:blipFill>
-        <p:spPr>
-          <a:xfrm>
-            <a:off x="1636312" y="5857003"/>
-            <a:ext cx="8110098" cy="446806"/>
-          </a:xfrm>
-          <a:prstGeom prst="rect">
-            <a:avLst/>
-          </a:prstGeom>
-        </p:spPr>
-      </p:pic>
-      <p:sp>
-        <p:nvSpPr>
-          <p:cNvPr id="11" name="TextBox 10">
-            <a:extLst>
-              <a:ext uri="{FF2B5EF4-FFF2-40B4-BE49-F238E27FC236}">
-                <a16:creationId xmlns:a16="http://schemas.microsoft.com/office/drawing/2014/main" id="{22BB69FB-525C-C536-1AA7-208B41457B72}"/>
-              </a:ext>
-            </a:extLst>
-          </p:cNvPr>
-          <p:cNvSpPr txBox="1"/>
-          <p:nvPr/>
-        </p:nvSpPr>
-        <p:spPr>
-          <a:xfrm>
-            <a:off x="59928" y="6457890"/>
-            <a:ext cx="1066318" cy="400110"/>
-          </a:xfrm>
-          <a:prstGeom prst="rect">
-            <a:avLst/>
-          </a:prstGeom>
-          <a:noFill/>
-        </p:spPr>
-        <p:txBody>
-          <a:bodyPr wrap="none" rtlCol="0">
-            <a:spAutoFit/>
-          </a:bodyPr>
-          <a:lstStyle/>
-          <a:p>
-            <a:r>
-              <a:rPr lang="en-US" altLang="ko-KR" sz="1000" dirty="0"/>
-              <a:t>Model or Local</a:t>
-            </a:r>
-          </a:p>
-          <a:p>
-            <a:r>
-              <a:rPr lang="en-US" altLang="ko-KR" sz="1000" dirty="0"/>
-              <a:t>3D Space</a:t>
-            </a:r>
-            <a:endParaRPr lang="ko-KR" altLang="en-US" sz="1000" dirty="0"/>
-          </a:p>
-        </p:txBody>
-      </p:sp>
-      <p:sp>
-        <p:nvSpPr>
-          <p:cNvPr id="12" name="TextBox 11">
-            <a:extLst>
-              <a:ext uri="{FF2B5EF4-FFF2-40B4-BE49-F238E27FC236}">
-                <a16:creationId xmlns:a16="http://schemas.microsoft.com/office/drawing/2014/main" id="{095A0E6C-7351-C434-FDB4-BE5D7644E1A7}"/>
-              </a:ext>
-            </a:extLst>
-          </p:cNvPr>
-          <p:cNvSpPr txBox="1"/>
-          <p:nvPr/>
-        </p:nvSpPr>
-        <p:spPr>
-          <a:xfrm>
-            <a:off x="10232999" y="6506632"/>
-            <a:ext cx="1177659" cy="246221"/>
-          </a:xfrm>
-          <a:prstGeom prst="rect">
-            <a:avLst/>
-          </a:prstGeom>
-          <a:noFill/>
-        </p:spPr>
-        <p:txBody>
-          <a:bodyPr wrap="square" rtlCol="0">
-            <a:spAutoFit/>
-          </a:bodyPr>
-          <a:lstStyle/>
-          <a:p>
-            <a:r>
-              <a:rPr lang="en-US" altLang="ko-KR" sz="1000" dirty="0"/>
-              <a:t>Screen 2D Space</a:t>
-            </a:r>
-            <a:endParaRPr lang="ko-KR" altLang="en-US" sz="1000" dirty="0"/>
-          </a:p>
-        </p:txBody>
-      </p:sp>
-      <p:sp>
-        <p:nvSpPr>
-          <p:cNvPr id="13" name="TextBox 12">
-            <a:extLst>
-              <a:ext uri="{FF2B5EF4-FFF2-40B4-BE49-F238E27FC236}">
-                <a16:creationId xmlns:a16="http://schemas.microsoft.com/office/drawing/2014/main" id="{1683EA09-88B3-8A9E-0664-038D3A93681D}"/>
-              </a:ext>
-            </a:extLst>
-          </p:cNvPr>
-          <p:cNvSpPr txBox="1"/>
-          <p:nvPr/>
-        </p:nvSpPr>
-        <p:spPr>
-          <a:xfrm>
-            <a:off x="10068962" y="4701382"/>
-            <a:ext cx="504540" cy="246221"/>
-          </a:xfrm>
-          <a:prstGeom prst="rect">
-            <a:avLst/>
-          </a:prstGeom>
-          <a:noFill/>
-        </p:spPr>
-        <p:txBody>
-          <a:bodyPr wrap="square" rtlCol="0">
-            <a:spAutoFit/>
-          </a:bodyPr>
-          <a:lstStyle/>
-          <a:p>
-            <a:r>
-              <a:rPr lang="en-US" altLang="ko-KR" sz="1000" dirty="0"/>
-              <a:t>0,0</a:t>
-            </a:r>
-            <a:endParaRPr lang="ko-KR" altLang="en-US" sz="1000" dirty="0"/>
-          </a:p>
-        </p:txBody>
-      </p:sp>
-      <p:sp>
-        <p:nvSpPr>
-          <p:cNvPr id="14" name="TextBox 13">
-            <a:extLst>
-              <a:ext uri="{FF2B5EF4-FFF2-40B4-BE49-F238E27FC236}">
-                <a16:creationId xmlns:a16="http://schemas.microsoft.com/office/drawing/2014/main" id="{9568C602-F81D-8D45-7C59-9557A00C2778}"/>
-              </a:ext>
-            </a:extLst>
-          </p:cNvPr>
-          <p:cNvSpPr txBox="1"/>
-          <p:nvPr/>
-        </p:nvSpPr>
-        <p:spPr>
-          <a:xfrm>
-            <a:off x="11504837" y="6411724"/>
-            <a:ext cx="859252" cy="246221"/>
-          </a:xfrm>
-          <a:prstGeom prst="rect">
-            <a:avLst/>
-          </a:prstGeom>
-          <a:noFill/>
-        </p:spPr>
-        <p:txBody>
-          <a:bodyPr wrap="square" rtlCol="0">
-            <a:spAutoFit/>
-          </a:bodyPr>
-          <a:lstStyle/>
-          <a:p>
-            <a:r>
-              <a:rPr lang="en-US" altLang="ko-KR" sz="1000" dirty="0"/>
-              <a:t>1024,768</a:t>
-            </a:r>
-            <a:endParaRPr lang="ko-KR" altLang="en-US" sz="1000" dirty="0"/>
-          </a:p>
-        </p:txBody>
-      </p:sp>
-      <p:sp>
-        <p:nvSpPr>
-          <p:cNvPr id="17" name="직사각형 16">
-            <a:extLst>
-              <a:ext uri="{FF2B5EF4-FFF2-40B4-BE49-F238E27FC236}">
-                <a16:creationId xmlns:a16="http://schemas.microsoft.com/office/drawing/2014/main" id="{54695C44-BBAC-869A-A760-9D292A29FBFA}"/>
-              </a:ext>
-            </a:extLst>
-          </p:cNvPr>
-          <p:cNvSpPr/>
-          <p:nvPr/>
-        </p:nvSpPr>
-        <p:spPr>
-          <a:xfrm>
-            <a:off x="2615387" y="5814977"/>
-            <a:ext cx="632435" cy="529986"/>
-          </a:xfrm>
-          <a:prstGeom prst="rect">
-            <a:avLst/>
-          </a:prstGeom>
-          <a:solidFill>
-            <a:schemeClr val="bg2">
-              <a:lumMod val="75000"/>
-            </a:schemeClr>
-          </a:solidFill>
-        </p:spPr>
-        <p:style>
-          <a:lnRef idx="2">
-            <a:schemeClr val="accent1">
-              <a:shade val="15000"/>
-            </a:schemeClr>
-          </a:lnRef>
-          <a:fillRef idx="1">
-            <a:schemeClr val="accent1"/>
-          </a:fillRef>
-          <a:effectRef idx="0">
-            <a:schemeClr val="accent1"/>
-          </a:effectRef>
-          <a:fontRef idx="minor">
-            <a:schemeClr val="lt1"/>
-          </a:fontRef>
-        </p:style>
-        <p:txBody>
-          <a:bodyPr rtlCol="0" anchor="ctr"/>
-          <a:lstStyle/>
-          <a:p>
-            <a:pPr algn="ctr"/>
-            <a:r>
-              <a:rPr lang="en-US" altLang="ko-KR" dirty="0"/>
-              <a:t>IA</a:t>
-            </a:r>
-            <a:endParaRPr lang="ko-KR" altLang="en-US" dirty="0"/>
-          </a:p>
-        </p:txBody>
-      </p:sp>
-      <p:sp>
-        <p:nvSpPr>
-          <p:cNvPr id="18" name="직사각형 17">
-            <a:extLst>
-              <a:ext uri="{FF2B5EF4-FFF2-40B4-BE49-F238E27FC236}">
-                <a16:creationId xmlns:a16="http://schemas.microsoft.com/office/drawing/2014/main" id="{197E9559-D1FF-3ABA-A49D-D4F105B4EE02}"/>
-              </a:ext>
-            </a:extLst>
-          </p:cNvPr>
-          <p:cNvSpPr/>
-          <p:nvPr/>
-        </p:nvSpPr>
-        <p:spPr>
-          <a:xfrm>
-            <a:off x="3577257" y="5814977"/>
-            <a:ext cx="632435" cy="529986"/>
-          </a:xfrm>
-          <a:prstGeom prst="rect">
-            <a:avLst/>
-          </a:prstGeom>
-          <a:ln w="76200">
-            <a:solidFill>
-              <a:srgbClr val="FF0000"/>
-            </a:solidFill>
-          </a:ln>
-        </p:spPr>
-        <p:style>
-          <a:lnRef idx="2">
-            <a:schemeClr val="accent1">
-              <a:shade val="15000"/>
-            </a:schemeClr>
-          </a:lnRef>
-          <a:fillRef idx="1">
-            <a:schemeClr val="accent1"/>
-          </a:fillRef>
-          <a:effectRef idx="0">
-            <a:schemeClr val="accent1"/>
-          </a:effectRef>
-          <a:fontRef idx="minor">
-            <a:schemeClr val="lt1"/>
-          </a:fontRef>
-        </p:style>
-        <p:txBody>
-          <a:bodyPr rtlCol="0" anchor="ctr"/>
-          <a:lstStyle/>
-          <a:p>
-            <a:pPr algn="ctr"/>
-            <a:r>
-              <a:rPr lang="en-US" altLang="ko-KR" dirty="0"/>
-              <a:t>VS</a:t>
-            </a:r>
-            <a:endParaRPr lang="ko-KR" altLang="en-US" dirty="0"/>
-          </a:p>
-        </p:txBody>
-      </p:sp>
-      <p:sp>
-        <p:nvSpPr>
-          <p:cNvPr id="25" name="직사각형 24">
-            <a:extLst>
-              <a:ext uri="{FF2B5EF4-FFF2-40B4-BE49-F238E27FC236}">
-                <a16:creationId xmlns:a16="http://schemas.microsoft.com/office/drawing/2014/main" id="{76ACFADB-6569-16B2-169D-AE01DFBDBBCF}"/>
-              </a:ext>
-            </a:extLst>
-          </p:cNvPr>
-          <p:cNvSpPr/>
-          <p:nvPr/>
-        </p:nvSpPr>
-        <p:spPr>
-          <a:xfrm>
-            <a:off x="6787825" y="5814977"/>
-            <a:ext cx="632435" cy="529986"/>
-          </a:xfrm>
-          <a:prstGeom prst="rect">
-            <a:avLst/>
-          </a:prstGeom>
-          <a:ln w="76200">
-            <a:solidFill>
-              <a:srgbClr val="FF0000"/>
-            </a:solidFill>
-          </a:ln>
-        </p:spPr>
-        <p:style>
-          <a:lnRef idx="2">
-            <a:schemeClr val="accent1">
-              <a:shade val="15000"/>
-            </a:schemeClr>
-          </a:lnRef>
-          <a:fillRef idx="1">
-            <a:schemeClr val="accent1"/>
-          </a:fillRef>
-          <a:effectRef idx="0">
-            <a:schemeClr val="accent1"/>
-          </a:effectRef>
-          <a:fontRef idx="minor">
-            <a:schemeClr val="lt1"/>
-          </a:fontRef>
-        </p:style>
-        <p:txBody>
-          <a:bodyPr rtlCol="0" anchor="ctr"/>
-          <a:lstStyle/>
-          <a:p>
-            <a:pPr algn="ctr"/>
-            <a:r>
-              <a:rPr lang="en-US" altLang="ko-KR" dirty="0">
-                <a:solidFill>
-                  <a:schemeClr val="bg1"/>
-                </a:solidFill>
-              </a:rPr>
-              <a:t>PS</a:t>
-            </a:r>
-            <a:endParaRPr lang="ko-KR" altLang="en-US" dirty="0">
-              <a:solidFill>
-                <a:schemeClr val="bg1"/>
-              </a:solidFill>
-            </a:endParaRPr>
-          </a:p>
-        </p:txBody>
-      </p:sp>
-      <p:sp>
-        <p:nvSpPr>
-          <p:cNvPr id="26" name="직사각형 25">
-            <a:extLst>
-              <a:ext uri="{FF2B5EF4-FFF2-40B4-BE49-F238E27FC236}">
-                <a16:creationId xmlns:a16="http://schemas.microsoft.com/office/drawing/2014/main" id="{FA0C48EF-2140-DDE8-ACBF-F52F118DE552}"/>
-              </a:ext>
-            </a:extLst>
-          </p:cNvPr>
-          <p:cNvSpPr/>
-          <p:nvPr/>
-        </p:nvSpPr>
-        <p:spPr>
-          <a:xfrm>
-            <a:off x="7734481" y="5814977"/>
-            <a:ext cx="632435" cy="529986"/>
-          </a:xfrm>
-          <a:prstGeom prst="rect">
-            <a:avLst/>
-          </a:prstGeom>
-          <a:solidFill>
-            <a:schemeClr val="bg1">
-              <a:lumMod val="65000"/>
-            </a:schemeClr>
-          </a:solidFill>
-        </p:spPr>
-        <p:style>
-          <a:lnRef idx="2">
-            <a:schemeClr val="accent1">
-              <a:shade val="15000"/>
-            </a:schemeClr>
-          </a:lnRef>
-          <a:fillRef idx="1">
-            <a:schemeClr val="accent1"/>
-          </a:fillRef>
-          <a:effectRef idx="0">
-            <a:schemeClr val="accent1"/>
-          </a:effectRef>
-          <a:fontRef idx="minor">
-            <a:schemeClr val="lt1"/>
-          </a:fontRef>
-        </p:style>
-        <p:txBody>
-          <a:bodyPr rtlCol="0" anchor="ctr"/>
-          <a:lstStyle/>
-          <a:p>
-            <a:pPr algn="ctr"/>
-            <a:r>
-              <a:rPr lang="en-US" altLang="ko-KR" dirty="0"/>
-              <a:t>OM</a:t>
-            </a:r>
-            <a:endParaRPr lang="ko-KR" altLang="en-US" dirty="0"/>
-          </a:p>
-        </p:txBody>
-      </p:sp>
-      <p:sp>
-        <p:nvSpPr>
-          <p:cNvPr id="27" name="직사각형 26">
-            <a:extLst>
-              <a:ext uri="{FF2B5EF4-FFF2-40B4-BE49-F238E27FC236}">
-                <a16:creationId xmlns:a16="http://schemas.microsoft.com/office/drawing/2014/main" id="{09190D10-828C-C293-511B-D23B78EA5CE9}"/>
-              </a:ext>
-            </a:extLst>
-          </p:cNvPr>
-          <p:cNvSpPr/>
-          <p:nvPr/>
-        </p:nvSpPr>
-        <p:spPr>
-          <a:xfrm>
-            <a:off x="5788035" y="5814977"/>
-            <a:ext cx="632435" cy="529986"/>
-          </a:xfrm>
-          <a:prstGeom prst="rect">
-            <a:avLst/>
-          </a:prstGeom>
-          <a:solidFill>
-            <a:schemeClr val="bg2">
-              <a:lumMod val="75000"/>
-            </a:schemeClr>
-          </a:solidFill>
-        </p:spPr>
-        <p:style>
-          <a:lnRef idx="2">
-            <a:schemeClr val="accent1">
-              <a:shade val="15000"/>
-            </a:schemeClr>
-          </a:lnRef>
-          <a:fillRef idx="1">
-            <a:schemeClr val="accent1"/>
-          </a:fillRef>
-          <a:effectRef idx="0">
-            <a:schemeClr val="accent1"/>
-          </a:effectRef>
-          <a:fontRef idx="minor">
-            <a:schemeClr val="lt1"/>
-          </a:fontRef>
-        </p:style>
-        <p:txBody>
-          <a:bodyPr rtlCol="0" anchor="ctr"/>
-          <a:lstStyle/>
-          <a:p>
-            <a:pPr algn="ctr"/>
-            <a:r>
-              <a:rPr lang="en-US" altLang="ko-KR" dirty="0"/>
-              <a:t>RS</a:t>
-            </a:r>
-            <a:endParaRPr lang="ko-KR" altLang="en-US" dirty="0"/>
-          </a:p>
-        </p:txBody>
-      </p:sp>
-      <p:cxnSp>
-        <p:nvCxnSpPr>
-          <p:cNvPr id="30" name="직선 화살표 연결선 29">
-            <a:extLst>
-              <a:ext uri="{FF2B5EF4-FFF2-40B4-BE49-F238E27FC236}">
-                <a16:creationId xmlns:a16="http://schemas.microsoft.com/office/drawing/2014/main" id="{98488348-7C0A-8050-8939-C38BEB50E8F3}"/>
-              </a:ext>
-            </a:extLst>
-          </p:cNvPr>
-          <p:cNvCxnSpPr>
-            <a:endCxn id="18" idx="1"/>
-          </p:cNvCxnSpPr>
-          <p:nvPr/>
-        </p:nvCxnSpPr>
-        <p:spPr>
-          <a:xfrm>
-            <a:off x="3247822" y="6076155"/>
-            <a:ext cx="329435" cy="3815"/>
-          </a:xfrm>
-          <a:prstGeom prst="straightConnector1">
-            <a:avLst/>
-          </a:prstGeom>
-          <a:ln>
-            <a:tailEnd type="triangle"/>
-          </a:ln>
-        </p:spPr>
-        <p:style>
-          <a:lnRef idx="3">
-            <a:schemeClr val="dk1"/>
-          </a:lnRef>
-          <a:fillRef idx="0">
-            <a:schemeClr val="dk1"/>
-          </a:fillRef>
-          <a:effectRef idx="2">
-            <a:schemeClr val="dk1"/>
-          </a:effectRef>
-          <a:fontRef idx="minor">
-            <a:schemeClr val="tx1"/>
-          </a:fontRef>
-        </p:style>
-      </p:cxnSp>
-      <p:cxnSp>
-        <p:nvCxnSpPr>
-          <p:cNvPr id="31" name="직선 화살표 연결선 30">
-            <a:extLst>
-              <a:ext uri="{FF2B5EF4-FFF2-40B4-BE49-F238E27FC236}">
-                <a16:creationId xmlns:a16="http://schemas.microsoft.com/office/drawing/2014/main" id="{46E299CA-AAB5-B04D-817D-AAA9E7655477}"/>
-              </a:ext>
-            </a:extLst>
-          </p:cNvPr>
-          <p:cNvCxnSpPr>
-            <a:cxnSpLocks/>
-            <a:stCxn id="18" idx="3"/>
-            <a:endCxn id="6" idx="1"/>
-          </p:cNvCxnSpPr>
-          <p:nvPr/>
-        </p:nvCxnSpPr>
-        <p:spPr>
-          <a:xfrm>
-            <a:off x="4209692" y="6079970"/>
-            <a:ext cx="397775" cy="4102"/>
-          </a:xfrm>
-          <a:prstGeom prst="straightConnector1">
-            <a:avLst/>
-          </a:prstGeom>
-          <a:ln>
-            <a:tailEnd type="triangle"/>
-          </a:ln>
-        </p:spPr>
-        <p:style>
-          <a:lnRef idx="3">
-            <a:schemeClr val="dk1"/>
-          </a:lnRef>
-          <a:fillRef idx="0">
-            <a:schemeClr val="dk1"/>
-          </a:fillRef>
-          <a:effectRef idx="2">
-            <a:schemeClr val="dk1"/>
-          </a:effectRef>
-          <a:fontRef idx="minor">
-            <a:schemeClr val="tx1"/>
-          </a:fontRef>
-        </p:style>
-      </p:cxnSp>
-      <p:cxnSp>
-        <p:nvCxnSpPr>
-          <p:cNvPr id="48" name="직선 화살표 연결선 47">
-            <a:extLst>
-              <a:ext uri="{FF2B5EF4-FFF2-40B4-BE49-F238E27FC236}">
-                <a16:creationId xmlns:a16="http://schemas.microsoft.com/office/drawing/2014/main" id="{65DBEE83-74CB-A86C-7FCC-3F46C0D4AA77}"/>
-              </a:ext>
-            </a:extLst>
-          </p:cNvPr>
-          <p:cNvCxnSpPr>
-            <a:cxnSpLocks/>
-            <a:stCxn id="27" idx="3"/>
-            <a:endCxn id="25" idx="1"/>
-          </p:cNvCxnSpPr>
-          <p:nvPr/>
-        </p:nvCxnSpPr>
-        <p:spPr>
-          <a:xfrm>
-            <a:off x="6420470" y="6079970"/>
-            <a:ext cx="367355" cy="0"/>
-          </a:xfrm>
-          <a:prstGeom prst="straightConnector1">
-            <a:avLst/>
-          </a:prstGeom>
-          <a:ln>
-            <a:tailEnd type="triangle"/>
-          </a:ln>
-        </p:spPr>
-        <p:style>
-          <a:lnRef idx="3">
-            <a:schemeClr val="dk1"/>
-          </a:lnRef>
-          <a:fillRef idx="0">
-            <a:schemeClr val="dk1"/>
-          </a:fillRef>
-          <a:effectRef idx="2">
-            <a:schemeClr val="dk1"/>
-          </a:effectRef>
-          <a:fontRef idx="minor">
-            <a:schemeClr val="tx1"/>
-          </a:fontRef>
-        </p:style>
-      </p:cxnSp>
-      <p:cxnSp>
-        <p:nvCxnSpPr>
-          <p:cNvPr id="51" name="직선 화살표 연결선 50">
-            <a:extLst>
-              <a:ext uri="{FF2B5EF4-FFF2-40B4-BE49-F238E27FC236}">
-                <a16:creationId xmlns:a16="http://schemas.microsoft.com/office/drawing/2014/main" id="{9F741CB4-E8BA-EC48-1BC5-6FEA50C6ABB5}"/>
-              </a:ext>
-            </a:extLst>
-          </p:cNvPr>
-          <p:cNvCxnSpPr>
-            <a:cxnSpLocks/>
-            <a:stCxn id="25" idx="3"/>
-            <a:endCxn id="26" idx="1"/>
-          </p:cNvCxnSpPr>
-          <p:nvPr/>
-        </p:nvCxnSpPr>
-        <p:spPr>
-          <a:xfrm>
-            <a:off x="7420260" y="6079970"/>
-            <a:ext cx="314221" cy="0"/>
-          </a:xfrm>
-          <a:prstGeom prst="straightConnector1">
-            <a:avLst/>
-          </a:prstGeom>
-          <a:ln>
-            <a:tailEnd type="triangle"/>
-          </a:ln>
-        </p:spPr>
-        <p:style>
-          <a:lnRef idx="3">
-            <a:schemeClr val="dk1"/>
-          </a:lnRef>
-          <a:fillRef idx="0">
-            <a:schemeClr val="dk1"/>
-          </a:fillRef>
-          <a:effectRef idx="2">
-            <a:schemeClr val="dk1"/>
-          </a:effectRef>
-          <a:fontRef idx="minor">
-            <a:schemeClr val="tx1"/>
-          </a:fontRef>
-        </p:style>
-      </p:cxnSp>
-      <p:sp>
-        <p:nvSpPr>
-          <p:cNvPr id="22" name="TextBox 21">
-            <a:extLst>
-              <a:ext uri="{FF2B5EF4-FFF2-40B4-BE49-F238E27FC236}">
-                <a16:creationId xmlns:a16="http://schemas.microsoft.com/office/drawing/2014/main" id="{2B32F7F9-70FC-3720-BE32-2A647407924C}"/>
-              </a:ext>
-            </a:extLst>
-          </p:cNvPr>
-          <p:cNvSpPr txBox="1"/>
-          <p:nvPr/>
-        </p:nvSpPr>
-        <p:spPr>
-          <a:xfrm>
-            <a:off x="7509908" y="5356257"/>
-            <a:ext cx="1245855" cy="400110"/>
-          </a:xfrm>
-          <a:prstGeom prst="rect">
-            <a:avLst/>
-          </a:prstGeom>
-          <a:noFill/>
-        </p:spPr>
-        <p:txBody>
-          <a:bodyPr wrap="none" rtlCol="0">
-            <a:spAutoFit/>
-          </a:bodyPr>
-          <a:lstStyle/>
-          <a:p>
-            <a:pPr algn="ctr"/>
-            <a:r>
-              <a:rPr lang="en-US" altLang="ko-KR" sz="1000" dirty="0" err="1"/>
-              <a:t>RenderTargetView</a:t>
-            </a:r>
-            <a:endParaRPr lang="en-US" altLang="ko-KR" sz="1000" dirty="0"/>
-          </a:p>
-          <a:p>
-            <a:pPr algn="ctr"/>
-            <a:r>
-              <a:rPr lang="en-US" altLang="ko-KR" sz="1000" dirty="0" err="1"/>
-              <a:t>DepthStencilView</a:t>
-            </a:r>
-            <a:endParaRPr lang="ko-KR" altLang="en-US" sz="1000" dirty="0"/>
-          </a:p>
-        </p:txBody>
-      </p:sp>
-      <p:sp>
-        <p:nvSpPr>
-          <p:cNvPr id="23" name="TextBox 22">
-            <a:extLst>
-              <a:ext uri="{FF2B5EF4-FFF2-40B4-BE49-F238E27FC236}">
-                <a16:creationId xmlns:a16="http://schemas.microsoft.com/office/drawing/2014/main" id="{385EA362-8388-D871-3CD8-EBA673CB1D83}"/>
-              </a:ext>
-            </a:extLst>
-          </p:cNvPr>
-          <p:cNvSpPr txBox="1"/>
-          <p:nvPr/>
-        </p:nvSpPr>
-        <p:spPr>
-          <a:xfrm>
-            <a:off x="3385782" y="5214716"/>
-            <a:ext cx="1002197" cy="400110"/>
-          </a:xfrm>
-          <a:prstGeom prst="rect">
-            <a:avLst/>
-          </a:prstGeom>
-          <a:noFill/>
-        </p:spPr>
-        <p:txBody>
-          <a:bodyPr wrap="none" rtlCol="0">
-            <a:spAutoFit/>
-          </a:bodyPr>
-          <a:lstStyle/>
-          <a:p>
-            <a:pPr algn="ctr"/>
-            <a:r>
-              <a:rPr lang="en-US" altLang="ko-KR" sz="1000" dirty="0" err="1"/>
-              <a:t>VertexShader</a:t>
-            </a:r>
-            <a:endParaRPr lang="en-US" altLang="ko-KR" sz="1000" dirty="0"/>
-          </a:p>
-          <a:p>
-            <a:pPr algn="ctr"/>
-            <a:r>
-              <a:rPr lang="en-US" altLang="ko-KR" sz="1000" dirty="0" err="1"/>
-              <a:t>ConstanBuffer</a:t>
-            </a:r>
-            <a:endParaRPr lang="en-US" altLang="ko-KR" sz="1000" dirty="0"/>
-          </a:p>
-        </p:txBody>
-      </p:sp>
-      <p:sp>
-        <p:nvSpPr>
-          <p:cNvPr id="32" name="TextBox 31">
-            <a:extLst>
-              <a:ext uri="{FF2B5EF4-FFF2-40B4-BE49-F238E27FC236}">
-                <a16:creationId xmlns:a16="http://schemas.microsoft.com/office/drawing/2014/main" id="{C90E6A47-1547-78F7-EFB9-DD12F3C82CE9}"/>
-              </a:ext>
-            </a:extLst>
-          </p:cNvPr>
-          <p:cNvSpPr txBox="1"/>
-          <p:nvPr/>
-        </p:nvSpPr>
-        <p:spPr>
-          <a:xfrm>
-            <a:off x="5635949" y="5455311"/>
-            <a:ext cx="928459" cy="246221"/>
-          </a:xfrm>
-          <a:prstGeom prst="rect">
-            <a:avLst/>
-          </a:prstGeom>
-          <a:noFill/>
-        </p:spPr>
-        <p:txBody>
-          <a:bodyPr wrap="none" rtlCol="0">
-            <a:spAutoFit/>
-          </a:bodyPr>
-          <a:lstStyle/>
-          <a:p>
-            <a:pPr algn="ctr"/>
-            <a:r>
-              <a:rPr lang="en-US" altLang="ko-KR" sz="1000" dirty="0" err="1"/>
-              <a:t>ViewPortInfo</a:t>
-            </a:r>
-            <a:endParaRPr lang="ko-KR" altLang="en-US" sz="1000" dirty="0"/>
-          </a:p>
-        </p:txBody>
-      </p:sp>
-      <p:sp>
-        <p:nvSpPr>
-          <p:cNvPr id="33" name="TextBox 32">
-            <a:extLst>
-              <a:ext uri="{FF2B5EF4-FFF2-40B4-BE49-F238E27FC236}">
-                <a16:creationId xmlns:a16="http://schemas.microsoft.com/office/drawing/2014/main" id="{2E93831B-3F8D-5FC6-3CB0-23C03870408B}"/>
-              </a:ext>
-            </a:extLst>
-          </p:cNvPr>
-          <p:cNvSpPr txBox="1"/>
-          <p:nvPr/>
-        </p:nvSpPr>
-        <p:spPr>
-          <a:xfrm>
-            <a:off x="6368557" y="4988085"/>
-            <a:ext cx="1391728" cy="830997"/>
-          </a:xfrm>
-          <a:prstGeom prst="rect">
-            <a:avLst/>
-          </a:prstGeom>
-          <a:noFill/>
-        </p:spPr>
-        <p:txBody>
-          <a:bodyPr wrap="none" rtlCol="0">
-            <a:spAutoFit/>
-          </a:bodyPr>
-          <a:lstStyle/>
-          <a:p>
-            <a:pPr algn="ctr"/>
-            <a:r>
-              <a:rPr lang="en-US" altLang="ko-KR" sz="1000" dirty="0" err="1"/>
-              <a:t>PixelShader</a:t>
-            </a:r>
-            <a:endParaRPr lang="en-US" altLang="ko-KR" sz="1000" dirty="0"/>
-          </a:p>
-          <a:p>
-            <a:pPr algn="ctr"/>
-            <a:r>
-              <a:rPr lang="en-US" altLang="ko-KR" sz="1000" dirty="0" err="1"/>
-              <a:t>ShaderResourceView</a:t>
-            </a:r>
-            <a:endParaRPr lang="en-US" altLang="ko-KR" sz="1000" dirty="0"/>
-          </a:p>
-          <a:p>
-            <a:pPr algn="ctr"/>
-            <a:r>
-              <a:rPr lang="en-US" altLang="ko-KR" sz="1000" dirty="0" err="1"/>
-              <a:t>SamplerState</a:t>
-            </a:r>
-            <a:endParaRPr lang="en-US" altLang="ko-KR" sz="1000" dirty="0"/>
-          </a:p>
-          <a:p>
-            <a:pPr algn="ctr"/>
-            <a:r>
-              <a:rPr lang="en-US" altLang="ko-KR" sz="1000" dirty="0" err="1"/>
-              <a:t>ConstanBuffer</a:t>
-            </a:r>
-            <a:endParaRPr lang="en-US" altLang="ko-KR" sz="1000" dirty="0"/>
-          </a:p>
-          <a:p>
-            <a:pPr algn="ctr"/>
-            <a:endParaRPr lang="ko-KR" altLang="en-US" sz="800" dirty="0"/>
-          </a:p>
-        </p:txBody>
-      </p:sp>
-      <p:sp>
-        <p:nvSpPr>
-          <p:cNvPr id="37" name="TextBox 36">
-            <a:extLst>
-              <a:ext uri="{FF2B5EF4-FFF2-40B4-BE49-F238E27FC236}">
-                <a16:creationId xmlns:a16="http://schemas.microsoft.com/office/drawing/2014/main" id="{D60A9D13-494B-7FF0-D05A-6110337C4424}"/>
-              </a:ext>
-            </a:extLst>
-          </p:cNvPr>
-          <p:cNvSpPr txBox="1"/>
-          <p:nvPr/>
-        </p:nvSpPr>
-        <p:spPr>
-          <a:xfrm>
-            <a:off x="2280485" y="4987870"/>
-            <a:ext cx="1287533" cy="900246"/>
-          </a:xfrm>
-          <a:prstGeom prst="rect">
-            <a:avLst/>
-          </a:prstGeom>
-          <a:noFill/>
-        </p:spPr>
-        <p:txBody>
-          <a:bodyPr wrap="none" rtlCol="0">
-            <a:spAutoFit/>
-          </a:bodyPr>
-          <a:lstStyle/>
-          <a:p>
-            <a:pPr algn="ctr"/>
-            <a:r>
-              <a:rPr lang="en-US" altLang="ko-KR" sz="1050" dirty="0" err="1"/>
-              <a:t>PrimitiveTopology</a:t>
-            </a:r>
-            <a:endParaRPr lang="en-US" altLang="ko-KR" sz="1050" dirty="0"/>
-          </a:p>
-          <a:p>
-            <a:pPr algn="ctr"/>
-            <a:r>
-              <a:rPr lang="en-US" altLang="ko-KR" sz="1050" dirty="0" err="1"/>
-              <a:t>InputLayout</a:t>
-            </a:r>
-            <a:endParaRPr lang="en-US" altLang="ko-KR" sz="1050" dirty="0"/>
-          </a:p>
-          <a:p>
-            <a:pPr algn="ctr"/>
-            <a:r>
-              <a:rPr lang="en-US" altLang="ko-KR" sz="1050" dirty="0" err="1"/>
-              <a:t>VertexBuffer</a:t>
-            </a:r>
-            <a:endParaRPr lang="en-US" altLang="ko-KR" sz="1050" dirty="0"/>
-          </a:p>
-          <a:p>
-            <a:pPr algn="ctr"/>
-            <a:r>
-              <a:rPr lang="en-US" altLang="ko-KR" sz="1050" dirty="0" err="1"/>
-              <a:t>IndexBuffer</a:t>
-            </a:r>
-            <a:endParaRPr lang="en-US" altLang="ko-KR" sz="1050" dirty="0"/>
-          </a:p>
-          <a:p>
-            <a:pPr algn="ctr"/>
-            <a:endParaRPr lang="en-US" altLang="ko-KR" sz="1050" dirty="0"/>
-          </a:p>
-        </p:txBody>
-      </p:sp>
-      <p:sp>
-        <p:nvSpPr>
-          <p:cNvPr id="6" name="직사각형 5">
-            <a:extLst>
-              <a:ext uri="{FF2B5EF4-FFF2-40B4-BE49-F238E27FC236}">
-                <a16:creationId xmlns:a16="http://schemas.microsoft.com/office/drawing/2014/main" id="{F0ED985D-5B42-A94C-7F23-85BBB1DA93D5}"/>
-              </a:ext>
-            </a:extLst>
-          </p:cNvPr>
-          <p:cNvSpPr/>
-          <p:nvPr/>
-        </p:nvSpPr>
-        <p:spPr>
-          <a:xfrm>
-            <a:off x="4607467" y="5903338"/>
-            <a:ext cx="719618" cy="361467"/>
-          </a:xfrm>
-          <a:prstGeom prst="rect">
-            <a:avLst/>
-          </a:prstGeom>
-          <a:noFill/>
-          <a:ln>
-            <a:prstDash val="dash"/>
-            <a:extLst>
-              <a:ext uri="{C807C97D-BFC1-408E-A445-0C87EB9F89A2}">
-                <ask:lineSketchStyleProps xmlns:ask="http://schemas.microsoft.com/office/drawing/2018/sketchyshapes" sd="1166495805">
-                  <a:custGeom>
-                    <a:avLst/>
-                    <a:gdLst>
-                      <a:gd name="connsiteX0" fmla="*/ 0 w 2422772"/>
-                      <a:gd name="connsiteY0" fmla="*/ 0 h 619943"/>
-                      <a:gd name="connsiteX1" fmla="*/ 411871 w 2422772"/>
-                      <a:gd name="connsiteY1" fmla="*/ 0 h 619943"/>
-                      <a:gd name="connsiteX2" fmla="*/ 823742 w 2422772"/>
-                      <a:gd name="connsiteY2" fmla="*/ 0 h 619943"/>
-                      <a:gd name="connsiteX3" fmla="*/ 1235614 w 2422772"/>
-                      <a:gd name="connsiteY3" fmla="*/ 0 h 619943"/>
-                      <a:gd name="connsiteX4" fmla="*/ 1768624 w 2422772"/>
-                      <a:gd name="connsiteY4" fmla="*/ 0 h 619943"/>
-                      <a:gd name="connsiteX5" fmla="*/ 2422772 w 2422772"/>
-                      <a:gd name="connsiteY5" fmla="*/ 0 h 619943"/>
-                      <a:gd name="connsiteX6" fmla="*/ 2422772 w 2422772"/>
-                      <a:gd name="connsiteY6" fmla="*/ 291373 h 619943"/>
-                      <a:gd name="connsiteX7" fmla="*/ 2422772 w 2422772"/>
-                      <a:gd name="connsiteY7" fmla="*/ 619943 h 619943"/>
-                      <a:gd name="connsiteX8" fmla="*/ 1913990 w 2422772"/>
-                      <a:gd name="connsiteY8" fmla="*/ 619943 h 619943"/>
-                      <a:gd name="connsiteX9" fmla="*/ 1502119 w 2422772"/>
-                      <a:gd name="connsiteY9" fmla="*/ 619943 h 619943"/>
-                      <a:gd name="connsiteX10" fmla="*/ 1041792 w 2422772"/>
-                      <a:gd name="connsiteY10" fmla="*/ 619943 h 619943"/>
-                      <a:gd name="connsiteX11" fmla="*/ 605693 w 2422772"/>
-                      <a:gd name="connsiteY11" fmla="*/ 619943 h 619943"/>
-                      <a:gd name="connsiteX12" fmla="*/ 0 w 2422772"/>
-                      <a:gd name="connsiteY12" fmla="*/ 619943 h 619943"/>
-                      <a:gd name="connsiteX13" fmla="*/ 0 w 2422772"/>
-                      <a:gd name="connsiteY13" fmla="*/ 328570 h 619943"/>
-                      <a:gd name="connsiteX14" fmla="*/ 0 w 2422772"/>
-                      <a:gd name="connsiteY14" fmla="*/ 0 h 619943"/>
-                    </a:gdLst>
-                    <a:ahLst/>
-                    <a:cxnLst>
-                      <a:cxn ang="0">
-                        <a:pos x="connsiteX0" y="connsiteY0"/>
-                      </a:cxn>
-                      <a:cxn ang="0">
-                        <a:pos x="connsiteX1" y="connsiteY1"/>
-                      </a:cxn>
-                      <a:cxn ang="0">
-                        <a:pos x="connsiteX2" y="connsiteY2"/>
-                      </a:cxn>
-                      <a:cxn ang="0">
-                        <a:pos x="connsiteX3" y="connsiteY3"/>
-                      </a:cxn>
-                      <a:cxn ang="0">
-                        <a:pos x="connsiteX4" y="connsiteY4"/>
-                      </a:cxn>
-                      <a:cxn ang="0">
-                        <a:pos x="connsiteX5" y="connsiteY5"/>
-                      </a:cxn>
-                      <a:cxn ang="0">
-                        <a:pos x="connsiteX6" y="connsiteY6"/>
-                      </a:cxn>
-                      <a:cxn ang="0">
-                        <a:pos x="connsiteX7" y="connsiteY7"/>
-                      </a:cxn>
-                      <a:cxn ang="0">
-                        <a:pos x="connsiteX8" y="connsiteY8"/>
-                      </a:cxn>
-                      <a:cxn ang="0">
-                        <a:pos x="connsiteX9" y="connsiteY9"/>
-                      </a:cxn>
-                      <a:cxn ang="0">
-                        <a:pos x="connsiteX10" y="connsiteY10"/>
-                      </a:cxn>
-                      <a:cxn ang="0">
-                        <a:pos x="connsiteX11" y="connsiteY11"/>
-                      </a:cxn>
-                      <a:cxn ang="0">
-                        <a:pos x="connsiteX12" y="connsiteY12"/>
-                      </a:cxn>
-                      <a:cxn ang="0">
-                        <a:pos x="connsiteX13" y="connsiteY13"/>
-                      </a:cxn>
-                      <a:cxn ang="0">
-                        <a:pos x="connsiteX14" y="connsiteY14"/>
-                      </a:cxn>
-                    </a:cxnLst>
-                    <a:rect l="l" t="t" r="r" b="b"/>
-                    <a:pathLst>
-                      <a:path w="2422772" h="619943" extrusionOk="0">
-                        <a:moveTo>
-                          <a:pt x="0" y="0"/>
-                        </a:moveTo>
-                        <a:cubicBezTo>
-                          <a:pt x="94532" y="-2392"/>
-                          <a:pt x="234570" y="14366"/>
-                          <a:pt x="411871" y="0"/>
-                        </a:cubicBezTo>
-                        <a:cubicBezTo>
-                          <a:pt x="589172" y="-14366"/>
-                          <a:pt x="687037" y="6588"/>
-                          <a:pt x="823742" y="0"/>
-                        </a:cubicBezTo>
-                        <a:cubicBezTo>
-                          <a:pt x="960447" y="-6588"/>
-                          <a:pt x="1112929" y="12207"/>
-                          <a:pt x="1235614" y="0"/>
-                        </a:cubicBezTo>
-                        <a:cubicBezTo>
-                          <a:pt x="1358299" y="-12207"/>
-                          <a:pt x="1529833" y="11709"/>
-                          <a:pt x="1768624" y="0"/>
-                        </a:cubicBezTo>
-                        <a:cubicBezTo>
-                          <a:pt x="2007415" y="-11709"/>
-                          <a:pt x="2281152" y="21909"/>
-                          <a:pt x="2422772" y="0"/>
-                        </a:cubicBezTo>
-                        <a:cubicBezTo>
-                          <a:pt x="2447242" y="138576"/>
-                          <a:pt x="2392425" y="224023"/>
-                          <a:pt x="2422772" y="291373"/>
-                        </a:cubicBezTo>
-                        <a:cubicBezTo>
-                          <a:pt x="2453119" y="358723"/>
-                          <a:pt x="2397550" y="545982"/>
-                          <a:pt x="2422772" y="619943"/>
-                        </a:cubicBezTo>
-                        <a:cubicBezTo>
-                          <a:pt x="2277543" y="646371"/>
-                          <a:pt x="2030920" y="588880"/>
-                          <a:pt x="1913990" y="619943"/>
-                        </a:cubicBezTo>
-                        <a:cubicBezTo>
-                          <a:pt x="1797060" y="651006"/>
-                          <a:pt x="1683570" y="615788"/>
-                          <a:pt x="1502119" y="619943"/>
-                        </a:cubicBezTo>
-                        <a:cubicBezTo>
-                          <a:pt x="1320668" y="624098"/>
-                          <a:pt x="1143349" y="577396"/>
-                          <a:pt x="1041792" y="619943"/>
-                        </a:cubicBezTo>
-                        <a:cubicBezTo>
-                          <a:pt x="940235" y="662490"/>
-                          <a:pt x="750221" y="613550"/>
-                          <a:pt x="605693" y="619943"/>
-                        </a:cubicBezTo>
-                        <a:cubicBezTo>
-                          <a:pt x="461165" y="626336"/>
-                          <a:pt x="252762" y="555017"/>
-                          <a:pt x="0" y="619943"/>
-                        </a:cubicBezTo>
-                        <a:cubicBezTo>
-                          <a:pt x="-22538" y="494590"/>
-                          <a:pt x="32189" y="447721"/>
-                          <a:pt x="0" y="328570"/>
-                        </a:cubicBezTo>
-                        <a:cubicBezTo>
-                          <a:pt x="-32189" y="209419"/>
-                          <a:pt x="9860" y="70123"/>
-                          <a:pt x="0" y="0"/>
-                        </a:cubicBezTo>
-                        <a:close/>
-                      </a:path>
-                    </a:pathLst>
-                  </a:custGeom>
-                  <ask:type>
-                    <ask:lineSketchNone/>
-                  </ask:type>
-                </ask:lineSketchStyleProps>
-              </a:ext>
-            </a:extLst>
-          </a:ln>
-        </p:spPr>
-        <p:style>
-          <a:lnRef idx="2">
-            <a:schemeClr val="accent1">
-              <a:shade val="15000"/>
-            </a:schemeClr>
-          </a:lnRef>
-          <a:fillRef idx="1">
-            <a:schemeClr val="accent1"/>
-          </a:fillRef>
-          <a:effectRef idx="0">
-            <a:schemeClr val="accent1"/>
-          </a:effectRef>
-          <a:fontRef idx="minor">
-            <a:schemeClr val="lt1"/>
-          </a:fontRef>
-        </p:style>
-        <p:txBody>
-          <a:bodyPr rtlCol="0" anchor="ctr"/>
-          <a:lstStyle/>
-          <a:p>
-            <a:pPr algn="ctr"/>
             <a:r>
               <a:rPr lang="ko-KR" altLang="en-US">
                 <a:solidFill>
@@ -11934,7 +11965,7 @@
         <p:spPr>
           <a:xfrm>
             <a:off x="424330" y="1918448"/>
-            <a:ext cx="11101822" cy="2308324"/>
+            <a:ext cx="11101822" cy="2031325"/>
           </a:xfrm>
           <a:prstGeom prst="rect">
             <a:avLst/>
@@ -12142,40 +12173,6 @@
             <a:r>
               <a:rPr lang="en-US" altLang="ko-KR" dirty="0"/>
               <a:t>.</a:t>
-            </a:r>
-          </a:p>
-          <a:p>
-            <a:r>
-              <a:rPr lang="en-US" altLang="ko-KR" dirty="0"/>
-              <a:t>7.  </a:t>
-            </a:r>
-            <a:r>
-              <a:rPr lang="ko-KR" altLang="en-US" dirty="0"/>
-              <a:t>실행파일을 복사하고 작업이 끝난 </a:t>
-            </a:r>
-            <a:r>
-              <a:rPr lang="ko-KR" altLang="en-US" dirty="0" err="1"/>
-              <a:t>리비전</a:t>
-            </a:r>
-            <a:r>
-              <a:rPr lang="ko-KR" altLang="en-US" dirty="0"/>
-              <a:t> 번호를 </a:t>
-            </a:r>
-            <a:r>
-              <a:rPr lang="en-US" altLang="ko-KR" dirty="0"/>
-              <a:t>Text</a:t>
-            </a:r>
-            <a:r>
-              <a:rPr lang="ko-KR" altLang="en-US" dirty="0"/>
-              <a:t>파일로 남깁니다</a:t>
-            </a:r>
-            <a:r>
-              <a:rPr lang="en-US" altLang="ko-KR" dirty="0"/>
-              <a:t>.</a:t>
-            </a:r>
-            <a:r>
-              <a:rPr lang="ko-KR" altLang="en-US" dirty="0"/>
-              <a:t>  </a:t>
             </a:r>
           </a:p>
         </p:txBody>
